--- a/IntroductionToFSharp.pptx
+++ b/IntroductionToFSharp.pptx
@@ -5,15 +5,19 @@
     <p:sldMasterId id="2147483660" r:id="rId1"/>
   </p:sldMasterIdLst>
   <p:notesMasterIdLst>
-    <p:notesMasterId r:id="rId5"/>
+    <p:notesMasterId r:id="rId9"/>
   </p:notesMasterIdLst>
   <p:handoutMasterIdLst>
-    <p:handoutMasterId r:id="rId6"/>
+    <p:handoutMasterId r:id="rId10"/>
   </p:handoutMasterIdLst>
   <p:sldIdLst>
     <p:sldId id="256" r:id="rId2"/>
-    <p:sldId id="322" r:id="rId3"/>
-    <p:sldId id="320" r:id="rId4"/>
+    <p:sldId id="323" r:id="rId3"/>
+    <p:sldId id="324" r:id="rId4"/>
+    <p:sldId id="326" r:id="rId5"/>
+    <p:sldId id="322" r:id="rId6"/>
+    <p:sldId id="325" r:id="rId7"/>
+    <p:sldId id="320" r:id="rId8"/>
   </p:sldIdLst>
   <p:sldSz cx="9144000" cy="6858000" type="screen4x3"/>
   <p:notesSz cx="6858000" cy="9144000"/>
@@ -809,6 +813,334 @@
       </p:grpSpPr>
       <p:sp>
         <p:nvSpPr>
+          <p:cNvPr id="2" name="Folienbildplatzhalter 1"/>
+          <p:cNvSpPr>
+            <a:spLocks noGrp="1" noRot="1" noChangeAspect="1"/>
+          </p:cNvSpPr>
+          <p:nvPr>
+            <p:ph type="sldImg"/>
+          </p:nvPr>
+        </p:nvSpPr>
+        <p:spPr/>
+      </p:sp>
+      <p:sp>
+        <p:nvSpPr>
+          <p:cNvPr id="3" name="Notizenplatzhalter 2"/>
+          <p:cNvSpPr>
+            <a:spLocks noGrp="1"/>
+          </p:cNvSpPr>
+          <p:nvPr>
+            <p:ph type="body" idx="1"/>
+          </p:nvPr>
+        </p:nvSpPr>
+        <p:spPr/>
+        <p:txBody>
+          <a:bodyPr>
+            <a:normAutofit/>
+          </a:bodyPr>
+          <a:lstStyle/>
+          <a:p>
+            <a:endParaRPr lang="de-DE"/>
+          </a:p>
+        </p:txBody>
+      </p:sp>
+      <p:sp>
+        <p:nvSpPr>
+          <p:cNvPr id="4" name="Foliennummernplatzhalter 3"/>
+          <p:cNvSpPr>
+            <a:spLocks noGrp="1"/>
+          </p:cNvSpPr>
+          <p:nvPr>
+            <p:ph type="sldNum" sz="quarter" idx="10"/>
+          </p:nvPr>
+        </p:nvSpPr>
+        <p:spPr/>
+        <p:txBody>
+          <a:bodyPr/>
+          <a:lstStyle/>
+          <a:p>
+            <a:fld id="{FE5C90B4-74E4-420E-9E3F-548EA925D0FC}" type="slidenum">
+              <a:rPr lang="en-US" smtClean="0"/>
+              <a:pPr/>
+              <a:t>3</a:t>
+            </a:fld>
+            <a:endParaRPr lang="en-US"/>
+          </a:p>
+        </p:txBody>
+      </p:sp>
+    </p:spTree>
+  </p:cSld>
+  <p:clrMapOvr>
+    <a:masterClrMapping/>
+  </p:clrMapOvr>
+</p:notes>
+</file>
+
+<file path=ppt/notesSlides/notesSlide4.xml><?xml version="1.0" encoding="utf-8"?>
+<p:notes xmlns:a="http://schemas.openxmlformats.org/drawingml/2006/main" xmlns:r="http://schemas.openxmlformats.org/officeDocument/2006/relationships" xmlns:p="http://schemas.openxmlformats.org/presentationml/2006/main">
+  <p:cSld>
+    <p:spTree>
+      <p:nvGrpSpPr>
+        <p:cNvPr id="1" name=""/>
+        <p:cNvGrpSpPr/>
+        <p:nvPr/>
+      </p:nvGrpSpPr>
+      <p:grpSpPr>
+        <a:xfrm>
+          <a:off x="0" y="0"/>
+          <a:ext cx="0" cy="0"/>
+          <a:chOff x="0" y="0"/>
+          <a:chExt cx="0" cy="0"/>
+        </a:xfrm>
+      </p:grpSpPr>
+      <p:sp>
+        <p:nvSpPr>
+          <p:cNvPr id="2" name="Folienbildplatzhalter 1"/>
+          <p:cNvSpPr>
+            <a:spLocks noGrp="1" noRot="1" noChangeAspect="1"/>
+          </p:cNvSpPr>
+          <p:nvPr>
+            <p:ph type="sldImg"/>
+          </p:nvPr>
+        </p:nvSpPr>
+        <p:spPr/>
+      </p:sp>
+      <p:sp>
+        <p:nvSpPr>
+          <p:cNvPr id="3" name="Notizenplatzhalter 2"/>
+          <p:cNvSpPr>
+            <a:spLocks noGrp="1"/>
+          </p:cNvSpPr>
+          <p:nvPr>
+            <p:ph type="body" idx="1"/>
+          </p:nvPr>
+        </p:nvSpPr>
+        <p:spPr/>
+        <p:txBody>
+          <a:bodyPr>
+            <a:normAutofit/>
+          </a:bodyPr>
+          <a:lstStyle/>
+          <a:p>
+            <a:endParaRPr lang="de-DE"/>
+          </a:p>
+        </p:txBody>
+      </p:sp>
+      <p:sp>
+        <p:nvSpPr>
+          <p:cNvPr id="4" name="Foliennummernplatzhalter 3"/>
+          <p:cNvSpPr>
+            <a:spLocks noGrp="1"/>
+          </p:cNvSpPr>
+          <p:nvPr>
+            <p:ph type="sldNum" sz="quarter" idx="10"/>
+          </p:nvPr>
+        </p:nvSpPr>
+        <p:spPr/>
+        <p:txBody>
+          <a:bodyPr/>
+          <a:lstStyle/>
+          <a:p>
+            <a:fld id="{FE5C90B4-74E4-420E-9E3F-548EA925D0FC}" type="slidenum">
+              <a:rPr lang="en-US" smtClean="0"/>
+              <a:pPr/>
+              <a:t>4</a:t>
+            </a:fld>
+            <a:endParaRPr lang="en-US"/>
+          </a:p>
+        </p:txBody>
+      </p:sp>
+    </p:spTree>
+  </p:cSld>
+  <p:clrMapOvr>
+    <a:masterClrMapping/>
+  </p:clrMapOvr>
+</p:notes>
+</file>
+
+<file path=ppt/notesSlides/notesSlide5.xml><?xml version="1.0" encoding="utf-8"?>
+<p:notes xmlns:a="http://schemas.openxmlformats.org/drawingml/2006/main" xmlns:r="http://schemas.openxmlformats.org/officeDocument/2006/relationships" xmlns:p="http://schemas.openxmlformats.org/presentationml/2006/main">
+  <p:cSld>
+    <p:spTree>
+      <p:nvGrpSpPr>
+        <p:cNvPr id="1" name=""/>
+        <p:cNvGrpSpPr/>
+        <p:nvPr/>
+      </p:nvGrpSpPr>
+      <p:grpSpPr>
+        <a:xfrm>
+          <a:off x="0" y="0"/>
+          <a:ext cx="0" cy="0"/>
+          <a:chOff x="0" y="0"/>
+          <a:chExt cx="0" cy="0"/>
+        </a:xfrm>
+      </p:grpSpPr>
+      <p:sp>
+        <p:nvSpPr>
+          <p:cNvPr id="2" name="Folienbildplatzhalter 1"/>
+          <p:cNvSpPr>
+            <a:spLocks noGrp="1" noRot="1" noChangeAspect="1"/>
+          </p:cNvSpPr>
+          <p:nvPr>
+            <p:ph type="sldImg"/>
+          </p:nvPr>
+        </p:nvSpPr>
+        <p:spPr/>
+      </p:sp>
+      <p:sp>
+        <p:nvSpPr>
+          <p:cNvPr id="3" name="Notizenplatzhalter 2"/>
+          <p:cNvSpPr>
+            <a:spLocks noGrp="1"/>
+          </p:cNvSpPr>
+          <p:nvPr>
+            <p:ph type="body" idx="1"/>
+          </p:nvPr>
+        </p:nvSpPr>
+        <p:spPr/>
+        <p:txBody>
+          <a:bodyPr>
+            <a:normAutofit/>
+          </a:bodyPr>
+          <a:lstStyle/>
+          <a:p>
+            <a:endParaRPr lang="de-DE"/>
+          </a:p>
+        </p:txBody>
+      </p:sp>
+      <p:sp>
+        <p:nvSpPr>
+          <p:cNvPr id="4" name="Foliennummernplatzhalter 3"/>
+          <p:cNvSpPr>
+            <a:spLocks noGrp="1"/>
+          </p:cNvSpPr>
+          <p:nvPr>
+            <p:ph type="sldNum" sz="quarter" idx="10"/>
+          </p:nvPr>
+        </p:nvSpPr>
+        <p:spPr/>
+        <p:txBody>
+          <a:bodyPr/>
+          <a:lstStyle/>
+          <a:p>
+            <a:fld id="{FE5C90B4-74E4-420E-9E3F-548EA925D0FC}" type="slidenum">
+              <a:rPr lang="en-US" smtClean="0"/>
+              <a:pPr/>
+              <a:t>5</a:t>
+            </a:fld>
+            <a:endParaRPr lang="en-US"/>
+          </a:p>
+        </p:txBody>
+      </p:sp>
+    </p:spTree>
+  </p:cSld>
+  <p:clrMapOvr>
+    <a:masterClrMapping/>
+  </p:clrMapOvr>
+</p:notes>
+</file>
+
+<file path=ppt/notesSlides/notesSlide6.xml><?xml version="1.0" encoding="utf-8"?>
+<p:notes xmlns:a="http://schemas.openxmlformats.org/drawingml/2006/main" xmlns:r="http://schemas.openxmlformats.org/officeDocument/2006/relationships" xmlns:p="http://schemas.openxmlformats.org/presentationml/2006/main">
+  <p:cSld>
+    <p:spTree>
+      <p:nvGrpSpPr>
+        <p:cNvPr id="1" name=""/>
+        <p:cNvGrpSpPr/>
+        <p:nvPr/>
+      </p:nvGrpSpPr>
+      <p:grpSpPr>
+        <a:xfrm>
+          <a:off x="0" y="0"/>
+          <a:ext cx="0" cy="0"/>
+          <a:chOff x="0" y="0"/>
+          <a:chExt cx="0" cy="0"/>
+        </a:xfrm>
+      </p:grpSpPr>
+      <p:sp>
+        <p:nvSpPr>
+          <p:cNvPr id="2" name="Folienbildplatzhalter 1"/>
+          <p:cNvSpPr>
+            <a:spLocks noGrp="1" noRot="1" noChangeAspect="1"/>
+          </p:cNvSpPr>
+          <p:nvPr>
+            <p:ph type="sldImg"/>
+          </p:nvPr>
+        </p:nvSpPr>
+        <p:spPr/>
+      </p:sp>
+      <p:sp>
+        <p:nvSpPr>
+          <p:cNvPr id="3" name="Notizenplatzhalter 2"/>
+          <p:cNvSpPr>
+            <a:spLocks noGrp="1"/>
+          </p:cNvSpPr>
+          <p:nvPr>
+            <p:ph type="body" idx="1"/>
+          </p:nvPr>
+        </p:nvSpPr>
+        <p:spPr/>
+        <p:txBody>
+          <a:bodyPr>
+            <a:normAutofit/>
+          </a:bodyPr>
+          <a:lstStyle/>
+          <a:p>
+            <a:endParaRPr lang="de-DE"/>
+          </a:p>
+        </p:txBody>
+      </p:sp>
+      <p:sp>
+        <p:nvSpPr>
+          <p:cNvPr id="4" name="Foliennummernplatzhalter 3"/>
+          <p:cNvSpPr>
+            <a:spLocks noGrp="1"/>
+          </p:cNvSpPr>
+          <p:nvPr>
+            <p:ph type="sldNum" sz="quarter" idx="10"/>
+          </p:nvPr>
+        </p:nvSpPr>
+        <p:spPr/>
+        <p:txBody>
+          <a:bodyPr/>
+          <a:lstStyle/>
+          <a:p>
+            <a:fld id="{FE5C90B4-74E4-420E-9E3F-548EA925D0FC}" type="slidenum">
+              <a:rPr lang="en-US" smtClean="0"/>
+              <a:pPr/>
+              <a:t>6</a:t>
+            </a:fld>
+            <a:endParaRPr lang="en-US"/>
+          </a:p>
+        </p:txBody>
+      </p:sp>
+    </p:spTree>
+  </p:cSld>
+  <p:clrMapOvr>
+    <a:masterClrMapping/>
+  </p:clrMapOvr>
+</p:notes>
+</file>
+
+<file path=ppt/notesSlides/notesSlide7.xml><?xml version="1.0" encoding="utf-8"?>
+<p:notes xmlns:a="http://schemas.openxmlformats.org/drawingml/2006/main" xmlns:r="http://schemas.openxmlformats.org/officeDocument/2006/relationships" xmlns:p="http://schemas.openxmlformats.org/presentationml/2006/main">
+  <p:cSld>
+    <p:spTree>
+      <p:nvGrpSpPr>
+        <p:cNvPr id="1" name=""/>
+        <p:cNvGrpSpPr/>
+        <p:nvPr/>
+      </p:nvGrpSpPr>
+      <p:grpSpPr>
+        <a:xfrm>
+          <a:off x="0" y="0"/>
+          <a:ext cx="0" cy="0"/>
+          <a:chOff x="0" y="0"/>
+          <a:chExt cx="0" cy="0"/>
+        </a:xfrm>
+      </p:grpSpPr>
+      <p:sp>
+        <p:nvSpPr>
           <p:cNvPr id="2" name="Slide Image Placeholder 1"/>
           <p:cNvSpPr>
             <a:spLocks noGrp="1" noRot="1" noChangeAspect="1"/>
@@ -3981,7 +4313,224 @@
       </p:grpSpPr>
       <p:sp>
         <p:nvSpPr>
-          <p:cNvPr id="6" name="Titel 5"/>
+          <p:cNvPr id="2" name="Titel 1"/>
+          <p:cNvSpPr>
+            <a:spLocks noGrp="1"/>
+          </p:cNvSpPr>
+          <p:nvPr>
+            <p:ph type="title"/>
+          </p:nvPr>
+        </p:nvSpPr>
+        <p:spPr/>
+        <p:txBody>
+          <a:bodyPr>
+            <a:normAutofit/>
+          </a:bodyPr>
+          <a:lstStyle/>
+          <a:p>
+            <a:r>
+              <a:rPr lang="de-DE" sz="7200" dirty="0" smtClean="0"/>
+              <a:t>Allgemeines</a:t>
+            </a:r>
+            <a:endParaRPr lang="de-DE" sz="7200" dirty="0"/>
+          </a:p>
+        </p:txBody>
+      </p:sp>
+      <p:sp>
+        <p:nvSpPr>
+          <p:cNvPr id="3" name="Inhaltsplatzhalter 2"/>
+          <p:cNvSpPr>
+            <a:spLocks noGrp="1"/>
+          </p:cNvSpPr>
+          <p:nvPr>
+            <p:ph idx="1"/>
+          </p:nvPr>
+        </p:nvSpPr>
+        <p:spPr/>
+        <p:txBody>
+          <a:bodyPr>
+            <a:noAutofit/>
+          </a:bodyPr>
+          <a:lstStyle/>
+          <a:p>
+            <a:pPr lvl="0"/>
+            <a:r>
+              <a:rPr lang="de-DE" sz="6000" dirty="0" smtClean="0"/>
+              <a:t>Kaum </a:t>
+            </a:r>
+            <a:r>
+              <a:rPr lang="de-DE" sz="6000" dirty="0" smtClean="0"/>
+              <a:t>Folien</a:t>
+            </a:r>
+          </a:p>
+          <a:p>
+            <a:pPr lvl="0"/>
+            <a:r>
+              <a:rPr lang="de-DE" sz="6000" dirty="0" smtClean="0"/>
+              <a:t>Viel Code</a:t>
+            </a:r>
+          </a:p>
+          <a:p>
+            <a:pPr lvl="0"/>
+            <a:r>
+              <a:rPr lang="de-DE" sz="6000" dirty="0" smtClean="0"/>
+              <a:t>Zwischenfragen </a:t>
+            </a:r>
+            <a:r>
+              <a:rPr lang="de-DE" sz="6000" dirty="0" smtClean="0"/>
+              <a:t>sind </a:t>
+            </a:r>
+            <a:r>
+              <a:rPr lang="de-DE" sz="6000" dirty="0" smtClean="0"/>
+              <a:t>ausdrücklich </a:t>
+            </a:r>
+            <a:r>
+              <a:rPr lang="de-DE" sz="6000" dirty="0" smtClean="0"/>
+              <a:t>erwünscht</a:t>
+            </a:r>
+          </a:p>
+        </p:txBody>
+      </p:sp>
+    </p:spTree>
+  </p:cSld>
+  <p:clrMapOvr>
+    <a:masterClrMapping/>
+  </p:clrMapOvr>
+  <p:timing>
+    <p:tnLst>
+      <p:par>
+        <p:cTn id="1" dur="indefinite" restart="never" nodeType="tmRoot"/>
+      </p:par>
+    </p:tnLst>
+  </p:timing>
+</p:sld>
+</file>
+
+<file path=ppt/slides/slide3.xml><?xml version="1.0" encoding="utf-8"?>
+<p:sld xmlns:a="http://schemas.openxmlformats.org/drawingml/2006/main" xmlns:r="http://schemas.openxmlformats.org/officeDocument/2006/relationships" xmlns:p="http://schemas.openxmlformats.org/presentationml/2006/main">
+  <p:cSld>
+    <p:spTree>
+      <p:nvGrpSpPr>
+        <p:cNvPr id="1" name=""/>
+        <p:cNvGrpSpPr/>
+        <p:nvPr/>
+      </p:nvGrpSpPr>
+      <p:grpSpPr>
+        <a:xfrm>
+          <a:off x="0" y="0"/>
+          <a:ext cx="0" cy="0"/>
+          <a:chOff x="0" y="0"/>
+          <a:chExt cx="0" cy="0"/>
+        </a:xfrm>
+      </p:grpSpPr>
+      <p:sp>
+        <p:nvSpPr>
+          <p:cNvPr id="2" name="Titel 1"/>
+          <p:cNvSpPr>
+            <a:spLocks noGrp="1"/>
+          </p:cNvSpPr>
+          <p:nvPr>
+            <p:ph type="title"/>
+          </p:nvPr>
+        </p:nvSpPr>
+        <p:spPr/>
+        <p:txBody>
+          <a:bodyPr>
+            <a:normAutofit/>
+          </a:bodyPr>
+          <a:lstStyle/>
+          <a:p>
+            <a:r>
+              <a:rPr lang="de-DE" sz="6600" dirty="0" smtClean="0"/>
+              <a:t>Allgemeines</a:t>
+            </a:r>
+            <a:endParaRPr lang="de-DE" sz="6600" dirty="0"/>
+          </a:p>
+        </p:txBody>
+      </p:sp>
+      <p:sp>
+        <p:nvSpPr>
+          <p:cNvPr id="3" name="Inhaltsplatzhalter 2"/>
+          <p:cNvSpPr>
+            <a:spLocks noGrp="1"/>
+          </p:cNvSpPr>
+          <p:nvPr>
+            <p:ph idx="1"/>
+          </p:nvPr>
+        </p:nvSpPr>
+        <p:spPr/>
+        <p:txBody>
+          <a:bodyPr>
+            <a:noAutofit/>
+          </a:bodyPr>
+          <a:lstStyle/>
+          <a:p>
+            <a:pPr lvl="0"/>
+            <a:r>
+              <a:rPr lang="de-DE" sz="4400" dirty="0" smtClean="0"/>
+              <a:t>Keine </a:t>
+            </a:r>
+            <a:r>
+              <a:rPr lang="de-DE" sz="4400" dirty="0" smtClean="0"/>
+              <a:t>reine F# Werbeveranstaltung</a:t>
+            </a:r>
+          </a:p>
+          <a:p>
+            <a:pPr lvl="1"/>
+            <a:r>
+              <a:rPr lang="de-DE" sz="4000" dirty="0" smtClean="0"/>
+              <a:t>Allgemein funktionale Konzepte und Denkmuster</a:t>
+            </a:r>
+          </a:p>
+          <a:p>
+            <a:pPr lvl="1"/>
+            <a:r>
+              <a:rPr lang="de-DE" sz="4000" dirty="0" smtClean="0"/>
+              <a:t>Anwendung teilweise in imperativen Sprachen </a:t>
+            </a:r>
+            <a:r>
+              <a:rPr lang="de-DE" sz="4000" dirty="0" smtClean="0"/>
+              <a:t>möglich</a:t>
+            </a:r>
+            <a:endParaRPr lang="de-DE" sz="4000" dirty="0" smtClean="0"/>
+          </a:p>
+        </p:txBody>
+      </p:sp>
+    </p:spTree>
+  </p:cSld>
+  <p:clrMapOvr>
+    <a:masterClrMapping/>
+  </p:clrMapOvr>
+  <p:timing>
+    <p:tnLst>
+      <p:par>
+        <p:cTn id="1" dur="indefinite" restart="never" nodeType="tmRoot"/>
+      </p:par>
+    </p:tnLst>
+  </p:timing>
+</p:sld>
+</file>
+
+<file path=ppt/slides/slide4.xml><?xml version="1.0" encoding="utf-8"?>
+<p:sld xmlns:a="http://schemas.openxmlformats.org/drawingml/2006/main" xmlns:r="http://schemas.openxmlformats.org/officeDocument/2006/relationships" xmlns:p="http://schemas.openxmlformats.org/presentationml/2006/main">
+  <p:cSld>
+    <p:spTree>
+      <p:nvGrpSpPr>
+        <p:cNvPr id="1" name=""/>
+        <p:cNvGrpSpPr/>
+        <p:nvPr/>
+      </p:nvGrpSpPr>
+      <p:grpSpPr>
+        <a:xfrm>
+          <a:off x="0" y="0"/>
+          <a:ext cx="0" cy="0"/>
+          <a:chOff x="0" y="0"/>
+          <a:chExt cx="0" cy="0"/>
+        </a:xfrm>
+      </p:grpSpPr>
+      <p:sp>
+        <p:nvSpPr>
+          <p:cNvPr id="3" name="Titel 2"/>
           <p:cNvSpPr>
             <a:spLocks noGrp="1"/>
           </p:cNvSpPr>
@@ -4000,9 +4549,1512 @@
             </a:r>
             <a:r>
               <a:rPr lang="de-DE" dirty="0" smtClean="0"/>
+              <a:t> = ?</a:t>
+            </a:r>
+            <a:endParaRPr lang="de-DE" dirty="0"/>
+          </a:p>
+        </p:txBody>
+      </p:sp>
+      <p:sp>
+        <p:nvSpPr>
+          <p:cNvPr id="4" name="Inhaltsplatzhalter 3"/>
+          <p:cNvSpPr>
+            <a:spLocks noGrp="1"/>
+          </p:cNvSpPr>
+          <p:nvPr>
+            <p:ph idx="1"/>
+          </p:nvPr>
+        </p:nvSpPr>
+        <p:spPr/>
+        <p:txBody>
+          <a:bodyPr>
+            <a:normAutofit/>
+          </a:bodyPr>
+          <a:lstStyle/>
+          <a:p>
+            <a:r>
+              <a:rPr lang="de-DE" sz="4400" dirty="0" smtClean="0"/>
+              <a:t>Eine Funktion </a:t>
+            </a:r>
+            <a:r>
+              <a:rPr lang="de-DE" sz="4400" i="1" dirty="0" smtClean="0"/>
+              <a:t>f</a:t>
+            </a:r>
+            <a:r>
+              <a:rPr lang="de-DE" sz="4400" dirty="0" smtClean="0"/>
+              <a:t> ordnet </a:t>
+            </a:r>
+            <a:br>
+              <a:rPr lang="de-DE" sz="4400" dirty="0" smtClean="0"/>
+            </a:br>
+            <a:r>
+              <a:rPr lang="de-DE" sz="4400" i="1" dirty="0" smtClean="0"/>
+              <a:t>jedem</a:t>
+            </a:r>
+            <a:r>
+              <a:rPr lang="de-DE" sz="4400" dirty="0" smtClean="0"/>
+              <a:t> </a:t>
+            </a:r>
+            <a:r>
+              <a:rPr lang="de-DE" sz="4400" u="sng" dirty="0" smtClean="0">
+                <a:hlinkClick r:id="rId3" tooltip="Element (Mathematik)"/>
+              </a:rPr>
+              <a:t>Element</a:t>
+            </a:r>
+            <a:r>
+              <a:rPr lang="de-DE" sz="4400" dirty="0" smtClean="0"/>
+              <a:t> </a:t>
+            </a:r>
+            <a:r>
+              <a:rPr lang="de-DE" sz="4400" i="1" dirty="0" smtClean="0"/>
+              <a:t>x</a:t>
+            </a:r>
+            <a:r>
+              <a:rPr lang="de-DE" sz="4400" dirty="0" smtClean="0"/>
+              <a:t> einer </a:t>
+            </a:r>
+            <a:r>
+              <a:rPr lang="de-DE" sz="4400" u="sng" dirty="0" err="1" smtClean="0">
+                <a:hlinkClick r:id="rId4" tooltip="Definitionsmenge"/>
+              </a:rPr>
+              <a:t>Definitionsmenge</a:t>
+            </a:r>
+            <a:r>
+              <a:rPr lang="de-DE" sz="4400" dirty="0" smtClean="0"/>
+              <a:t> </a:t>
+            </a:r>
+            <a:r>
+              <a:rPr lang="de-DE" sz="4400" i="1" dirty="0" smtClean="0"/>
+              <a:t>D</a:t>
+            </a:r>
+            <a:r>
+              <a:rPr lang="de-DE" sz="4400" dirty="0" smtClean="0"/>
+              <a:t> </a:t>
+            </a:r>
+            <a:r>
+              <a:rPr lang="de-DE" sz="4400" dirty="0" smtClean="0"/>
+              <a:t/>
+            </a:r>
+            <a:br>
+              <a:rPr lang="de-DE" sz="4400" dirty="0" smtClean="0"/>
+            </a:br>
+            <a:r>
+              <a:rPr lang="de-DE" sz="4400" i="1" dirty="0" smtClean="0"/>
+              <a:t>genau </a:t>
+            </a:r>
+            <a:r>
+              <a:rPr lang="de-DE" sz="4400" i="1" dirty="0" smtClean="0"/>
+              <a:t>ein</a:t>
+            </a:r>
+            <a:r>
+              <a:rPr lang="de-DE" sz="4400" dirty="0" smtClean="0"/>
+              <a:t> Element </a:t>
+            </a:r>
+            <a:r>
+              <a:rPr lang="de-DE" sz="4400" i="1" dirty="0" smtClean="0"/>
+              <a:t>y</a:t>
+            </a:r>
+            <a:r>
+              <a:rPr lang="de-DE" sz="4400" dirty="0" smtClean="0"/>
+              <a:t> </a:t>
+            </a:r>
+            <a:r>
+              <a:rPr lang="de-DE" sz="4400" dirty="0" smtClean="0"/>
+              <a:t>einer </a:t>
+            </a:r>
+            <a:r>
+              <a:rPr lang="de-DE" sz="4400" u="sng" dirty="0" smtClean="0">
+                <a:hlinkClick r:id="rId5" tooltip="Zielmenge"/>
+              </a:rPr>
+              <a:t>Zielmenge</a:t>
+            </a:r>
+            <a:r>
+              <a:rPr lang="de-DE" sz="4400" dirty="0" smtClean="0"/>
+              <a:t> </a:t>
+            </a:r>
+            <a:r>
+              <a:rPr lang="de-DE" sz="4400" i="1" dirty="0" smtClean="0"/>
+              <a:t>Z</a:t>
+            </a:r>
+            <a:r>
+              <a:rPr lang="de-DE" sz="4400" dirty="0" smtClean="0"/>
+              <a:t> zu.</a:t>
+            </a:r>
+            <a:endParaRPr lang="de-DE" sz="4400" dirty="0"/>
+          </a:p>
+        </p:txBody>
+      </p:sp>
+    </p:spTree>
+  </p:cSld>
+  <p:clrMapOvr>
+    <a:masterClrMapping/>
+  </p:clrMapOvr>
+  <p:timing>
+    <p:tnLst>
+      <p:par>
+        <p:cTn id="1" dur="indefinite" restart="never" nodeType="tmRoot"/>
+      </p:par>
+    </p:tnLst>
+  </p:timing>
+</p:sld>
+</file>
+
+<file path=ppt/slides/slide5.xml><?xml version="1.0" encoding="utf-8"?>
+<p:sld xmlns:a="http://schemas.openxmlformats.org/drawingml/2006/main" xmlns:r="http://schemas.openxmlformats.org/officeDocument/2006/relationships" xmlns:p="http://schemas.openxmlformats.org/presentationml/2006/main">
+  <p:cSld>
+    <p:spTree>
+      <p:nvGrpSpPr>
+        <p:cNvPr id="1" name=""/>
+        <p:cNvGrpSpPr/>
+        <p:nvPr/>
+      </p:nvGrpSpPr>
+      <p:grpSpPr>
+        <a:xfrm>
+          <a:off x="0" y="0"/>
+          <a:ext cx="0" cy="0"/>
+          <a:chOff x="0" y="0"/>
+          <a:chExt cx="0" cy="0"/>
+        </a:xfrm>
+      </p:grpSpPr>
+      <p:sp>
+        <p:nvSpPr>
+          <p:cNvPr id="6" name="Titel 5"/>
+          <p:cNvSpPr>
+            <a:spLocks noGrp="1"/>
+          </p:cNvSpPr>
+          <p:nvPr>
+            <p:ph type="title"/>
+          </p:nvPr>
+        </p:nvSpPr>
+        <p:spPr/>
+        <p:txBody>
+          <a:bodyPr>
+            <a:normAutofit/>
+          </a:bodyPr>
+          <a:lstStyle/>
+          <a:p>
+            <a:r>
+              <a:rPr lang="de-DE" sz="6600" dirty="0" err="1" smtClean="0"/>
+              <a:t>Functions</a:t>
+            </a:r>
+            <a:r>
+              <a:rPr lang="de-DE" sz="6600" dirty="0" smtClean="0"/>
+              <a:t> = </a:t>
+            </a:r>
+            <a:r>
+              <a:rPr lang="de-DE" sz="6600" dirty="0" smtClean="0"/>
+              <a:t>?</a:t>
+            </a:r>
+            <a:endParaRPr lang="de-DE" sz="6600" dirty="0"/>
+          </a:p>
+        </p:txBody>
+      </p:sp>
+      <p:sp>
+        <p:nvSpPr>
+          <p:cNvPr id="4" name="Ellipse 3"/>
+          <p:cNvSpPr/>
+          <p:nvPr/>
+        </p:nvSpPr>
+        <p:spPr>
+          <a:xfrm>
+            <a:off x="381000" y="2667000"/>
+            <a:ext cx="3124200" cy="2971800"/>
+          </a:xfrm>
+          <a:prstGeom prst="ellipse">
+            <a:avLst/>
+          </a:prstGeom>
+        </p:spPr>
+        <p:style>
+          <a:lnRef idx="2">
+            <a:schemeClr val="accent5">
+              <a:shade val="50000"/>
+            </a:schemeClr>
+          </a:lnRef>
+          <a:fillRef idx="1">
+            <a:schemeClr val="accent5"/>
+          </a:fillRef>
+          <a:effectRef idx="0">
+            <a:schemeClr val="accent5"/>
+          </a:effectRef>
+          <a:fontRef idx="minor">
+            <a:schemeClr val="lt1"/>
+          </a:fontRef>
+        </p:style>
+        <p:txBody>
+          <a:bodyPr rtlCol="0" anchor="ctr"/>
+          <a:lstStyle/>
+          <a:p>
+            <a:pPr algn="ctr"/>
+            <a:endParaRPr lang="de-DE" sz="6000" dirty="0"/>
+          </a:p>
+        </p:txBody>
+      </p:sp>
+      <p:sp>
+        <p:nvSpPr>
+          <p:cNvPr id="7" name="Ellipse 6"/>
+          <p:cNvSpPr/>
+          <p:nvPr/>
+        </p:nvSpPr>
+        <p:spPr>
+          <a:xfrm>
+            <a:off x="5105400" y="2743200"/>
+            <a:ext cx="3657600" cy="2743200"/>
+          </a:xfrm>
+          <a:prstGeom prst="ellipse">
+            <a:avLst/>
+          </a:prstGeom>
+        </p:spPr>
+        <p:style>
+          <a:lnRef idx="2">
+            <a:schemeClr val="accent6">
+              <a:shade val="50000"/>
+            </a:schemeClr>
+          </a:lnRef>
+          <a:fillRef idx="1">
+            <a:schemeClr val="accent6"/>
+          </a:fillRef>
+          <a:effectRef idx="0">
+            <a:schemeClr val="accent6"/>
+          </a:effectRef>
+          <a:fontRef idx="minor">
+            <a:schemeClr val="lt1"/>
+          </a:fontRef>
+        </p:style>
+        <p:txBody>
+          <a:bodyPr rtlCol="0" anchor="ctr"/>
+          <a:lstStyle/>
+          <a:p>
+            <a:pPr algn="ctr"/>
+            <a:endParaRPr lang="de-DE"/>
+          </a:p>
+        </p:txBody>
+      </p:sp>
+      <p:sp>
+        <p:nvSpPr>
+          <p:cNvPr id="8" name="Textfeld 7"/>
+          <p:cNvSpPr txBox="1"/>
+          <p:nvPr/>
+        </p:nvSpPr>
+        <p:spPr>
+          <a:xfrm>
+            <a:off x="1295400" y="4724400"/>
+            <a:ext cx="1828800" cy="707886"/>
+          </a:xfrm>
+          <a:prstGeom prst="rect">
+            <a:avLst/>
+          </a:prstGeom>
+          <a:noFill/>
+        </p:spPr>
+        <p:txBody>
+          <a:bodyPr wrap="square" rtlCol="0">
+            <a:spAutoFit/>
+            <a:scene3d>
+              <a:camera prst="orthographicFront"/>
+              <a:lightRig rig="balanced" dir="t">
+                <a:rot lat="0" lon="0" rev="2100000"/>
+              </a:lightRig>
+            </a:scene3d>
+            <a:sp3d extrusionH="57150" prstMaterial="metal">
+              <a:bevelT w="38100" h="25400"/>
+              <a:contourClr>
+                <a:schemeClr val="bg2"/>
+              </a:contourClr>
+            </a:sp3d>
+          </a:bodyPr>
+          <a:lstStyle/>
+          <a:p>
+            <a:r>
+              <a:rPr lang="de-DE" sz="4000" b="1" dirty="0" smtClean="0">
+                <a:ln w="50800"/>
+                <a:solidFill>
+                  <a:schemeClr val="bg1">
+                    <a:shade val="50000"/>
+                  </a:schemeClr>
+                </a:solidFill>
+              </a:rPr>
+              <a:t>D</a:t>
+            </a:r>
+            <a:endParaRPr lang="de-DE" sz="4000" b="1" dirty="0">
+              <a:ln w="50800"/>
+              <a:solidFill>
+                <a:schemeClr val="bg1">
+                  <a:shade val="50000"/>
+                </a:schemeClr>
+              </a:solidFill>
+            </a:endParaRPr>
+          </a:p>
+        </p:txBody>
+      </p:sp>
+      <p:sp>
+        <p:nvSpPr>
+          <p:cNvPr id="9" name="Textfeld 8"/>
+          <p:cNvSpPr txBox="1"/>
+          <p:nvPr/>
+        </p:nvSpPr>
+        <p:spPr>
+          <a:xfrm>
+            <a:off x="6400800" y="4648200"/>
+            <a:ext cx="1828800" cy="707886"/>
+          </a:xfrm>
+          <a:prstGeom prst="rect">
+            <a:avLst/>
+          </a:prstGeom>
+          <a:noFill/>
+        </p:spPr>
+        <p:txBody>
+          <a:bodyPr wrap="square" rtlCol="0">
+            <a:spAutoFit/>
+            <a:scene3d>
+              <a:camera prst="orthographicFront"/>
+              <a:lightRig rig="balanced" dir="t">
+                <a:rot lat="0" lon="0" rev="2100000"/>
+              </a:lightRig>
+            </a:scene3d>
+            <a:sp3d extrusionH="57150" prstMaterial="metal">
+              <a:bevelT w="38100" h="25400"/>
+              <a:contourClr>
+                <a:schemeClr val="bg2"/>
+              </a:contourClr>
+            </a:sp3d>
+          </a:bodyPr>
+          <a:lstStyle/>
+          <a:p>
+            <a:r>
+              <a:rPr lang="de-DE" sz="4000" b="1" dirty="0" smtClean="0">
+                <a:ln w="50800"/>
+                <a:solidFill>
+                  <a:schemeClr val="bg1">
+                    <a:shade val="50000"/>
+                  </a:schemeClr>
+                </a:solidFill>
+              </a:rPr>
+              <a:t>Z</a:t>
+            </a:r>
+            <a:endParaRPr lang="de-DE" sz="4000" b="1" dirty="0">
+              <a:ln w="50800"/>
+              <a:solidFill>
+                <a:schemeClr val="bg1">
+                  <a:shade val="50000"/>
+                </a:schemeClr>
+              </a:solidFill>
+            </a:endParaRPr>
+          </a:p>
+        </p:txBody>
+      </p:sp>
+      <p:cxnSp>
+        <p:nvCxnSpPr>
+          <p:cNvPr id="11" name="Gerade Verbindung mit Pfeil 10"/>
+          <p:cNvCxnSpPr/>
+          <p:nvPr/>
+        </p:nvCxnSpPr>
+        <p:spPr>
+          <a:xfrm>
+            <a:off x="1752600" y="3429000"/>
+            <a:ext cx="5105400" cy="381000"/>
+          </a:xfrm>
+          <a:prstGeom prst="straightConnector1">
+            <a:avLst/>
+          </a:prstGeom>
+          <a:ln w="38100">
+            <a:solidFill>
+              <a:schemeClr val="tx1"/>
+            </a:solidFill>
+            <a:tailEnd type="arrow"/>
+          </a:ln>
+        </p:spPr>
+        <p:style>
+          <a:lnRef idx="1">
+            <a:schemeClr val="accent1"/>
+          </a:lnRef>
+          <a:fillRef idx="0">
+            <a:schemeClr val="accent1"/>
+          </a:fillRef>
+          <a:effectRef idx="0">
+            <a:schemeClr val="accent1"/>
+          </a:effectRef>
+          <a:fontRef idx="minor">
+            <a:schemeClr val="tx1"/>
+          </a:fontRef>
+        </p:style>
+      </p:cxnSp>
+      <p:cxnSp>
+        <p:nvCxnSpPr>
+          <p:cNvPr id="13" name="Gerade Verbindung mit Pfeil 12"/>
+          <p:cNvCxnSpPr/>
+          <p:nvPr/>
+        </p:nvCxnSpPr>
+        <p:spPr>
+          <a:xfrm>
+            <a:off x="2209800" y="4572000"/>
+            <a:ext cx="4953000" cy="1588"/>
+          </a:xfrm>
+          <a:prstGeom prst="straightConnector1">
+            <a:avLst/>
+          </a:prstGeom>
+          <a:ln w="38100">
+            <a:solidFill>
+              <a:schemeClr val="tx1"/>
+            </a:solidFill>
+            <a:tailEnd type="arrow"/>
+          </a:ln>
+        </p:spPr>
+        <p:style>
+          <a:lnRef idx="1">
+            <a:schemeClr val="accent1"/>
+          </a:lnRef>
+          <a:fillRef idx="0">
+            <a:schemeClr val="accent1"/>
+          </a:fillRef>
+          <a:effectRef idx="0">
+            <a:schemeClr val="accent1"/>
+          </a:effectRef>
+          <a:fontRef idx="minor">
+            <a:schemeClr val="tx1"/>
+          </a:fontRef>
+        </p:style>
+      </p:cxnSp>
+      <p:cxnSp>
+        <p:nvCxnSpPr>
+          <p:cNvPr id="16" name="Gerade Verbindung mit Pfeil 15"/>
+          <p:cNvCxnSpPr/>
+          <p:nvPr/>
+        </p:nvCxnSpPr>
+        <p:spPr>
+          <a:xfrm flipV="1">
+            <a:off x="1981200" y="3810000"/>
+            <a:ext cx="4876800" cy="457200"/>
+          </a:xfrm>
+          <a:prstGeom prst="straightConnector1">
+            <a:avLst/>
+          </a:prstGeom>
+          <a:ln w="38100">
+            <a:solidFill>
+              <a:schemeClr val="tx1"/>
+            </a:solidFill>
+            <a:tailEnd type="arrow"/>
+          </a:ln>
+        </p:spPr>
+        <p:style>
+          <a:lnRef idx="1">
+            <a:schemeClr val="accent1"/>
+          </a:lnRef>
+          <a:fillRef idx="0">
+            <a:schemeClr val="accent1"/>
+          </a:fillRef>
+          <a:effectRef idx="0">
+            <a:schemeClr val="accent1"/>
+          </a:effectRef>
+          <a:fontRef idx="minor">
+            <a:schemeClr val="tx1"/>
+          </a:fontRef>
+        </p:style>
+      </p:cxnSp>
+      <p:sp>
+        <p:nvSpPr>
+          <p:cNvPr id="20" name="Textfeld 19"/>
+          <p:cNvSpPr txBox="1"/>
+          <p:nvPr/>
+        </p:nvSpPr>
+        <p:spPr>
+          <a:xfrm>
+            <a:off x="4114800" y="2971800"/>
+            <a:ext cx="1828800" cy="707886"/>
+          </a:xfrm>
+          <a:prstGeom prst="rect">
+            <a:avLst/>
+          </a:prstGeom>
+          <a:noFill/>
+        </p:spPr>
+        <p:txBody>
+          <a:bodyPr wrap="square" rtlCol="0">
+            <a:spAutoFit/>
+          </a:bodyPr>
+          <a:lstStyle/>
+          <a:p>
+            <a:r>
+              <a:rPr lang="de-DE" sz="4000" dirty="0" smtClean="0">
+                <a:ln w="18415" cmpd="sng">
+                  <a:solidFill>
+                    <a:srgbClr val="FFFFFF"/>
+                  </a:solidFill>
+                  <a:prstDash val="solid"/>
+                </a:ln>
+                <a:solidFill>
+                  <a:srgbClr val="FFFFFF"/>
+                </a:solidFill>
+                <a:effectLst>
+                  <a:outerShdw blurRad="63500" dir="3600000" algn="tl" rotWithShape="0">
+                    <a:srgbClr val="000000">
+                      <a:alpha val="70000"/>
+                    </a:srgbClr>
+                  </a:outerShdw>
+                </a:effectLst>
+              </a:rPr>
+              <a:t>f</a:t>
+            </a:r>
+            <a:endParaRPr lang="de-DE" sz="4000" dirty="0">
+              <a:ln w="18415" cmpd="sng">
+                <a:solidFill>
+                  <a:srgbClr val="FFFFFF"/>
+                </a:solidFill>
+                <a:prstDash val="solid"/>
+              </a:ln>
+              <a:solidFill>
+                <a:srgbClr val="FFFFFF"/>
+              </a:solidFill>
+              <a:effectLst>
+                <a:outerShdw blurRad="63500" dir="3600000" algn="tl" rotWithShape="0">
+                  <a:srgbClr val="000000">
+                    <a:alpha val="70000"/>
+                  </a:srgbClr>
+                </a:outerShdw>
+              </a:effectLst>
+            </a:endParaRPr>
+          </a:p>
+        </p:txBody>
+      </p:sp>
+      <p:sp>
+        <p:nvSpPr>
+          <p:cNvPr id="21" name="Textfeld 20"/>
+          <p:cNvSpPr txBox="1"/>
+          <p:nvPr/>
+        </p:nvSpPr>
+        <p:spPr>
+          <a:xfrm>
+            <a:off x="3429000" y="5867400"/>
+            <a:ext cx="2438400" cy="707886"/>
+          </a:xfrm>
+          <a:prstGeom prst="rect">
+            <a:avLst/>
+          </a:prstGeom>
+          <a:noFill/>
+        </p:spPr>
+        <p:txBody>
+          <a:bodyPr wrap="square" rtlCol="0">
+            <a:spAutoFit/>
+          </a:bodyPr>
+          <a:lstStyle/>
+          <a:p>
+            <a:r>
+              <a:rPr lang="de-DE" sz="4000" dirty="0" smtClean="0">
+                <a:ln w="18415" cmpd="sng">
+                  <a:solidFill>
+                    <a:srgbClr val="FFFFFF"/>
+                  </a:solidFill>
+                  <a:prstDash val="solid"/>
+                </a:ln>
+                <a:solidFill>
+                  <a:srgbClr val="FFFFFF"/>
+                </a:solidFill>
+                <a:effectLst>
+                  <a:outerShdw blurRad="63500" dir="3600000" algn="tl" rotWithShape="0">
+                    <a:srgbClr val="000000">
+                      <a:alpha val="70000"/>
+                    </a:srgbClr>
+                  </a:outerShdw>
+                </a:effectLst>
+              </a:rPr>
+              <a:t>f : D -&gt; Z</a:t>
+            </a:r>
+            <a:endParaRPr lang="de-DE" sz="4000" dirty="0">
+              <a:ln w="18415" cmpd="sng">
+                <a:solidFill>
+                  <a:srgbClr val="FFFFFF"/>
+                </a:solidFill>
+                <a:prstDash val="solid"/>
+              </a:ln>
+              <a:solidFill>
+                <a:srgbClr val="FFFFFF"/>
+              </a:solidFill>
+              <a:effectLst>
+                <a:outerShdw blurRad="63500" dir="3600000" algn="tl" rotWithShape="0">
+                  <a:srgbClr val="000000">
+                    <a:alpha val="70000"/>
+                  </a:srgbClr>
+                </a:outerShdw>
+              </a:effectLst>
+            </a:endParaRPr>
+          </a:p>
+        </p:txBody>
+      </p:sp>
+      <p:cxnSp>
+        <p:nvCxnSpPr>
+          <p:cNvPr id="22" name="Gerade Verbindung mit Pfeil 21"/>
+          <p:cNvCxnSpPr/>
+          <p:nvPr/>
+        </p:nvCxnSpPr>
+        <p:spPr>
+          <a:xfrm flipV="1">
+            <a:off x="1905000" y="2209800"/>
+            <a:ext cx="2133600" cy="914400"/>
+          </a:xfrm>
+          <a:prstGeom prst="straightConnector1">
+            <a:avLst/>
+          </a:prstGeom>
+          <a:ln w="38100">
+            <a:solidFill>
+              <a:schemeClr val="tx1"/>
+            </a:solidFill>
+            <a:tailEnd type="arrow"/>
+          </a:ln>
+        </p:spPr>
+        <p:style>
+          <a:lnRef idx="1">
+            <a:schemeClr val="accent1"/>
+          </a:lnRef>
+          <a:fillRef idx="0">
+            <a:schemeClr val="accent1"/>
+          </a:fillRef>
+          <a:effectRef idx="0">
+            <a:schemeClr val="accent1"/>
+          </a:effectRef>
+          <a:fontRef idx="minor">
+            <a:schemeClr val="tx1"/>
+          </a:fontRef>
+        </p:style>
+      </p:cxnSp>
+      <p:cxnSp>
+        <p:nvCxnSpPr>
+          <p:cNvPr id="26" name="Gerade Verbindung mit Pfeil 25"/>
+          <p:cNvCxnSpPr/>
+          <p:nvPr/>
+        </p:nvCxnSpPr>
+        <p:spPr>
+          <a:xfrm>
+            <a:off x="4025900" y="2228850"/>
+            <a:ext cx="3124200" cy="1219200"/>
+          </a:xfrm>
+          <a:prstGeom prst="straightConnector1">
+            <a:avLst/>
+          </a:prstGeom>
+          <a:ln w="38100">
+            <a:solidFill>
+              <a:schemeClr val="tx1"/>
+            </a:solidFill>
+            <a:tailEnd type="arrow"/>
+          </a:ln>
+        </p:spPr>
+        <p:style>
+          <a:lnRef idx="1">
+            <a:schemeClr val="accent1"/>
+          </a:lnRef>
+          <a:fillRef idx="0">
+            <a:schemeClr val="accent1"/>
+          </a:fillRef>
+          <a:effectRef idx="0">
+            <a:schemeClr val="accent1"/>
+          </a:effectRef>
+          <a:fontRef idx="minor">
+            <a:schemeClr val="tx1"/>
+          </a:fontRef>
+        </p:style>
+      </p:cxnSp>
+      <p:sp>
+        <p:nvSpPr>
+          <p:cNvPr id="37" name="Rechteck 36"/>
+          <p:cNvSpPr/>
+          <p:nvPr/>
+        </p:nvSpPr>
+        <p:spPr>
+          <a:xfrm>
+            <a:off x="2127250" y="1606550"/>
+            <a:ext cx="4356100" cy="646331"/>
+          </a:xfrm>
+          <a:prstGeom prst="rect">
+            <a:avLst/>
+          </a:prstGeom>
+        </p:spPr>
+        <p:txBody>
+          <a:bodyPr wrap="square">
+            <a:spAutoFit/>
+          </a:bodyPr>
+          <a:lstStyle/>
+          <a:p>
+            <a:pPr lvl="0" algn="ctr"/>
+            <a:r>
+              <a:rPr lang="de-DE" sz="3600" b="1" dirty="0" smtClean="0">
+                <a:ln w="1905"/>
+                <a:gradFill>
+                  <a:gsLst>
+                    <a:gs pos="0">
+                      <a:srgbClr val="C64847">
+                        <a:shade val="20000"/>
+                        <a:satMod val="200000"/>
+                      </a:srgbClr>
+                    </a:gs>
+                    <a:gs pos="78000">
+                      <a:srgbClr val="C64847">
+                        <a:tint val="90000"/>
+                        <a:shade val="89000"/>
+                        <a:satMod val="220000"/>
+                      </a:srgbClr>
+                    </a:gs>
+                    <a:gs pos="100000">
+                      <a:srgbClr val="C64847">
+                        <a:tint val="12000"/>
+                        <a:satMod val="255000"/>
+                      </a:srgbClr>
+                    </a:gs>
+                  </a:gsLst>
+                  <a:lin ang="5400000"/>
+                </a:gradFill>
+                <a:effectLst>
+                  <a:innerShdw blurRad="69850" dist="43180" dir="5400000">
+                    <a:srgbClr val="000000">
+                      <a:alpha val="65000"/>
+                    </a:srgbClr>
+                  </a:innerShdw>
+                </a:effectLst>
+              </a:rPr>
+              <a:t>Side-</a:t>
+            </a:r>
+            <a:r>
+              <a:rPr lang="de-DE" sz="3600" b="1" dirty="0" err="1" smtClean="0">
+                <a:ln w="1905"/>
+                <a:gradFill>
+                  <a:gsLst>
+                    <a:gs pos="0">
+                      <a:srgbClr val="C64847">
+                        <a:shade val="20000"/>
+                        <a:satMod val="200000"/>
+                      </a:srgbClr>
+                    </a:gs>
+                    <a:gs pos="78000">
+                      <a:srgbClr val="C64847">
+                        <a:tint val="90000"/>
+                        <a:shade val="89000"/>
+                        <a:satMod val="220000"/>
+                      </a:srgbClr>
+                    </a:gs>
+                    <a:gs pos="100000">
+                      <a:srgbClr val="C64847">
+                        <a:tint val="12000"/>
+                        <a:satMod val="255000"/>
+                      </a:srgbClr>
+                    </a:gs>
+                  </a:gsLst>
+                  <a:lin ang="5400000"/>
+                </a:gradFill>
+                <a:effectLst>
+                  <a:innerShdw blurRad="69850" dist="43180" dir="5400000">
+                    <a:srgbClr val="000000">
+                      <a:alpha val="65000"/>
+                    </a:srgbClr>
+                  </a:innerShdw>
+                </a:effectLst>
+              </a:rPr>
+              <a:t>effect</a:t>
+            </a:r>
+            <a:r>
+              <a:rPr lang="de-DE" sz="3600" b="1" dirty="0" smtClean="0">
+                <a:ln w="1905"/>
+                <a:gradFill>
+                  <a:gsLst>
+                    <a:gs pos="0">
+                      <a:srgbClr val="C64847">
+                        <a:shade val="20000"/>
+                        <a:satMod val="200000"/>
+                      </a:srgbClr>
+                    </a:gs>
+                    <a:gs pos="78000">
+                      <a:srgbClr val="C64847">
+                        <a:tint val="90000"/>
+                        <a:shade val="89000"/>
+                        <a:satMod val="220000"/>
+                      </a:srgbClr>
+                    </a:gs>
+                    <a:gs pos="100000">
+                      <a:srgbClr val="C64847">
+                        <a:tint val="12000"/>
+                        <a:satMod val="255000"/>
+                      </a:srgbClr>
+                    </a:gs>
+                  </a:gsLst>
+                  <a:lin ang="5400000"/>
+                </a:gradFill>
+                <a:effectLst>
+                  <a:innerShdw blurRad="69850" dist="43180" dir="5400000">
+                    <a:srgbClr val="000000">
+                      <a:alpha val="65000"/>
+                    </a:srgbClr>
+                  </a:innerShdw>
+                </a:effectLst>
+              </a:rPr>
+              <a:t> !</a:t>
+            </a:r>
+            <a:endParaRPr lang="de-DE" sz="5400" b="1" dirty="0">
+              <a:ln w="1905"/>
+              <a:gradFill>
+                <a:gsLst>
+                  <a:gs pos="0">
+                    <a:srgbClr val="C64847">
+                      <a:shade val="20000"/>
+                      <a:satMod val="200000"/>
+                    </a:srgbClr>
+                  </a:gs>
+                  <a:gs pos="78000">
+                    <a:srgbClr val="C64847">
+                      <a:tint val="90000"/>
+                      <a:shade val="89000"/>
+                      <a:satMod val="220000"/>
+                    </a:srgbClr>
+                  </a:gs>
+                  <a:gs pos="100000">
+                    <a:srgbClr val="C64847">
+                      <a:tint val="12000"/>
+                      <a:satMod val="255000"/>
+                    </a:srgbClr>
+                  </a:gs>
+                </a:gsLst>
+                <a:lin ang="5400000"/>
+              </a:gradFill>
+              <a:effectLst>
+                <a:innerShdw blurRad="69850" dist="43180" dir="5400000">
+                  <a:srgbClr val="000000">
+                    <a:alpha val="65000"/>
+                  </a:srgbClr>
+                </a:innerShdw>
+              </a:effectLst>
+            </a:endParaRPr>
+          </a:p>
+        </p:txBody>
+      </p:sp>
+    </p:spTree>
+  </p:cSld>
+  <p:clrMapOvr>
+    <a:masterClrMapping/>
+  </p:clrMapOvr>
+  <p:timing>
+    <p:tnLst>
+      <p:par>
+        <p:cTn id="1" dur="indefinite" restart="never" nodeType="tmRoot">
+          <p:childTnLst>
+            <p:seq concurrent="1" nextAc="seek">
+              <p:cTn id="2" dur="indefinite" nodeType="mainSeq">
+                <p:childTnLst>
+                  <p:par>
+                    <p:cTn id="3" fill="hold">
+                      <p:stCondLst>
+                        <p:cond delay="indefinite"/>
+                      </p:stCondLst>
+                      <p:childTnLst>
+                        <p:par>
+                          <p:cTn id="4" fill="hold">
+                            <p:stCondLst>
+                              <p:cond delay="0"/>
+                            </p:stCondLst>
+                            <p:childTnLst>
+                              <p:par>
+                                <p:cTn id="5" presetID="3" presetClass="entr" presetSubtype="10" fill="hold" grpId="0" nodeType="clickEffect">
+                                  <p:stCondLst>
+                                    <p:cond delay="0"/>
+                                  </p:stCondLst>
+                                  <p:childTnLst>
+                                    <p:set>
+                                      <p:cBhvr>
+                                        <p:cTn id="6" dur="1" fill="hold">
+                                          <p:stCondLst>
+                                            <p:cond delay="0"/>
+                                          </p:stCondLst>
+                                        </p:cTn>
+                                        <p:tgtEl>
+                                          <p:spTgt spid="4"/>
+                                        </p:tgtEl>
+                                        <p:attrNameLst>
+                                          <p:attrName>style.visibility</p:attrName>
+                                        </p:attrNameLst>
+                                      </p:cBhvr>
+                                      <p:to>
+                                        <p:strVal val="visible"/>
+                                      </p:to>
+                                    </p:set>
+                                    <p:animEffect transition="in" filter="blinds(horizontal)">
+                                      <p:cBhvr>
+                                        <p:cTn id="7" dur="500"/>
+                                        <p:tgtEl>
+                                          <p:spTgt spid="4"/>
+                                        </p:tgtEl>
+                                      </p:cBhvr>
+                                    </p:animEffect>
+                                  </p:childTnLst>
+                                </p:cTn>
+                              </p:par>
+                              <p:par>
+                                <p:cTn id="8" presetID="3" presetClass="entr" presetSubtype="10" fill="hold" grpId="0" nodeType="withEffect">
+                                  <p:stCondLst>
+                                    <p:cond delay="0"/>
+                                  </p:stCondLst>
+                                  <p:childTnLst>
+                                    <p:set>
+                                      <p:cBhvr>
+                                        <p:cTn id="9" dur="1" fill="hold">
+                                          <p:stCondLst>
+                                            <p:cond delay="0"/>
+                                          </p:stCondLst>
+                                        </p:cTn>
+                                        <p:tgtEl>
+                                          <p:spTgt spid="8"/>
+                                        </p:tgtEl>
+                                        <p:attrNameLst>
+                                          <p:attrName>style.visibility</p:attrName>
+                                        </p:attrNameLst>
+                                      </p:cBhvr>
+                                      <p:to>
+                                        <p:strVal val="visible"/>
+                                      </p:to>
+                                    </p:set>
+                                    <p:animEffect transition="in" filter="blinds(horizontal)">
+                                      <p:cBhvr>
+                                        <p:cTn id="10" dur="500"/>
+                                        <p:tgtEl>
+                                          <p:spTgt spid="8"/>
+                                        </p:tgtEl>
+                                      </p:cBhvr>
+                                    </p:animEffect>
+                                  </p:childTnLst>
+                                </p:cTn>
+                              </p:par>
+                            </p:childTnLst>
+                          </p:cTn>
+                        </p:par>
+                      </p:childTnLst>
+                    </p:cTn>
+                  </p:par>
+                  <p:par>
+                    <p:cTn id="11" fill="hold">
+                      <p:stCondLst>
+                        <p:cond delay="indefinite"/>
+                      </p:stCondLst>
+                      <p:childTnLst>
+                        <p:par>
+                          <p:cTn id="12" fill="hold">
+                            <p:stCondLst>
+                              <p:cond delay="0"/>
+                            </p:stCondLst>
+                            <p:childTnLst>
+                              <p:par>
+                                <p:cTn id="13" presetID="3" presetClass="entr" presetSubtype="10" fill="hold" grpId="0" nodeType="clickEffect">
+                                  <p:stCondLst>
+                                    <p:cond delay="0"/>
+                                  </p:stCondLst>
+                                  <p:childTnLst>
+                                    <p:set>
+                                      <p:cBhvr>
+                                        <p:cTn id="14" dur="1" fill="hold">
+                                          <p:stCondLst>
+                                            <p:cond delay="0"/>
+                                          </p:stCondLst>
+                                        </p:cTn>
+                                        <p:tgtEl>
+                                          <p:spTgt spid="7"/>
+                                        </p:tgtEl>
+                                        <p:attrNameLst>
+                                          <p:attrName>style.visibility</p:attrName>
+                                        </p:attrNameLst>
+                                      </p:cBhvr>
+                                      <p:to>
+                                        <p:strVal val="visible"/>
+                                      </p:to>
+                                    </p:set>
+                                    <p:animEffect transition="in" filter="blinds(horizontal)">
+                                      <p:cBhvr>
+                                        <p:cTn id="15" dur="500"/>
+                                        <p:tgtEl>
+                                          <p:spTgt spid="7"/>
+                                        </p:tgtEl>
+                                      </p:cBhvr>
+                                    </p:animEffect>
+                                  </p:childTnLst>
+                                </p:cTn>
+                              </p:par>
+                              <p:par>
+                                <p:cTn id="16" presetID="3" presetClass="entr" presetSubtype="10" fill="hold" grpId="0" nodeType="withEffect">
+                                  <p:stCondLst>
+                                    <p:cond delay="0"/>
+                                  </p:stCondLst>
+                                  <p:childTnLst>
+                                    <p:set>
+                                      <p:cBhvr>
+                                        <p:cTn id="17" dur="1" fill="hold">
+                                          <p:stCondLst>
+                                            <p:cond delay="0"/>
+                                          </p:stCondLst>
+                                        </p:cTn>
+                                        <p:tgtEl>
+                                          <p:spTgt spid="9"/>
+                                        </p:tgtEl>
+                                        <p:attrNameLst>
+                                          <p:attrName>style.visibility</p:attrName>
+                                        </p:attrNameLst>
+                                      </p:cBhvr>
+                                      <p:to>
+                                        <p:strVal val="visible"/>
+                                      </p:to>
+                                    </p:set>
+                                    <p:animEffect transition="in" filter="blinds(horizontal)">
+                                      <p:cBhvr>
+                                        <p:cTn id="18" dur="500"/>
+                                        <p:tgtEl>
+                                          <p:spTgt spid="9"/>
+                                        </p:tgtEl>
+                                      </p:cBhvr>
+                                    </p:animEffect>
+                                  </p:childTnLst>
+                                </p:cTn>
+                              </p:par>
+                            </p:childTnLst>
+                          </p:cTn>
+                        </p:par>
+                      </p:childTnLst>
+                    </p:cTn>
+                  </p:par>
+                  <p:par>
+                    <p:cTn id="19" fill="hold">
+                      <p:stCondLst>
+                        <p:cond delay="indefinite"/>
+                      </p:stCondLst>
+                      <p:childTnLst>
+                        <p:par>
+                          <p:cTn id="20" fill="hold">
+                            <p:stCondLst>
+                              <p:cond delay="0"/>
+                            </p:stCondLst>
+                            <p:childTnLst>
+                              <p:par>
+                                <p:cTn id="21" presetID="3" presetClass="entr" presetSubtype="10" fill="hold" nodeType="clickEffect">
+                                  <p:stCondLst>
+                                    <p:cond delay="0"/>
+                                  </p:stCondLst>
+                                  <p:childTnLst>
+                                    <p:set>
+                                      <p:cBhvr>
+                                        <p:cTn id="22" dur="1" fill="hold">
+                                          <p:stCondLst>
+                                            <p:cond delay="0"/>
+                                          </p:stCondLst>
+                                        </p:cTn>
+                                        <p:tgtEl>
+                                          <p:spTgt spid="11"/>
+                                        </p:tgtEl>
+                                        <p:attrNameLst>
+                                          <p:attrName>style.visibility</p:attrName>
+                                        </p:attrNameLst>
+                                      </p:cBhvr>
+                                      <p:to>
+                                        <p:strVal val="visible"/>
+                                      </p:to>
+                                    </p:set>
+                                    <p:animEffect transition="in" filter="blinds(horizontal)">
+                                      <p:cBhvr>
+                                        <p:cTn id="23" dur="500"/>
+                                        <p:tgtEl>
+                                          <p:spTgt spid="11"/>
+                                        </p:tgtEl>
+                                      </p:cBhvr>
+                                    </p:animEffect>
+                                  </p:childTnLst>
+                                </p:cTn>
+                              </p:par>
+                              <p:par>
+                                <p:cTn id="24" presetID="3" presetClass="entr" presetSubtype="10" fill="hold" nodeType="withEffect">
+                                  <p:stCondLst>
+                                    <p:cond delay="0"/>
+                                  </p:stCondLst>
+                                  <p:childTnLst>
+                                    <p:set>
+                                      <p:cBhvr>
+                                        <p:cTn id="25" dur="1" fill="hold">
+                                          <p:stCondLst>
+                                            <p:cond delay="0"/>
+                                          </p:stCondLst>
+                                        </p:cTn>
+                                        <p:tgtEl>
+                                          <p:spTgt spid="13"/>
+                                        </p:tgtEl>
+                                        <p:attrNameLst>
+                                          <p:attrName>style.visibility</p:attrName>
+                                        </p:attrNameLst>
+                                      </p:cBhvr>
+                                      <p:to>
+                                        <p:strVal val="visible"/>
+                                      </p:to>
+                                    </p:set>
+                                    <p:animEffect transition="in" filter="blinds(horizontal)">
+                                      <p:cBhvr>
+                                        <p:cTn id="26" dur="500"/>
+                                        <p:tgtEl>
+                                          <p:spTgt spid="13"/>
+                                        </p:tgtEl>
+                                      </p:cBhvr>
+                                    </p:animEffect>
+                                  </p:childTnLst>
+                                </p:cTn>
+                              </p:par>
+                            </p:childTnLst>
+                          </p:cTn>
+                        </p:par>
+                      </p:childTnLst>
+                    </p:cTn>
+                  </p:par>
+                  <p:par>
+                    <p:cTn id="27" fill="hold">
+                      <p:stCondLst>
+                        <p:cond delay="indefinite"/>
+                      </p:stCondLst>
+                      <p:childTnLst>
+                        <p:par>
+                          <p:cTn id="28" fill="hold">
+                            <p:stCondLst>
+                              <p:cond delay="0"/>
+                            </p:stCondLst>
+                            <p:childTnLst>
+                              <p:par>
+                                <p:cTn id="29" presetID="3" presetClass="entr" presetSubtype="10" fill="hold" nodeType="clickEffect">
+                                  <p:stCondLst>
+                                    <p:cond delay="0"/>
+                                  </p:stCondLst>
+                                  <p:childTnLst>
+                                    <p:set>
+                                      <p:cBhvr>
+                                        <p:cTn id="30" dur="1" fill="hold">
+                                          <p:stCondLst>
+                                            <p:cond delay="0"/>
+                                          </p:stCondLst>
+                                        </p:cTn>
+                                        <p:tgtEl>
+                                          <p:spTgt spid="16"/>
+                                        </p:tgtEl>
+                                        <p:attrNameLst>
+                                          <p:attrName>style.visibility</p:attrName>
+                                        </p:attrNameLst>
+                                      </p:cBhvr>
+                                      <p:to>
+                                        <p:strVal val="visible"/>
+                                      </p:to>
+                                    </p:set>
+                                    <p:animEffect transition="in" filter="blinds(horizontal)">
+                                      <p:cBhvr>
+                                        <p:cTn id="31" dur="500"/>
+                                        <p:tgtEl>
+                                          <p:spTgt spid="16"/>
+                                        </p:tgtEl>
+                                      </p:cBhvr>
+                                    </p:animEffect>
+                                  </p:childTnLst>
+                                </p:cTn>
+                              </p:par>
+                            </p:childTnLst>
+                          </p:cTn>
+                        </p:par>
+                      </p:childTnLst>
+                    </p:cTn>
+                  </p:par>
+                  <p:par>
+                    <p:cTn id="32" fill="hold">
+                      <p:stCondLst>
+                        <p:cond delay="indefinite"/>
+                      </p:stCondLst>
+                      <p:childTnLst>
+                        <p:par>
+                          <p:cTn id="33" fill="hold">
+                            <p:stCondLst>
+                              <p:cond delay="0"/>
+                            </p:stCondLst>
+                            <p:childTnLst>
+                              <p:par>
+                                <p:cTn id="34" presetID="3" presetClass="entr" presetSubtype="10" fill="hold" grpId="0" nodeType="clickEffect">
+                                  <p:stCondLst>
+                                    <p:cond delay="0"/>
+                                  </p:stCondLst>
+                                  <p:childTnLst>
+                                    <p:set>
+                                      <p:cBhvr>
+                                        <p:cTn id="35" dur="1" fill="hold">
+                                          <p:stCondLst>
+                                            <p:cond delay="0"/>
+                                          </p:stCondLst>
+                                        </p:cTn>
+                                        <p:tgtEl>
+                                          <p:spTgt spid="20"/>
+                                        </p:tgtEl>
+                                        <p:attrNameLst>
+                                          <p:attrName>style.visibility</p:attrName>
+                                        </p:attrNameLst>
+                                      </p:cBhvr>
+                                      <p:to>
+                                        <p:strVal val="visible"/>
+                                      </p:to>
+                                    </p:set>
+                                    <p:animEffect transition="in" filter="blinds(horizontal)">
+                                      <p:cBhvr>
+                                        <p:cTn id="36" dur="500"/>
+                                        <p:tgtEl>
+                                          <p:spTgt spid="20"/>
+                                        </p:tgtEl>
+                                      </p:cBhvr>
+                                    </p:animEffect>
+                                  </p:childTnLst>
+                                </p:cTn>
+                              </p:par>
+                            </p:childTnLst>
+                          </p:cTn>
+                        </p:par>
+                      </p:childTnLst>
+                    </p:cTn>
+                  </p:par>
+                  <p:par>
+                    <p:cTn id="37" fill="hold">
+                      <p:stCondLst>
+                        <p:cond delay="indefinite"/>
+                      </p:stCondLst>
+                      <p:childTnLst>
+                        <p:par>
+                          <p:cTn id="38" fill="hold">
+                            <p:stCondLst>
+                              <p:cond delay="0"/>
+                            </p:stCondLst>
+                            <p:childTnLst>
+                              <p:par>
+                                <p:cTn id="39" presetID="3" presetClass="entr" presetSubtype="10" fill="hold" grpId="0" nodeType="clickEffect">
+                                  <p:stCondLst>
+                                    <p:cond delay="0"/>
+                                  </p:stCondLst>
+                                  <p:childTnLst>
+                                    <p:set>
+                                      <p:cBhvr>
+                                        <p:cTn id="40" dur="1" fill="hold">
+                                          <p:stCondLst>
+                                            <p:cond delay="0"/>
+                                          </p:stCondLst>
+                                        </p:cTn>
+                                        <p:tgtEl>
+                                          <p:spTgt spid="21"/>
+                                        </p:tgtEl>
+                                        <p:attrNameLst>
+                                          <p:attrName>style.visibility</p:attrName>
+                                        </p:attrNameLst>
+                                      </p:cBhvr>
+                                      <p:to>
+                                        <p:strVal val="visible"/>
+                                      </p:to>
+                                    </p:set>
+                                    <p:animEffect transition="in" filter="blinds(horizontal)">
+                                      <p:cBhvr>
+                                        <p:cTn id="41" dur="500"/>
+                                        <p:tgtEl>
+                                          <p:spTgt spid="21"/>
+                                        </p:tgtEl>
+                                      </p:cBhvr>
+                                    </p:animEffect>
+                                  </p:childTnLst>
+                                </p:cTn>
+                              </p:par>
+                            </p:childTnLst>
+                          </p:cTn>
+                        </p:par>
+                      </p:childTnLst>
+                    </p:cTn>
+                  </p:par>
+                  <p:par>
+                    <p:cTn id="42" fill="hold">
+                      <p:stCondLst>
+                        <p:cond delay="indefinite"/>
+                      </p:stCondLst>
+                      <p:childTnLst>
+                        <p:par>
+                          <p:cTn id="43" fill="hold">
+                            <p:stCondLst>
+                              <p:cond delay="0"/>
+                            </p:stCondLst>
+                            <p:childTnLst>
+                              <p:par>
+                                <p:cTn id="44" presetID="3" presetClass="entr" presetSubtype="10" fill="hold" nodeType="clickEffect">
+                                  <p:stCondLst>
+                                    <p:cond delay="0"/>
+                                  </p:stCondLst>
+                                  <p:childTnLst>
+                                    <p:set>
+                                      <p:cBhvr>
+                                        <p:cTn id="45" dur="1" fill="hold">
+                                          <p:stCondLst>
+                                            <p:cond delay="0"/>
+                                          </p:stCondLst>
+                                        </p:cTn>
+                                        <p:tgtEl>
+                                          <p:spTgt spid="22"/>
+                                        </p:tgtEl>
+                                        <p:attrNameLst>
+                                          <p:attrName>style.visibility</p:attrName>
+                                        </p:attrNameLst>
+                                      </p:cBhvr>
+                                      <p:to>
+                                        <p:strVal val="visible"/>
+                                      </p:to>
+                                    </p:set>
+                                    <p:animEffect transition="in" filter="blinds(horizontal)">
+                                      <p:cBhvr>
+                                        <p:cTn id="46" dur="500"/>
+                                        <p:tgtEl>
+                                          <p:spTgt spid="22"/>
+                                        </p:tgtEl>
+                                      </p:cBhvr>
+                                    </p:animEffect>
+                                  </p:childTnLst>
+                                </p:cTn>
+                              </p:par>
+                              <p:par>
+                                <p:cTn id="47" presetID="3" presetClass="entr" presetSubtype="10" fill="hold" nodeType="withEffect">
+                                  <p:stCondLst>
+                                    <p:cond delay="0"/>
+                                  </p:stCondLst>
+                                  <p:childTnLst>
+                                    <p:set>
+                                      <p:cBhvr>
+                                        <p:cTn id="48" dur="1" fill="hold">
+                                          <p:stCondLst>
+                                            <p:cond delay="0"/>
+                                          </p:stCondLst>
+                                        </p:cTn>
+                                        <p:tgtEl>
+                                          <p:spTgt spid="26"/>
+                                        </p:tgtEl>
+                                        <p:attrNameLst>
+                                          <p:attrName>style.visibility</p:attrName>
+                                        </p:attrNameLst>
+                                      </p:cBhvr>
+                                      <p:to>
+                                        <p:strVal val="visible"/>
+                                      </p:to>
+                                    </p:set>
+                                    <p:animEffect transition="in" filter="blinds(horizontal)">
+                                      <p:cBhvr>
+                                        <p:cTn id="49" dur="500"/>
+                                        <p:tgtEl>
+                                          <p:spTgt spid="26"/>
+                                        </p:tgtEl>
+                                      </p:cBhvr>
+                                    </p:animEffect>
+                                  </p:childTnLst>
+                                </p:cTn>
+                              </p:par>
+                              <p:par>
+                                <p:cTn id="50" presetID="3" presetClass="entr" presetSubtype="10" fill="hold" grpId="0" nodeType="withEffect">
+                                  <p:stCondLst>
+                                    <p:cond delay="0"/>
+                                  </p:stCondLst>
+                                  <p:childTnLst>
+                                    <p:set>
+                                      <p:cBhvr>
+                                        <p:cTn id="51" dur="1" fill="hold">
+                                          <p:stCondLst>
+                                            <p:cond delay="0"/>
+                                          </p:stCondLst>
+                                        </p:cTn>
+                                        <p:tgtEl>
+                                          <p:spTgt spid="37"/>
+                                        </p:tgtEl>
+                                        <p:attrNameLst>
+                                          <p:attrName>style.visibility</p:attrName>
+                                        </p:attrNameLst>
+                                      </p:cBhvr>
+                                      <p:to>
+                                        <p:strVal val="visible"/>
+                                      </p:to>
+                                    </p:set>
+                                    <p:animEffect transition="in" filter="blinds(horizontal)">
+                                      <p:cBhvr>
+                                        <p:cTn id="52" dur="500"/>
+                                        <p:tgtEl>
+                                          <p:spTgt spid="37"/>
+                                        </p:tgtEl>
+                                      </p:cBhvr>
+                                    </p:animEffect>
+                                  </p:childTnLst>
+                                </p:cTn>
+                              </p:par>
+                            </p:childTnLst>
+                          </p:cTn>
+                        </p:par>
+                      </p:childTnLst>
+                    </p:cTn>
+                  </p:par>
+                </p:childTnLst>
+              </p:cTn>
+              <p:prevCondLst>
+                <p:cond evt="onPrev" delay="0">
+                  <p:tgtEl>
+                    <p:sldTgt/>
+                  </p:tgtEl>
+                </p:cond>
+              </p:prevCondLst>
+              <p:nextCondLst>
+                <p:cond evt="onNext" delay="0">
+                  <p:tgtEl>
+                    <p:sldTgt/>
+                  </p:tgtEl>
+                </p:cond>
+              </p:nextCondLst>
+            </p:seq>
+          </p:childTnLst>
+        </p:cTn>
+      </p:par>
+    </p:tnLst>
+    <p:bldLst>
+      <p:bldP spid="4" grpId="0" animBg="1"/>
+      <p:bldP spid="7" grpId="0" animBg="1"/>
+      <p:bldP spid="8" grpId="0"/>
+      <p:bldP spid="9" grpId="0"/>
+      <p:bldP spid="20" grpId="0"/>
+      <p:bldP spid="21" grpId="0"/>
+      <p:bldP spid="37" grpId="0"/>
+    </p:bldLst>
+  </p:timing>
+</p:sld>
+</file>
+
+<file path=ppt/slides/slide6.xml><?xml version="1.0" encoding="utf-8"?>
+<p:sld xmlns:a="http://schemas.openxmlformats.org/drawingml/2006/main" xmlns:r="http://schemas.openxmlformats.org/officeDocument/2006/relationships" xmlns:p="http://schemas.openxmlformats.org/presentationml/2006/main">
+  <p:cSld>
+    <p:spTree>
+      <p:nvGrpSpPr>
+        <p:cNvPr id="1" name=""/>
+        <p:cNvGrpSpPr/>
+        <p:nvPr/>
+      </p:nvGrpSpPr>
+      <p:grpSpPr>
+        <a:xfrm>
+          <a:off x="0" y="0"/>
+          <a:ext cx="0" cy="0"/>
+          <a:chOff x="0" y="0"/>
+          <a:chExt cx="0" cy="0"/>
+        </a:xfrm>
+      </p:grpSpPr>
+      <p:sp>
+        <p:nvSpPr>
+          <p:cNvPr id="6" name="Titel 5"/>
+          <p:cNvSpPr>
+            <a:spLocks noGrp="1"/>
+          </p:cNvSpPr>
+          <p:nvPr>
+            <p:ph type="title"/>
+          </p:nvPr>
+        </p:nvSpPr>
+        <p:spPr/>
+        <p:txBody>
+          <a:bodyPr>
+            <a:normAutofit/>
+          </a:bodyPr>
+          <a:lstStyle/>
+          <a:p>
+            <a:r>
+              <a:rPr lang="de-DE" sz="6600" dirty="0" err="1" smtClean="0"/>
+              <a:t>Functions</a:t>
+            </a:r>
+            <a:r>
+              <a:rPr lang="de-DE" sz="6600" dirty="0" smtClean="0"/>
               <a:t> = Data</a:t>
             </a:r>
-            <a:endParaRPr lang="de-DE" dirty="0"/>
+            <a:endParaRPr lang="de-DE" sz="6600" dirty="0"/>
           </a:p>
         </p:txBody>
       </p:sp>
@@ -22421,7 +24473,7 @@
 </p:sld>
 </file>
 
-<file path=ppt/slides/slide3.xml><?xml version="1.0" encoding="utf-8"?>
+<file path=ppt/slides/slide7.xml><?xml version="1.0" encoding="utf-8"?>
 <p:sld xmlns:a="http://schemas.openxmlformats.org/drawingml/2006/main" xmlns:r="http://schemas.openxmlformats.org/officeDocument/2006/relationships" xmlns:p="http://schemas.openxmlformats.org/presentationml/2006/main">
   <p:cSld>
     <p:spTree>
@@ -22461,10 +24513,10 @@
           <a:lstStyle/>
           <a:p>
             <a:r>
-              <a:rPr lang="en-GB" dirty="0" smtClean="0"/>
+              <a:rPr lang="en-GB" sz="6600" dirty="0" smtClean="0"/>
               <a:t>Asynchronous I/O</a:t>
             </a:r>
-            <a:endParaRPr lang="en-GB" dirty="0"/>
+            <a:endParaRPr lang="en-GB" sz="6600" dirty="0"/>
           </a:p>
         </p:txBody>
       </p:sp>

--- a/IntroductionToFSharp.pptx
+++ b/IntroductionToFSharp.pptx
@@ -12,8 +12,8 @@
   </p:handoutMasterIdLst>
   <p:sldIdLst>
     <p:sldId id="256" r:id="rId2"/>
-    <p:sldId id="323" r:id="rId3"/>
-    <p:sldId id="324" r:id="rId4"/>
+    <p:sldId id="324" r:id="rId3"/>
+    <p:sldId id="327" r:id="rId4"/>
     <p:sldId id="326" r:id="rId5"/>
     <p:sldId id="322" r:id="rId6"/>
     <p:sldId id="325" r:id="rId7"/>
@@ -4329,10 +4329,10 @@
           <a:lstStyle/>
           <a:p>
             <a:r>
-              <a:rPr lang="de-DE" sz="7200" dirty="0" smtClean="0"/>
+              <a:rPr lang="de-DE" sz="6600" dirty="0" smtClean="0"/>
               <a:t>Allgemeines</a:t>
             </a:r>
-            <a:endParaRPr lang="de-DE" sz="7200" dirty="0"/>
+            <a:endParaRPr lang="de-DE" sz="6600" dirty="0"/>
           </a:p>
         </p:txBody>
       </p:sp>
@@ -4346,7 +4346,12 @@
             <p:ph idx="1"/>
           </p:nvPr>
         </p:nvSpPr>
-        <p:spPr/>
+        <p:spPr>
+          <a:xfrm>
+            <a:off x="215900" y="1775193"/>
+            <a:ext cx="8667750" cy="4625609"/>
+          </a:xfrm>
+        </p:spPr>
         <p:txBody>
           <a:bodyPr>
             <a:noAutofit/>
@@ -4355,38 +4360,39 @@
           <a:p>
             <a:pPr lvl="0"/>
             <a:r>
-              <a:rPr lang="de-DE" sz="6000" dirty="0" smtClean="0"/>
-              <a:t>Kaum </a:t>
-            </a:r>
-            <a:r>
-              <a:rPr lang="de-DE" sz="6000" dirty="0" smtClean="0"/>
-              <a:t>Folien</a:t>
-            </a:r>
+              <a:rPr lang="de-DE" sz="4400" dirty="0" smtClean="0"/>
+              <a:t>Keine </a:t>
+            </a:r>
+            <a:r>
+              <a:rPr lang="de-DE" sz="4400" dirty="0" smtClean="0"/>
+              <a:t>F# Werbeveranstaltung</a:t>
+            </a:r>
+            <a:endParaRPr lang="de-DE" sz="4400" dirty="0" smtClean="0"/>
           </a:p>
           <a:p>
-            <a:pPr lvl="0"/>
-            <a:r>
-              <a:rPr lang="de-DE" sz="6000" dirty="0" smtClean="0"/>
-              <a:t>Viel Code</a:t>
+            <a:pPr lvl="1"/>
+            <a:r>
+              <a:rPr lang="de-DE" sz="4000" dirty="0" smtClean="0"/>
+              <a:t>Funktionale </a:t>
+            </a:r>
+            <a:r>
+              <a:rPr lang="de-DE" sz="4000" dirty="0" smtClean="0"/>
+              <a:t>Konzepte und Denkmuster</a:t>
             </a:r>
           </a:p>
           <a:p>
-            <a:pPr lvl="0"/>
-            <a:r>
-              <a:rPr lang="de-DE" sz="6000" dirty="0" smtClean="0"/>
-              <a:t>Zwischenfragen </a:t>
-            </a:r>
-            <a:r>
-              <a:rPr lang="de-DE" sz="6000" dirty="0" smtClean="0"/>
-              <a:t>sind </a:t>
-            </a:r>
-            <a:r>
-              <a:rPr lang="de-DE" sz="6000" dirty="0" smtClean="0"/>
-              <a:t>ausdrücklich </a:t>
-            </a:r>
-            <a:r>
-              <a:rPr lang="de-DE" sz="6000" dirty="0" smtClean="0"/>
-              <a:t>erwünscht</a:t>
+            <a:pPr lvl="1"/>
+            <a:r>
+              <a:rPr lang="de-DE" sz="4000" dirty="0" smtClean="0"/>
+              <a:t>Anwendung </a:t>
+            </a:r>
+            <a:r>
+              <a:rPr lang="de-DE" sz="4000" dirty="0" smtClean="0"/>
+              <a:t>oft </a:t>
+            </a:r>
+            <a:r>
+              <a:rPr lang="de-DE" sz="4000" dirty="0" smtClean="0"/>
+              <a:t>in imperativen Sprachen möglich</a:t>
             </a:r>
           </a:p>
         </p:txBody>
@@ -4444,7 +4450,7 @@
               <a:rPr lang="de-DE" sz="6600" dirty="0" smtClean="0"/>
               <a:t>Allgemeines</a:t>
             </a:r>
-            <a:endParaRPr lang="de-DE" sz="6600" dirty="0"/>
+            <a:endParaRPr lang="de-DE" sz="7200" dirty="0"/>
           </a:p>
         </p:txBody>
       </p:sp>
@@ -4467,32 +4473,23 @@
           <a:p>
             <a:pPr lvl="0"/>
             <a:r>
-              <a:rPr lang="de-DE" sz="4400" dirty="0" smtClean="0"/>
-              <a:t>Keine </a:t>
-            </a:r>
-            <a:r>
-              <a:rPr lang="de-DE" sz="4400" dirty="0" smtClean="0"/>
-              <a:t>reine F# Werbeveranstaltung</a:t>
+              <a:rPr lang="de-DE" sz="6000" dirty="0" smtClean="0"/>
+              <a:t>Kaum Folien</a:t>
             </a:r>
           </a:p>
           <a:p>
-            <a:pPr lvl="1"/>
-            <a:r>
-              <a:rPr lang="de-DE" sz="4000" dirty="0" smtClean="0"/>
-              <a:t>Allgemein funktionale Konzepte und Denkmuster</a:t>
+            <a:pPr lvl="0"/>
+            <a:r>
+              <a:rPr lang="de-DE" sz="6000" dirty="0" smtClean="0"/>
+              <a:t>Viel Code</a:t>
             </a:r>
           </a:p>
           <a:p>
-            <a:pPr lvl="1"/>
-            <a:r>
-              <a:rPr lang="de-DE" sz="4000" dirty="0" smtClean="0"/>
-              <a:t>Anwendung teilweise in imperativen Sprachen </a:t>
-            </a:r>
-            <a:r>
-              <a:rPr lang="de-DE" sz="4000" dirty="0" smtClean="0"/>
-              <a:t>möglich</a:t>
-            </a:r>
-            <a:endParaRPr lang="de-DE" sz="4000" dirty="0" smtClean="0"/>
+            <a:pPr lvl="0"/>
+            <a:r>
+              <a:rPr lang="de-DE" sz="6000" dirty="0" smtClean="0"/>
+              <a:t>Zwischenfragen sind ausdrücklich erwünscht</a:t>
+            </a:r>
           </a:p>
         </p:txBody>
       </p:sp>
@@ -4631,20 +4628,12 @@
               <a:rPr lang="de-DE" sz="4400" dirty="0" smtClean="0"/>
               <a:t> </a:t>
             </a:r>
-            <a:r>
-              <a:rPr lang="de-DE" sz="4400" dirty="0" smtClean="0"/>
-              <a:t/>
-            </a:r>
             <a:br>
               <a:rPr lang="de-DE" sz="4400" dirty="0" smtClean="0"/>
             </a:br>
             <a:r>
               <a:rPr lang="de-DE" sz="4400" i="1" dirty="0" smtClean="0"/>
-              <a:t>genau </a:t>
-            </a:r>
-            <a:r>
-              <a:rPr lang="de-DE" sz="4400" i="1" dirty="0" smtClean="0"/>
-              <a:t>ein</a:t>
+              <a:t>genau ein</a:t>
             </a:r>
             <a:r>
               <a:rPr lang="de-DE" sz="4400" dirty="0" smtClean="0"/>
@@ -4656,11 +4645,7 @@
             </a:r>
             <a:r>
               <a:rPr lang="de-DE" sz="4400" dirty="0" smtClean="0"/>
-              <a:t> </a:t>
-            </a:r>
-            <a:r>
-              <a:rPr lang="de-DE" sz="4400" dirty="0" smtClean="0"/>
-              <a:t>einer </a:t>
+              <a:t> einer </a:t>
             </a:r>
             <a:r>
               <a:rPr lang="de-DE" sz="4400" u="sng" dirty="0" smtClean="0">
@@ -4739,11 +4724,7 @@
             </a:r>
             <a:r>
               <a:rPr lang="de-DE" sz="6600" dirty="0" smtClean="0"/>
-              <a:t> = </a:t>
-            </a:r>
-            <a:r>
-              <a:rPr lang="de-DE" sz="6600" dirty="0" smtClean="0"/>
-              <a:t>?</a:t>
+              <a:t> = ?</a:t>
             </a:r>
             <a:endParaRPr lang="de-DE" sz="6600" dirty="0"/>
           </a:p>
@@ -5419,6 +5400,37 @@
           </a:p>
         </p:txBody>
       </p:sp>
+      <p:pic>
+        <p:nvPicPr>
+          <p:cNvPr id="1026" name="Picture 2" descr="D:\FSharpTalk\pics\Apollo_8_Liftoff.jpg"/>
+          <p:cNvPicPr>
+            <a:picLocks noChangeAspect="1" noChangeArrowheads="1"/>
+          </p:cNvPicPr>
+          <p:nvPr/>
+        </p:nvPicPr>
+        <p:blipFill>
+          <a:blip r:embed="rId3" cstate="print"/>
+          <a:srcRect/>
+          <a:stretch>
+            <a:fillRect/>
+          </a:stretch>
+        </p:blipFill>
+        <p:spPr bwMode="auto">
+          <a:xfrm>
+            <a:off x="5549900" y="984249"/>
+            <a:ext cx="666750" cy="1719779"/>
+          </a:xfrm>
+          <a:prstGeom prst="rect">
+            <a:avLst/>
+          </a:prstGeom>
+          <a:noFill/>
+          <a:ln w="3175">
+            <a:solidFill>
+              <a:schemeClr val="tx1"/>
+            </a:solidFill>
+          </a:ln>
+        </p:spPr>
+      </p:pic>
     </p:spTree>
   </p:cSld>
   <p:clrMapOvr>
@@ -5972,6 +5984,41 @@
                                   </p:childTnLst>
                                 </p:cTn>
                               </p:par>
+                              <p:par>
+                                <p:cTn id="53" presetID="3" presetClass="entr" presetSubtype="10" fill="hold" nodeType="withEffect">
+                                  <p:stCondLst>
+                                    <p:cond delay="0"/>
+                                  </p:stCondLst>
+                                  <p:childTnLst>
+                                    <p:set>
+                                      <p:cBhvr>
+                                        <p:cTn id="54" dur="1" fill="hold">
+                                          <p:stCondLst>
+                                            <p:cond delay="0"/>
+                                          </p:stCondLst>
+                                        </p:cTn>
+                                        <p:tgtEl>
+                                          <p:spTgt spid="1026"/>
+                                        </p:tgtEl>
+                                        <p:attrNameLst>
+                                          <p:attrName>style.visibility</p:attrName>
+                                        </p:attrNameLst>
+                                      </p:cBhvr>
+                                      <p:to>
+                                        <p:strVal val="visible"/>
+                                      </p:to>
+                                    </p:set>
+                                    <p:animEffect transition="in" filter="blinds(horizontal)">
+                                      <p:cBhvr>
+                                        <p:cTn id="55" dur="500"/>
+                                        <p:tgtEl>
+                                          <p:spTgt spid="1026"/>
+                                        </p:tgtEl>
+                                      </p:cBhvr>
+                                    </p:animEffect>
+                                  </p:childTnLst>
+                                </p:cTn>
+                              </p:par>
                             </p:childTnLst>
                           </p:cTn>
                         </p:par>
@@ -6067,7 +6114,7 @@
           <p:nvPr/>
         </p:nvGraphicFramePr>
         <p:xfrm>
-          <a:off x="838200" y="1600200"/>
+          <a:off x="215900" y="1562100"/>
           <a:ext cx="6845300" cy="5105402"/>
         </p:xfrm>
         <a:graphic>
@@ -16162,7 +16209,7 @@
                         <a:tabLst/>
                       </a:pPr>
                       <a:r>
-                        <a:rPr kumimoji="0" lang="de-DE" sz="1200" b="0" i="0" u="none" strike="noStrike" cap="none" normalizeH="0" baseline="0" smtClean="0">
+                        <a:rPr kumimoji="0" lang="de-DE" sz="1200" b="0" i="0" u="none" strike="noStrike" cap="none" normalizeH="0" baseline="0" dirty="0" smtClean="0">
                           <a:ln>
                             <a:noFill/>
                           </a:ln>
@@ -16175,7 +16222,7 @@
                         </a:rPr>
                         <a:t>48</a:t>
                       </a:r>
-                      <a:endParaRPr kumimoji="0" lang="de-DE" sz="1800" b="0" i="0" u="none" strike="noStrike" cap="none" normalizeH="0" baseline="0" smtClean="0">
+                      <a:endParaRPr kumimoji="0" lang="de-DE" sz="1800" b="0" i="0" u="none" strike="noStrike" cap="none" normalizeH="0" baseline="0" dirty="0" smtClean="0">
                         <a:ln>
                           <a:noFill/>
                         </a:ln>
@@ -24458,17 +24505,385 @@
           </a:graphicData>
         </a:graphic>
       </p:graphicFrame>
+      <p:sp>
+        <p:nvSpPr>
+          <p:cNvPr id="4" name="Textfeld 3"/>
+          <p:cNvSpPr txBox="1"/>
+          <p:nvPr/>
+        </p:nvSpPr>
+        <p:spPr>
+          <a:xfrm>
+            <a:off x="7150100" y="1784350"/>
+            <a:ext cx="1828800" cy="707886"/>
+          </a:xfrm>
+          <a:prstGeom prst="rect">
+            <a:avLst/>
+          </a:prstGeom>
+          <a:noFill/>
+        </p:spPr>
+        <p:txBody>
+          <a:bodyPr wrap="square" rtlCol="0">
+            <a:spAutoFit/>
+          </a:bodyPr>
+          <a:lstStyle/>
+          <a:p>
+            <a:r>
+              <a:rPr lang="de-DE" sz="4000" dirty="0" smtClean="0">
+                <a:ln w="18415" cmpd="sng">
+                  <a:solidFill>
+                    <a:srgbClr val="FFFFFF"/>
+                  </a:solidFill>
+                  <a:prstDash val="solid"/>
+                </a:ln>
+                <a:solidFill>
+                  <a:srgbClr val="FFFFFF"/>
+                </a:solidFill>
+                <a:effectLst>
+                  <a:outerShdw blurRad="63500" dir="3600000" algn="tl" rotWithShape="0">
+                    <a:srgbClr val="000000">
+                      <a:alpha val="70000"/>
+                    </a:srgbClr>
+                  </a:outerShdw>
+                </a:effectLst>
+              </a:rPr>
+              <a:t>f(6,8)</a:t>
+            </a:r>
+            <a:endParaRPr lang="de-DE" sz="4000" dirty="0">
+              <a:ln w="18415" cmpd="sng">
+                <a:solidFill>
+                  <a:srgbClr val="FFFFFF"/>
+                </a:solidFill>
+                <a:prstDash val="solid"/>
+              </a:ln>
+              <a:solidFill>
+                <a:srgbClr val="FFFFFF"/>
+              </a:solidFill>
+              <a:effectLst>
+                <a:outerShdw blurRad="63500" dir="3600000" algn="tl" rotWithShape="0">
+                  <a:srgbClr val="000000">
+                    <a:alpha val="70000"/>
+                  </a:srgbClr>
+                </a:outerShdw>
+              </a:effectLst>
+            </a:endParaRPr>
+          </a:p>
+        </p:txBody>
+      </p:sp>
+      <p:sp>
+        <p:nvSpPr>
+          <p:cNvPr id="7" name="Ellipse 6"/>
+          <p:cNvSpPr/>
+          <p:nvPr/>
+        </p:nvSpPr>
+        <p:spPr>
+          <a:xfrm>
+            <a:off x="4705350" y="4140200"/>
+            <a:ext cx="355600" cy="311150"/>
+          </a:xfrm>
+          <a:prstGeom prst="ellipse">
+            <a:avLst/>
+          </a:prstGeom>
+          <a:solidFill>
+            <a:schemeClr val="accent1">
+              <a:alpha val="0"/>
+            </a:schemeClr>
+          </a:solidFill>
+          <a:ln>
+            <a:solidFill>
+              <a:srgbClr val="FF0000"/>
+            </a:solidFill>
+          </a:ln>
+        </p:spPr>
+        <p:style>
+          <a:lnRef idx="2">
+            <a:schemeClr val="accent1">
+              <a:shade val="50000"/>
+            </a:schemeClr>
+          </a:lnRef>
+          <a:fillRef idx="1">
+            <a:schemeClr val="accent1"/>
+          </a:fillRef>
+          <a:effectRef idx="0">
+            <a:schemeClr val="accent1"/>
+          </a:effectRef>
+          <a:fontRef idx="minor">
+            <a:schemeClr val="lt1"/>
+          </a:fontRef>
+        </p:style>
+        <p:txBody>
+          <a:bodyPr rtlCol="0" anchor="ctr"/>
+          <a:lstStyle/>
+          <a:p>
+            <a:pPr algn="ctr"/>
+            <a:endParaRPr lang="de-DE"/>
+          </a:p>
+        </p:txBody>
+      </p:sp>
+      <p:sp>
+        <p:nvSpPr>
+          <p:cNvPr id="9" name="Textfeld 8"/>
+          <p:cNvSpPr txBox="1"/>
+          <p:nvPr/>
+        </p:nvSpPr>
+        <p:spPr>
+          <a:xfrm>
+            <a:off x="7150100" y="2495550"/>
+            <a:ext cx="1828800" cy="707886"/>
+          </a:xfrm>
+          <a:prstGeom prst="rect">
+            <a:avLst/>
+          </a:prstGeom>
+          <a:noFill/>
+        </p:spPr>
+        <p:txBody>
+          <a:bodyPr wrap="square" rtlCol="0">
+            <a:spAutoFit/>
+          </a:bodyPr>
+          <a:lstStyle/>
+          <a:p>
+            <a:r>
+              <a:rPr lang="de-DE" sz="4000" dirty="0" smtClean="0">
+                <a:ln w="18415" cmpd="sng">
+                  <a:solidFill>
+                    <a:srgbClr val="FFFFFF"/>
+                  </a:solidFill>
+                  <a:prstDash val="solid"/>
+                </a:ln>
+                <a:solidFill>
+                  <a:srgbClr val="FFFFFF"/>
+                </a:solidFill>
+                <a:effectLst>
+                  <a:outerShdw blurRad="63500" dir="3600000" algn="tl" rotWithShape="0">
+                    <a:srgbClr val="000000">
+                      <a:alpha val="70000"/>
+                    </a:srgbClr>
+                  </a:outerShdw>
+                </a:effectLst>
+              </a:rPr>
+              <a:t>=f(6,8)</a:t>
+            </a:r>
+            <a:endParaRPr lang="de-DE" sz="4000" dirty="0">
+              <a:ln w="18415" cmpd="sng">
+                <a:solidFill>
+                  <a:srgbClr val="FFFFFF"/>
+                </a:solidFill>
+                <a:prstDash val="solid"/>
+              </a:ln>
+              <a:solidFill>
+                <a:srgbClr val="FFFFFF"/>
+              </a:solidFill>
+              <a:effectLst>
+                <a:outerShdw blurRad="63500" dir="3600000" algn="tl" rotWithShape="0">
+                  <a:srgbClr val="000000">
+                    <a:alpha val="70000"/>
+                  </a:srgbClr>
+                </a:outerShdw>
+              </a:effectLst>
+            </a:endParaRPr>
+          </a:p>
+        </p:txBody>
+      </p:sp>
     </p:spTree>
   </p:cSld>
   <p:clrMapOvr>
     <a:masterClrMapping/>
   </p:clrMapOvr>
+  <p:transition>
+    <p:fade thruBlk="1"/>
+  </p:transition>
   <p:timing>
     <p:tnLst>
       <p:par>
-        <p:cTn id="1" dur="indefinite" restart="never" nodeType="tmRoot"/>
+        <p:cTn id="1" dur="indefinite" restart="never" nodeType="tmRoot">
+          <p:childTnLst>
+            <p:seq concurrent="1" nextAc="seek">
+              <p:cTn id="2" dur="indefinite" nodeType="mainSeq">
+                <p:childTnLst>
+                  <p:par>
+                    <p:cTn id="3" fill="hold">
+                      <p:stCondLst>
+                        <p:cond delay="indefinite"/>
+                      </p:stCondLst>
+                      <p:childTnLst>
+                        <p:par>
+                          <p:cTn id="4" fill="hold">
+                            <p:stCondLst>
+                              <p:cond delay="0"/>
+                            </p:stCondLst>
+                            <p:childTnLst>
+                              <p:par>
+                                <p:cTn id="5" presetID="3" presetClass="entr" presetSubtype="10" fill="hold" grpId="0" nodeType="clickEffect">
+                                  <p:stCondLst>
+                                    <p:cond delay="0"/>
+                                  </p:stCondLst>
+                                  <p:childTnLst>
+                                    <p:set>
+                                      <p:cBhvr>
+                                        <p:cTn id="6" dur="1" fill="hold">
+                                          <p:stCondLst>
+                                            <p:cond delay="0"/>
+                                          </p:stCondLst>
+                                        </p:cTn>
+                                        <p:tgtEl>
+                                          <p:spTgt spid="4"/>
+                                        </p:tgtEl>
+                                        <p:attrNameLst>
+                                          <p:attrName>style.visibility</p:attrName>
+                                        </p:attrNameLst>
+                                      </p:cBhvr>
+                                      <p:to>
+                                        <p:strVal val="visible"/>
+                                      </p:to>
+                                    </p:set>
+                                    <p:animEffect transition="in" filter="blinds(horizontal)">
+                                      <p:cBhvr>
+                                        <p:cTn id="7" dur="500"/>
+                                        <p:tgtEl>
+                                          <p:spTgt spid="4"/>
+                                        </p:tgtEl>
+                                      </p:cBhvr>
+                                    </p:animEffect>
+                                  </p:childTnLst>
+                                </p:cTn>
+                              </p:par>
+                            </p:childTnLst>
+                          </p:cTn>
+                        </p:par>
+                      </p:childTnLst>
+                    </p:cTn>
+                  </p:par>
+                  <p:par>
+                    <p:cTn id="8" fill="hold">
+                      <p:stCondLst>
+                        <p:cond delay="indefinite"/>
+                      </p:stCondLst>
+                      <p:childTnLst>
+                        <p:par>
+                          <p:cTn id="9" fill="hold">
+                            <p:stCondLst>
+                              <p:cond delay="0"/>
+                            </p:stCondLst>
+                            <p:childTnLst>
+                              <p:par>
+                                <p:cTn id="10" presetID="3" presetClass="entr" presetSubtype="10" fill="hold" grpId="0" nodeType="clickEffect">
+                                  <p:stCondLst>
+                                    <p:cond delay="0"/>
+                                  </p:stCondLst>
+                                  <p:childTnLst>
+                                    <p:set>
+                                      <p:cBhvr>
+                                        <p:cTn id="11" dur="1" fill="hold">
+                                          <p:stCondLst>
+                                            <p:cond delay="0"/>
+                                          </p:stCondLst>
+                                        </p:cTn>
+                                        <p:tgtEl>
+                                          <p:spTgt spid="7"/>
+                                        </p:tgtEl>
+                                        <p:attrNameLst>
+                                          <p:attrName>style.visibility</p:attrName>
+                                        </p:attrNameLst>
+                                      </p:cBhvr>
+                                      <p:to>
+                                        <p:strVal val="visible"/>
+                                      </p:to>
+                                    </p:set>
+                                    <p:animEffect transition="in" filter="blinds(horizontal)">
+                                      <p:cBhvr>
+                                        <p:cTn id="12" dur="500"/>
+                                        <p:tgtEl>
+                                          <p:spTgt spid="7"/>
+                                        </p:tgtEl>
+                                      </p:cBhvr>
+                                    </p:animEffect>
+                                  </p:childTnLst>
+                                </p:cTn>
+                              </p:par>
+                            </p:childTnLst>
+                          </p:cTn>
+                        </p:par>
+                      </p:childTnLst>
+                    </p:cTn>
+                  </p:par>
+                  <p:par>
+                    <p:cTn id="13" fill="hold">
+                      <p:stCondLst>
+                        <p:cond delay="indefinite"/>
+                      </p:stCondLst>
+                      <p:childTnLst>
+                        <p:par>
+                          <p:cTn id="14" fill="hold">
+                            <p:stCondLst>
+                              <p:cond delay="0"/>
+                            </p:stCondLst>
+                            <p:childTnLst>
+                              <p:par>
+                                <p:cTn id="15" presetID="3" presetClass="entr" presetSubtype="10" fill="hold" grpId="0" nodeType="clickEffect">
+                                  <p:stCondLst>
+                                    <p:cond delay="0"/>
+                                  </p:stCondLst>
+                                  <p:childTnLst>
+                                    <p:set>
+                                      <p:cBhvr>
+                                        <p:cTn id="16" dur="1" fill="hold">
+                                          <p:stCondLst>
+                                            <p:cond delay="0"/>
+                                          </p:stCondLst>
+                                        </p:cTn>
+                                        <p:tgtEl>
+                                          <p:spTgt spid="9"/>
+                                        </p:tgtEl>
+                                        <p:attrNameLst>
+                                          <p:attrName>style.visibility</p:attrName>
+                                        </p:attrNameLst>
+                                      </p:cBhvr>
+                                      <p:to>
+                                        <p:strVal val="visible"/>
+                                      </p:to>
+                                    </p:set>
+                                    <p:animEffect transition="in" filter="blinds(horizontal)">
+                                      <p:cBhvr>
+                                        <p:cTn id="17" dur="500"/>
+                                        <p:tgtEl>
+                                          <p:spTgt spid="9"/>
+                                        </p:tgtEl>
+                                      </p:cBhvr>
+                                    </p:animEffect>
+                                  </p:childTnLst>
+                                </p:cTn>
+                              </p:par>
+                            </p:childTnLst>
+                          </p:cTn>
+                        </p:par>
+                      </p:childTnLst>
+                    </p:cTn>
+                  </p:par>
+                </p:childTnLst>
+              </p:cTn>
+              <p:prevCondLst>
+                <p:cond evt="onPrev" delay="0">
+                  <p:tgtEl>
+                    <p:sldTgt/>
+                  </p:tgtEl>
+                </p:cond>
+              </p:prevCondLst>
+              <p:nextCondLst>
+                <p:cond evt="onNext" delay="0">
+                  <p:tgtEl>
+                    <p:sldTgt/>
+                  </p:tgtEl>
+                </p:cond>
+              </p:nextCondLst>
+            </p:seq>
+          </p:childTnLst>
+        </p:cTn>
       </p:par>
     </p:tnLst>
+    <p:bldLst>
+      <p:bldP spid="4" grpId="0"/>
+      <p:bldP spid="7" grpId="0" animBg="1"/>
+      <p:bldP spid="9" grpId="0"/>
+    </p:bldLst>
   </p:timing>
 </p:sld>
 </file>

--- a/IntroductionToFSharp.pptx
+++ b/IntroductionToFSharp.pptx
@@ -5,19 +5,21 @@
     <p:sldMasterId id="2147483660" r:id="rId1"/>
   </p:sldMasterIdLst>
   <p:notesMasterIdLst>
-    <p:notesMasterId r:id="rId9"/>
+    <p:notesMasterId r:id="rId11"/>
   </p:notesMasterIdLst>
   <p:handoutMasterIdLst>
-    <p:handoutMasterId r:id="rId10"/>
+    <p:handoutMasterId r:id="rId12"/>
   </p:handoutMasterIdLst>
   <p:sldIdLst>
     <p:sldId id="256" r:id="rId2"/>
-    <p:sldId id="324" r:id="rId3"/>
-    <p:sldId id="327" r:id="rId4"/>
-    <p:sldId id="326" r:id="rId5"/>
-    <p:sldId id="322" r:id="rId6"/>
-    <p:sldId id="325" r:id="rId7"/>
-    <p:sldId id="320" r:id="rId8"/>
+    <p:sldId id="328" r:id="rId3"/>
+    <p:sldId id="329" r:id="rId4"/>
+    <p:sldId id="327" r:id="rId5"/>
+    <p:sldId id="324" r:id="rId6"/>
+    <p:sldId id="326" r:id="rId7"/>
+    <p:sldId id="322" r:id="rId8"/>
+    <p:sldId id="325" r:id="rId9"/>
+    <p:sldId id="320" r:id="rId10"/>
   </p:sldIdLst>
   <p:sldSz cx="9144000" cy="6858000" type="screen4x3"/>
   <p:notesSz cx="6858000" cy="9144000"/>
@@ -1141,6 +1143,170 @@
       </p:grpSpPr>
       <p:sp>
         <p:nvSpPr>
+          <p:cNvPr id="2" name="Folienbildplatzhalter 1"/>
+          <p:cNvSpPr>
+            <a:spLocks noGrp="1" noRot="1" noChangeAspect="1"/>
+          </p:cNvSpPr>
+          <p:nvPr>
+            <p:ph type="sldImg"/>
+          </p:nvPr>
+        </p:nvSpPr>
+        <p:spPr/>
+      </p:sp>
+      <p:sp>
+        <p:nvSpPr>
+          <p:cNvPr id="3" name="Notizenplatzhalter 2"/>
+          <p:cNvSpPr>
+            <a:spLocks noGrp="1"/>
+          </p:cNvSpPr>
+          <p:nvPr>
+            <p:ph type="body" idx="1"/>
+          </p:nvPr>
+        </p:nvSpPr>
+        <p:spPr/>
+        <p:txBody>
+          <a:bodyPr>
+            <a:normAutofit/>
+          </a:bodyPr>
+          <a:lstStyle/>
+          <a:p>
+            <a:endParaRPr lang="de-DE"/>
+          </a:p>
+        </p:txBody>
+      </p:sp>
+      <p:sp>
+        <p:nvSpPr>
+          <p:cNvPr id="4" name="Foliennummernplatzhalter 3"/>
+          <p:cNvSpPr>
+            <a:spLocks noGrp="1"/>
+          </p:cNvSpPr>
+          <p:nvPr>
+            <p:ph type="sldNum" sz="quarter" idx="10"/>
+          </p:nvPr>
+        </p:nvSpPr>
+        <p:spPr/>
+        <p:txBody>
+          <a:bodyPr/>
+          <a:lstStyle/>
+          <a:p>
+            <a:fld id="{FE5C90B4-74E4-420E-9E3F-548EA925D0FC}" type="slidenum">
+              <a:rPr lang="en-US" smtClean="0"/>
+              <a:pPr/>
+              <a:t>7</a:t>
+            </a:fld>
+            <a:endParaRPr lang="en-US"/>
+          </a:p>
+        </p:txBody>
+      </p:sp>
+    </p:spTree>
+  </p:cSld>
+  <p:clrMapOvr>
+    <a:masterClrMapping/>
+  </p:clrMapOvr>
+</p:notes>
+</file>
+
+<file path=ppt/notesSlides/notesSlide8.xml><?xml version="1.0" encoding="utf-8"?>
+<p:notes xmlns:a="http://schemas.openxmlformats.org/drawingml/2006/main" xmlns:r="http://schemas.openxmlformats.org/officeDocument/2006/relationships" xmlns:p="http://schemas.openxmlformats.org/presentationml/2006/main">
+  <p:cSld>
+    <p:spTree>
+      <p:nvGrpSpPr>
+        <p:cNvPr id="1" name=""/>
+        <p:cNvGrpSpPr/>
+        <p:nvPr/>
+      </p:nvGrpSpPr>
+      <p:grpSpPr>
+        <a:xfrm>
+          <a:off x="0" y="0"/>
+          <a:ext cx="0" cy="0"/>
+          <a:chOff x="0" y="0"/>
+          <a:chExt cx="0" cy="0"/>
+        </a:xfrm>
+      </p:grpSpPr>
+      <p:sp>
+        <p:nvSpPr>
+          <p:cNvPr id="2" name="Folienbildplatzhalter 1"/>
+          <p:cNvSpPr>
+            <a:spLocks noGrp="1" noRot="1" noChangeAspect="1"/>
+          </p:cNvSpPr>
+          <p:nvPr>
+            <p:ph type="sldImg"/>
+          </p:nvPr>
+        </p:nvSpPr>
+        <p:spPr/>
+      </p:sp>
+      <p:sp>
+        <p:nvSpPr>
+          <p:cNvPr id="3" name="Notizenplatzhalter 2"/>
+          <p:cNvSpPr>
+            <a:spLocks noGrp="1"/>
+          </p:cNvSpPr>
+          <p:nvPr>
+            <p:ph type="body" idx="1"/>
+          </p:nvPr>
+        </p:nvSpPr>
+        <p:spPr/>
+        <p:txBody>
+          <a:bodyPr>
+            <a:normAutofit/>
+          </a:bodyPr>
+          <a:lstStyle/>
+          <a:p>
+            <a:endParaRPr lang="de-DE"/>
+          </a:p>
+        </p:txBody>
+      </p:sp>
+      <p:sp>
+        <p:nvSpPr>
+          <p:cNvPr id="4" name="Foliennummernplatzhalter 3"/>
+          <p:cNvSpPr>
+            <a:spLocks noGrp="1"/>
+          </p:cNvSpPr>
+          <p:nvPr>
+            <p:ph type="sldNum" sz="quarter" idx="10"/>
+          </p:nvPr>
+        </p:nvSpPr>
+        <p:spPr/>
+        <p:txBody>
+          <a:bodyPr/>
+          <a:lstStyle/>
+          <a:p>
+            <a:fld id="{FE5C90B4-74E4-420E-9E3F-548EA925D0FC}" type="slidenum">
+              <a:rPr lang="en-US" smtClean="0"/>
+              <a:pPr/>
+              <a:t>8</a:t>
+            </a:fld>
+            <a:endParaRPr lang="en-US"/>
+          </a:p>
+        </p:txBody>
+      </p:sp>
+    </p:spTree>
+  </p:cSld>
+  <p:clrMapOvr>
+    <a:masterClrMapping/>
+  </p:clrMapOvr>
+</p:notes>
+</file>
+
+<file path=ppt/notesSlides/notesSlide9.xml><?xml version="1.0" encoding="utf-8"?>
+<p:notes xmlns:a="http://schemas.openxmlformats.org/drawingml/2006/main" xmlns:r="http://schemas.openxmlformats.org/officeDocument/2006/relationships" xmlns:p="http://schemas.openxmlformats.org/presentationml/2006/main">
+  <p:cSld>
+    <p:spTree>
+      <p:nvGrpSpPr>
+        <p:cNvPr id="1" name=""/>
+        <p:cNvGrpSpPr/>
+        <p:nvPr/>
+      </p:nvGrpSpPr>
+      <p:grpSpPr>
+        <a:xfrm>
+          <a:off x="0" y="0"/>
+          <a:ext cx="0" cy="0"/>
+          <a:chOff x="0" y="0"/>
+          <a:chExt cx="0" cy="0"/>
+        </a:xfrm>
+      </p:grpSpPr>
+      <p:sp>
+        <p:nvSpPr>
           <p:cNvPr id="2" name="Slide Image Placeholder 1"/>
           <p:cNvSpPr>
             <a:spLocks noGrp="1" noRot="1" noChangeAspect="1"/>
@@ -4329,10 +4495,10 @@
           <a:lstStyle/>
           <a:p>
             <a:r>
-              <a:rPr lang="de-DE" sz="6600" dirty="0" smtClean="0"/>
-              <a:t>Allgemeines</a:t>
-            </a:r>
-            <a:endParaRPr lang="de-DE" sz="6600" dirty="0"/>
+              <a:rPr lang="de-DE" sz="6000" dirty="0" smtClean="0"/>
+              <a:t>Agenda</a:t>
+            </a:r>
+            <a:endParaRPr lang="de-DE" sz="6000" dirty="0"/>
           </a:p>
         </p:txBody>
       </p:sp>
@@ -4346,54 +4512,53 @@
             <p:ph idx="1"/>
           </p:nvPr>
         </p:nvSpPr>
-        <p:spPr>
-          <a:xfrm>
-            <a:off x="215900" y="1775193"/>
-            <a:ext cx="8667750" cy="4625609"/>
-          </a:xfrm>
-        </p:spPr>
+        <p:spPr/>
         <p:txBody>
           <a:bodyPr>
-            <a:noAutofit/>
+            <a:normAutofit/>
           </a:bodyPr>
           <a:lstStyle/>
           <a:p>
-            <a:pPr lvl="0"/>
-            <a:r>
-              <a:rPr lang="de-DE" sz="4400" dirty="0" smtClean="0"/>
-              <a:t>Keine </a:t>
-            </a:r>
-            <a:r>
-              <a:rPr lang="de-DE" sz="4400" dirty="0" smtClean="0"/>
-              <a:t>F# Werbeveranstaltung</a:t>
-            </a:r>
-            <a:endParaRPr lang="de-DE" sz="4400" dirty="0" smtClean="0"/>
+            <a:r>
+              <a:rPr lang="de-DE" sz="3600" dirty="0" smtClean="0"/>
+              <a:t>Was ist funktionale Programmierung?</a:t>
+            </a:r>
           </a:p>
           <a:p>
             <a:pPr lvl="1"/>
             <a:r>
-              <a:rPr lang="de-DE" sz="4000" dirty="0" smtClean="0"/>
-              <a:t>Funktionale </a:t>
-            </a:r>
-            <a:r>
-              <a:rPr lang="de-DE" sz="4000" dirty="0" smtClean="0"/>
-              <a:t>Konzepte und Denkmuster</a:t>
+              <a:rPr lang="de-DE" sz="3200" dirty="0" smtClean="0"/>
+              <a:t>Unveränderlichkeit</a:t>
             </a:r>
           </a:p>
           <a:p>
             <a:pPr lvl="1"/>
             <a:r>
-              <a:rPr lang="de-DE" sz="4000" dirty="0" smtClean="0"/>
-              <a:t>Anwendung </a:t>
-            </a:r>
-            <a:r>
-              <a:rPr lang="de-DE" sz="4000" dirty="0" smtClean="0"/>
-              <a:t>oft </a:t>
-            </a:r>
-            <a:r>
-              <a:rPr lang="de-DE" sz="4000" dirty="0" smtClean="0"/>
-              <a:t>in imperativen Sprachen möglich</a:t>
-            </a:r>
+              <a:rPr lang="de-DE" sz="3200" dirty="0" smtClean="0"/>
+              <a:t>Lambda-Ausdrücke</a:t>
+            </a:r>
+          </a:p>
+          <a:p>
+            <a:pPr lvl="1"/>
+            <a:r>
+              <a:rPr lang="de-DE" sz="3200" dirty="0" smtClean="0"/>
+              <a:t>Typinferenz</a:t>
+            </a:r>
+          </a:p>
+          <a:p>
+            <a:pPr lvl="1"/>
+            <a:r>
+              <a:rPr lang="de-DE" sz="3200" dirty="0" smtClean="0"/>
+              <a:t>Funktionen höherer Ordnung</a:t>
+            </a:r>
+          </a:p>
+          <a:p>
+            <a:pPr lvl="1"/>
+            <a:r>
+              <a:rPr lang="de-DE" sz="3200" dirty="0" err="1" smtClean="0"/>
+              <a:t>Currying</a:t>
+            </a:r>
+            <a:endParaRPr lang="de-DE" sz="3200" dirty="0" smtClean="0"/>
           </a:p>
         </p:txBody>
       </p:sp>
@@ -4447,10 +4612,10 @@
           <a:lstStyle/>
           <a:p>
             <a:r>
-              <a:rPr lang="de-DE" sz="6600" dirty="0" smtClean="0"/>
-              <a:t>Allgemeines</a:t>
-            </a:r>
-            <a:endParaRPr lang="de-DE" sz="7200" dirty="0"/>
+              <a:rPr lang="de-DE" sz="6000" dirty="0" smtClean="0"/>
+              <a:t>Agenda</a:t>
+            </a:r>
+            <a:endParaRPr lang="de-DE" sz="6000" dirty="0"/>
           </a:p>
         </p:txBody>
       </p:sp>
@@ -4467,29 +4632,71 @@
         <p:spPr/>
         <p:txBody>
           <a:bodyPr>
-            <a:noAutofit/>
+            <a:normAutofit/>
           </a:bodyPr>
           <a:lstStyle/>
           <a:p>
-            <a:pPr lvl="0"/>
-            <a:r>
-              <a:rPr lang="de-DE" sz="6000" dirty="0" smtClean="0"/>
-              <a:t>Kaum Folien</a:t>
+            <a:r>
+              <a:rPr lang="de-DE" dirty="0" smtClean="0"/>
+              <a:t>OOP vs. FP</a:t>
             </a:r>
           </a:p>
           <a:p>
-            <a:pPr lvl="0"/>
-            <a:r>
-              <a:rPr lang="de-DE" sz="6000" dirty="0" smtClean="0"/>
-              <a:t>Viel Code</a:t>
-            </a:r>
+            <a:pPr lvl="1"/>
+            <a:r>
+              <a:rPr lang="de-DE" dirty="0" smtClean="0"/>
+              <a:t>Open-</a:t>
+            </a:r>
+            <a:r>
+              <a:rPr lang="de-DE" dirty="0" err="1" smtClean="0"/>
+              <a:t>Closed</a:t>
+            </a:r>
+            <a:r>
+              <a:rPr lang="de-DE" dirty="0" smtClean="0"/>
+              <a:t>-</a:t>
+            </a:r>
+            <a:r>
+              <a:rPr lang="de-DE" dirty="0" err="1" smtClean="0"/>
+              <a:t>Principle</a:t>
+            </a:r>
+            <a:endParaRPr lang="de-DE" dirty="0" smtClean="0"/>
           </a:p>
           <a:p>
-            <a:pPr lvl="0"/>
-            <a:r>
-              <a:rPr lang="de-DE" sz="6000" dirty="0" smtClean="0"/>
-              <a:t>Zwischenfragen sind ausdrücklich erwünscht</a:t>
-            </a:r>
+            <a:r>
+              <a:rPr lang="de-DE" dirty="0" smtClean="0"/>
+              <a:t>F# als Host-Language für DSLs</a:t>
+            </a:r>
+          </a:p>
+          <a:p>
+            <a:pPr lvl="1"/>
+            <a:r>
+              <a:rPr lang="de-DE" dirty="0" smtClean="0"/>
+              <a:t>FAKE – F# </a:t>
+            </a:r>
+            <a:r>
+              <a:rPr lang="de-DE" dirty="0" err="1" smtClean="0"/>
+              <a:t>Make</a:t>
+            </a:r>
+            <a:endParaRPr lang="de-DE" dirty="0" smtClean="0"/>
+          </a:p>
+          <a:p>
+            <a:r>
+              <a:rPr lang="de-DE" dirty="0" err="1" smtClean="0"/>
+              <a:t>Async</a:t>
+            </a:r>
+            <a:r>
+              <a:rPr lang="de-DE" dirty="0" smtClean="0"/>
+              <a:t> </a:t>
+            </a:r>
+            <a:r>
+              <a:rPr lang="de-DE" dirty="0" err="1" smtClean="0"/>
+              <a:t>workflows</a:t>
+            </a:r>
+            <a:r>
+              <a:rPr lang="de-DE" dirty="0" smtClean="0"/>
+              <a:t> und Observables</a:t>
+            </a:r>
+            <a:endParaRPr lang="de-DE" dirty="0" smtClean="0"/>
           </a:p>
         </p:txBody>
       </p:sp>
@@ -4527,7 +4734,7 @@
       </p:grpSpPr>
       <p:sp>
         <p:nvSpPr>
-          <p:cNvPr id="3" name="Titel 2"/>
+          <p:cNvPr id="2" name="Titel 1"/>
           <p:cNvSpPr>
             <a:spLocks noGrp="1"/>
           </p:cNvSpPr>
@@ -4537,24 +4744,22 @@
         </p:nvSpPr>
         <p:spPr/>
         <p:txBody>
-          <a:bodyPr/>
+          <a:bodyPr>
+            <a:normAutofit/>
+          </a:bodyPr>
           <a:lstStyle/>
           <a:p>
             <a:r>
-              <a:rPr lang="de-DE" dirty="0" err="1" smtClean="0"/>
-              <a:t>Functions</a:t>
-            </a:r>
-            <a:r>
-              <a:rPr lang="de-DE" dirty="0" smtClean="0"/>
-              <a:t> = ?</a:t>
-            </a:r>
-            <a:endParaRPr lang="de-DE" dirty="0"/>
+              <a:rPr lang="de-DE" sz="6600" dirty="0" smtClean="0"/>
+              <a:t>Allgemeines</a:t>
+            </a:r>
+            <a:endParaRPr lang="de-DE" sz="7200" dirty="0"/>
           </a:p>
         </p:txBody>
       </p:sp>
       <p:sp>
         <p:nvSpPr>
-          <p:cNvPr id="4" name="Inhaltsplatzhalter 3"/>
+          <p:cNvPr id="3" name="Inhaltsplatzhalter 2"/>
           <p:cNvSpPr>
             <a:spLocks noGrp="1"/>
           </p:cNvSpPr>
@@ -4565,107 +4770,29 @@
         <p:spPr/>
         <p:txBody>
           <a:bodyPr>
-            <a:normAutofit/>
+            <a:noAutofit/>
           </a:bodyPr>
           <a:lstStyle/>
           <a:p>
-            <a:r>
-              <a:rPr lang="de-DE" sz="4400" dirty="0" smtClean="0"/>
-              <a:t>Eine Funktion </a:t>
-            </a:r>
-            <a:r>
-              <a:rPr lang="de-DE" sz="4400" i="1" dirty="0" smtClean="0"/>
-              <a:t>f</a:t>
-            </a:r>
-            <a:r>
-              <a:rPr lang="de-DE" sz="4400" dirty="0" smtClean="0"/>
-              <a:t> ordnet </a:t>
-            </a:r>
-            <a:br>
-              <a:rPr lang="de-DE" sz="4400" dirty="0" smtClean="0"/>
-            </a:br>
-            <a:r>
-              <a:rPr lang="de-DE" sz="4400" i="1" dirty="0" smtClean="0"/>
-              <a:t>jedem</a:t>
-            </a:r>
-            <a:r>
-              <a:rPr lang="de-DE" sz="4400" dirty="0" smtClean="0"/>
-              <a:t> </a:t>
-            </a:r>
-            <a:r>
-              <a:rPr lang="de-DE" sz="4400" u="sng" dirty="0" smtClean="0">
-                <a:hlinkClick r:id="rId3" tooltip="Element (Mathematik)"/>
-              </a:rPr>
-              <a:t>Element</a:t>
-            </a:r>
-            <a:r>
-              <a:rPr lang="de-DE" sz="4400" dirty="0" smtClean="0"/>
-              <a:t> </a:t>
-            </a:r>
-            <a:r>
-              <a:rPr lang="de-DE" sz="4400" i="1" dirty="0" smtClean="0"/>
-              <a:t>x</a:t>
-            </a:r>
-            <a:r>
-              <a:rPr lang="de-DE" sz="4400" dirty="0" smtClean="0"/>
-              <a:t> einer </a:t>
-            </a:r>
-            <a:r>
-              <a:rPr lang="de-DE" sz="4400" u="sng" dirty="0" err="1" smtClean="0">
-                <a:hlinkClick r:id="rId4" tooltip="Definitionsmenge"/>
-              </a:rPr>
-              <a:t>Definitionsmenge</a:t>
-            </a:r>
-            <a:r>
-              <a:rPr lang="de-DE" sz="4400" dirty="0" smtClean="0"/>
-              <a:t> </a:t>
-            </a:r>
-            <a:r>
-              <a:rPr lang="de-DE" sz="4400" i="1" dirty="0" smtClean="0"/>
-              <a:t>D</a:t>
-            </a:r>
-            <a:r>
-              <a:rPr lang="de-DE" sz="4400" dirty="0" smtClean="0"/>
-              <a:t> </a:t>
-            </a:r>
-            <a:br>
-              <a:rPr lang="de-DE" sz="4400" dirty="0" smtClean="0"/>
-            </a:br>
-            <a:r>
-              <a:rPr lang="de-DE" sz="4400" i="1" dirty="0" smtClean="0"/>
-              <a:t>genau ein</a:t>
-            </a:r>
-            <a:r>
-              <a:rPr lang="de-DE" sz="4400" dirty="0" smtClean="0"/>
-              <a:t> Element </a:t>
-            </a:r>
-            <a:r>
-              <a:rPr lang="de-DE" sz="4400" i="1" dirty="0" smtClean="0"/>
-              <a:t>y</a:t>
-            </a:r>
-            <a:r>
-              <a:rPr lang="de-DE" sz="4400" dirty="0" smtClean="0"/>
-              <a:t> einer </a:t>
-            </a:r>
-            <a:r>
-              <a:rPr lang="de-DE" sz="4400" u="sng" dirty="0" smtClean="0">
-                <a:hlinkClick r:id="rId5" tooltip="Zielmenge"/>
-              </a:rPr>
-              <a:t>Zielmenge</a:t>
-            </a:r>
-            <a:r>
-              <a:rPr lang="de-DE" sz="4400" dirty="0" smtClean="0"/>
-              <a:t> </a:t>
-            </a:r>
-            <a:r>
-              <a:rPr lang="de-DE" sz="4400" i="1" dirty="0" smtClean="0"/>
-              <a:t>Z</a:t>
-            </a:r>
-            <a:r>
-              <a:rPr lang="de-DE" sz="4400" dirty="0" smtClean="0"/>
-              <a:t> zu.</a:t>
-            </a:r>
-            <a:endParaRPr lang="de-DE" sz="4400" dirty="0"/>
+            <a:pPr lvl="0"/>
+            <a:r>
+              <a:rPr lang="de-DE" sz="4000" dirty="0" smtClean="0"/>
+              <a:t>Kaum Folien</a:t>
+            </a:r>
+          </a:p>
+          <a:p>
+            <a:pPr lvl="0"/>
+            <a:r>
+              <a:rPr lang="de-DE" sz="4000" dirty="0" smtClean="0"/>
+              <a:t>Viel Code</a:t>
+            </a:r>
+          </a:p>
+          <a:p>
+            <a:pPr lvl="0"/>
+            <a:r>
+              <a:rPr lang="de-DE" sz="4000" dirty="0" smtClean="0"/>
+              <a:t>Zwischenfragen sind ausdrücklich erwünscht</a:t>
+            </a:r>
           </a:p>
         </p:txBody>
       </p:sp>
@@ -4685,6 +4812,292 @@
 </file>
 
 <file path=ppt/slides/slide5.xml><?xml version="1.0" encoding="utf-8"?>
+<p:sld xmlns:a="http://schemas.openxmlformats.org/drawingml/2006/main" xmlns:r="http://schemas.openxmlformats.org/officeDocument/2006/relationships" xmlns:p="http://schemas.openxmlformats.org/presentationml/2006/main">
+  <p:cSld>
+    <p:spTree>
+      <p:nvGrpSpPr>
+        <p:cNvPr id="1" name=""/>
+        <p:cNvGrpSpPr/>
+        <p:nvPr/>
+      </p:nvGrpSpPr>
+      <p:grpSpPr>
+        <a:xfrm>
+          <a:off x="0" y="0"/>
+          <a:ext cx="0" cy="0"/>
+          <a:chOff x="0" y="0"/>
+          <a:chExt cx="0" cy="0"/>
+        </a:xfrm>
+      </p:grpSpPr>
+      <p:sp>
+        <p:nvSpPr>
+          <p:cNvPr id="2" name="Titel 1"/>
+          <p:cNvSpPr>
+            <a:spLocks noGrp="1"/>
+          </p:cNvSpPr>
+          <p:nvPr>
+            <p:ph type="title"/>
+          </p:nvPr>
+        </p:nvSpPr>
+        <p:spPr/>
+        <p:txBody>
+          <a:bodyPr>
+            <a:normAutofit/>
+          </a:bodyPr>
+          <a:lstStyle/>
+          <a:p>
+            <a:r>
+              <a:rPr lang="de-DE" sz="6600" dirty="0" smtClean="0"/>
+              <a:t>Allgemeines</a:t>
+            </a:r>
+            <a:endParaRPr lang="de-DE" sz="6600" dirty="0"/>
+          </a:p>
+        </p:txBody>
+      </p:sp>
+      <p:sp>
+        <p:nvSpPr>
+          <p:cNvPr id="3" name="Inhaltsplatzhalter 2"/>
+          <p:cNvSpPr>
+            <a:spLocks noGrp="1"/>
+          </p:cNvSpPr>
+          <p:nvPr>
+            <p:ph idx="1"/>
+          </p:nvPr>
+        </p:nvSpPr>
+        <p:spPr>
+          <a:xfrm>
+            <a:off x="215900" y="1775193"/>
+            <a:ext cx="8667750" cy="4625609"/>
+          </a:xfrm>
+        </p:spPr>
+        <p:txBody>
+          <a:bodyPr>
+            <a:noAutofit/>
+          </a:bodyPr>
+          <a:lstStyle/>
+          <a:p>
+            <a:pPr lvl="0"/>
+            <a:r>
+              <a:rPr lang="de-DE" sz="4400" dirty="0" smtClean="0"/>
+              <a:t>Keine F# Werbeveranstaltung</a:t>
+            </a:r>
+          </a:p>
+          <a:p>
+            <a:pPr lvl="1"/>
+            <a:r>
+              <a:rPr lang="de-DE" sz="4000" dirty="0" smtClean="0"/>
+              <a:t>Funktionale Konzepte und Denkmuster</a:t>
+            </a:r>
+          </a:p>
+          <a:p>
+            <a:pPr lvl="1"/>
+            <a:r>
+              <a:rPr lang="de-DE" sz="4000" dirty="0" smtClean="0"/>
+              <a:t>Anwendung oft in imperativen Sprachen möglich</a:t>
+            </a:r>
+          </a:p>
+        </p:txBody>
+      </p:sp>
+    </p:spTree>
+  </p:cSld>
+  <p:clrMapOvr>
+    <a:masterClrMapping/>
+  </p:clrMapOvr>
+  <p:timing>
+    <p:tnLst>
+      <p:par>
+        <p:cTn id="1" dur="indefinite" restart="never" nodeType="tmRoot"/>
+      </p:par>
+    </p:tnLst>
+  </p:timing>
+</p:sld>
+</file>
+
+<file path=ppt/slides/slide6.xml><?xml version="1.0" encoding="utf-8"?>
+<p:sld xmlns:a="http://schemas.openxmlformats.org/drawingml/2006/main" xmlns:r="http://schemas.openxmlformats.org/officeDocument/2006/relationships" xmlns:p="http://schemas.openxmlformats.org/presentationml/2006/main">
+  <p:cSld>
+    <p:spTree>
+      <p:nvGrpSpPr>
+        <p:cNvPr id="1" name=""/>
+        <p:cNvGrpSpPr/>
+        <p:nvPr/>
+      </p:nvGrpSpPr>
+      <p:grpSpPr>
+        <a:xfrm>
+          <a:off x="0" y="0"/>
+          <a:ext cx="0" cy="0"/>
+          <a:chOff x="0" y="0"/>
+          <a:chExt cx="0" cy="0"/>
+        </a:xfrm>
+      </p:grpSpPr>
+      <p:sp>
+        <p:nvSpPr>
+          <p:cNvPr id="3" name="Titel 2"/>
+          <p:cNvSpPr>
+            <a:spLocks noGrp="1"/>
+          </p:cNvSpPr>
+          <p:nvPr>
+            <p:ph type="title"/>
+          </p:nvPr>
+        </p:nvSpPr>
+        <p:spPr/>
+        <p:txBody>
+          <a:bodyPr/>
+          <a:lstStyle/>
+          <a:p>
+            <a:r>
+              <a:rPr lang="de-DE" dirty="0" err="1" smtClean="0"/>
+              <a:t>Functions</a:t>
+            </a:r>
+            <a:r>
+              <a:rPr lang="de-DE" dirty="0" smtClean="0"/>
+              <a:t> = ?</a:t>
+            </a:r>
+            <a:endParaRPr lang="de-DE" dirty="0"/>
+          </a:p>
+        </p:txBody>
+      </p:sp>
+      <p:sp>
+        <p:nvSpPr>
+          <p:cNvPr id="4" name="Inhaltsplatzhalter 3"/>
+          <p:cNvSpPr>
+            <a:spLocks noGrp="1"/>
+          </p:cNvSpPr>
+          <p:nvPr>
+            <p:ph idx="1"/>
+          </p:nvPr>
+        </p:nvSpPr>
+        <p:spPr>
+          <a:xfrm>
+            <a:off x="171450" y="1775193"/>
+            <a:ext cx="8801100" cy="4625609"/>
+          </a:xfrm>
+        </p:spPr>
+        <p:txBody>
+          <a:bodyPr>
+            <a:normAutofit/>
+          </a:bodyPr>
+          <a:lstStyle/>
+          <a:p>
+            <a:r>
+              <a:rPr lang="de-DE" sz="3600" dirty="0" smtClean="0"/>
+              <a:t>Eine Funktion </a:t>
+            </a:r>
+            <a:r>
+              <a:rPr lang="de-DE" sz="3600" i="1" dirty="0" smtClean="0"/>
+              <a:t>f</a:t>
+            </a:r>
+            <a:r>
+              <a:rPr lang="de-DE" sz="3600" dirty="0" smtClean="0"/>
+              <a:t> ordnet </a:t>
+            </a:r>
+            <a:br>
+              <a:rPr lang="de-DE" sz="3600" dirty="0" smtClean="0"/>
+            </a:br>
+            <a:r>
+              <a:rPr lang="de-DE" sz="3600" i="1" dirty="0" smtClean="0"/>
+              <a:t>jedem</a:t>
+            </a:r>
+            <a:r>
+              <a:rPr lang="de-DE" sz="3600" dirty="0" smtClean="0"/>
+              <a:t> </a:t>
+            </a:r>
+            <a:r>
+              <a:rPr lang="de-DE" sz="3600" u="sng" dirty="0" smtClean="0">
+                <a:hlinkClick r:id="rId3" tooltip="Element (Mathematik)"/>
+              </a:rPr>
+              <a:t>Element</a:t>
+            </a:r>
+            <a:r>
+              <a:rPr lang="de-DE" sz="3600" dirty="0" smtClean="0"/>
+              <a:t> </a:t>
+            </a:r>
+            <a:r>
+              <a:rPr lang="de-DE" sz="3600" i="1" dirty="0" smtClean="0"/>
+              <a:t>x</a:t>
+            </a:r>
+            <a:r>
+              <a:rPr lang="de-DE" sz="3600" dirty="0" smtClean="0"/>
+              <a:t> </a:t>
+            </a:r>
+            <a:r>
+              <a:rPr lang="de-DE" sz="3600" dirty="0" smtClean="0"/>
+              <a:t>einer </a:t>
+            </a:r>
+            <a:r>
+              <a:rPr lang="de-DE" sz="3600" u="sng" dirty="0" err="1" smtClean="0">
+                <a:hlinkClick r:id="rId4" tooltip="Definitionsmenge"/>
+              </a:rPr>
+              <a:t>Definitionsmenge</a:t>
+            </a:r>
+            <a:r>
+              <a:rPr lang="de-DE" sz="3600" dirty="0" smtClean="0"/>
+              <a:t> </a:t>
+            </a:r>
+            <a:r>
+              <a:rPr lang="de-DE" sz="3600" i="1" dirty="0" smtClean="0"/>
+              <a:t>D</a:t>
+            </a:r>
+            <a:r>
+              <a:rPr lang="de-DE" sz="3600" dirty="0" smtClean="0"/>
+              <a:t> </a:t>
+            </a:r>
+            <a:br>
+              <a:rPr lang="de-DE" sz="3600" dirty="0" smtClean="0"/>
+            </a:br>
+            <a:r>
+              <a:rPr lang="de-DE" sz="3600" i="1" dirty="0" smtClean="0"/>
+              <a:t>genau ein</a:t>
+            </a:r>
+            <a:r>
+              <a:rPr lang="de-DE" sz="3600" dirty="0" smtClean="0"/>
+              <a:t> Element </a:t>
+            </a:r>
+            <a:r>
+              <a:rPr lang="de-DE" sz="3600" i="1" dirty="0" smtClean="0"/>
+              <a:t>y</a:t>
+            </a:r>
+            <a:r>
+              <a:rPr lang="de-DE" sz="3600" dirty="0" smtClean="0"/>
+              <a:t> einer </a:t>
+            </a:r>
+            <a:r>
+              <a:rPr lang="de-DE" sz="3600" u="sng" dirty="0" smtClean="0">
+                <a:hlinkClick r:id="rId5" tooltip="Zielmenge"/>
+              </a:rPr>
+              <a:t>Zielmenge</a:t>
+            </a:r>
+            <a:r>
+              <a:rPr lang="de-DE" sz="3600" dirty="0" smtClean="0"/>
+              <a:t> </a:t>
+            </a:r>
+            <a:r>
+              <a:rPr lang="de-DE" sz="3600" i="1" dirty="0" smtClean="0"/>
+              <a:t>Z</a:t>
+            </a:r>
+            <a:r>
+              <a:rPr lang="de-DE" sz="3600" dirty="0" smtClean="0"/>
+              <a:t> zu.</a:t>
+            </a:r>
+            <a:endParaRPr lang="de-DE" sz="3600" dirty="0"/>
+          </a:p>
+        </p:txBody>
+      </p:sp>
+    </p:spTree>
+  </p:cSld>
+  <p:clrMapOvr>
+    <a:masterClrMapping/>
+  </p:clrMapOvr>
+  <p:timing>
+    <p:tnLst>
+      <p:par>
+        <p:cTn id="1" dur="indefinite" restart="never" nodeType="tmRoot"/>
+      </p:par>
+    </p:tnLst>
+  </p:timing>
+</p:sld>
+</file>
+
+<file path=ppt/slides/slide7.xml><?xml version="1.0" encoding="utf-8"?>
 <p:sld xmlns:a="http://schemas.openxmlformats.org/drawingml/2006/main" xmlns:r="http://schemas.openxmlformats.org/officeDocument/2006/relationships" xmlns:p="http://schemas.openxmlformats.org/presentationml/2006/main">
   <p:cSld>
     <p:spTree>
@@ -6059,7 +6472,7 @@
 </p:sld>
 </file>
 
-<file path=ppt/slides/slide6.xml><?xml version="1.0" encoding="utf-8"?>
+<file path=ppt/slides/slide8.xml><?xml version="1.0" encoding="utf-8"?>
 <p:sld xmlns:a="http://schemas.openxmlformats.org/drawingml/2006/main" xmlns:r="http://schemas.openxmlformats.org/officeDocument/2006/relationships" xmlns:p="http://schemas.openxmlformats.org/presentationml/2006/main">
   <p:cSld>
     <p:spTree>
@@ -24888,7 +25301,7 @@
 </p:sld>
 </file>
 
-<file path=ppt/slides/slide7.xml><?xml version="1.0" encoding="utf-8"?>
+<file path=ppt/slides/slide9.xml><?xml version="1.0" encoding="utf-8"?>
 <p:sld xmlns:a="http://schemas.openxmlformats.org/drawingml/2006/main" xmlns:r="http://schemas.openxmlformats.org/officeDocument/2006/relationships" xmlns:p="http://schemas.openxmlformats.org/presentationml/2006/main">
   <p:cSld>
     <p:spTree>

--- a/IntroductionToFSharp.pptx
+++ b/IntroductionToFSharp.pptx
@@ -4866,11 +4866,7 @@
             </a:r>
             <a:r>
               <a:rPr lang="de-DE" sz="6000" dirty="0" smtClean="0"/>
-              <a:t> = </a:t>
-            </a:r>
-            <a:r>
-              <a:rPr lang="de-DE" sz="6000" dirty="0" smtClean="0"/>
-              <a:t>Data</a:t>
+              <a:t> = Data</a:t>
             </a:r>
             <a:endParaRPr lang="de-DE" sz="6000" dirty="0"/>
           </a:p>
@@ -4989,10 +4985,6 @@
               </a:rPr>
               <a:t>&gt;</a:t>
             </a:r>
-            <a:endParaRPr lang="de-DE" sz="4000" dirty="0" smtClean="0">
-              <a:latin typeface="Courier New" pitchFamily="49" charset="0"/>
-              <a:cs typeface="Courier New" pitchFamily="49" charset="0"/>
-            </a:endParaRPr>
           </a:p>
           <a:p>
             <a:pPr lvl="2"/>
@@ -10358,7 +10350,7 @@
             </a:r>
             <a:r>
               <a:rPr lang="de-DE" dirty="0" smtClean="0"/>
-              <a:t>“</a:t>
+              <a:t>.“</a:t>
             </a:r>
             <a:endParaRPr lang="de-DE" dirty="0" smtClean="0"/>
           </a:p>
@@ -10461,63 +10453,63 @@
           <a:lstStyle/>
           <a:p>
             <a:r>
-              <a:rPr lang="de-DE" dirty="0" smtClean="0"/>
+              <a:rPr lang="de-DE" sz="4000" dirty="0" smtClean="0"/>
               <a:t>OOP vs. FP</a:t>
             </a:r>
           </a:p>
           <a:p>
             <a:pPr lvl="1"/>
             <a:r>
-              <a:rPr lang="de-DE" dirty="0" smtClean="0"/>
+              <a:rPr lang="de-DE" sz="3600" dirty="0" smtClean="0"/>
               <a:t>Open-</a:t>
             </a:r>
             <a:r>
-              <a:rPr lang="de-DE" dirty="0" err="1" smtClean="0"/>
+              <a:rPr lang="de-DE" sz="3600" dirty="0" err="1" smtClean="0"/>
               <a:t>Closed</a:t>
             </a:r>
             <a:r>
-              <a:rPr lang="de-DE" dirty="0" smtClean="0"/>
+              <a:rPr lang="de-DE" sz="3600" dirty="0" smtClean="0"/>
               <a:t>-</a:t>
             </a:r>
             <a:r>
-              <a:rPr lang="de-DE" dirty="0" err="1" smtClean="0"/>
+              <a:rPr lang="de-DE" sz="3600" dirty="0" err="1" smtClean="0"/>
               <a:t>Principle</a:t>
             </a:r>
-            <a:endParaRPr lang="de-DE" dirty="0" smtClean="0"/>
+            <a:endParaRPr lang="de-DE" sz="3600" dirty="0" smtClean="0"/>
           </a:p>
           <a:p>
             <a:r>
-              <a:rPr lang="de-DE" dirty="0" smtClean="0"/>
+              <a:rPr lang="de-DE" sz="4000" dirty="0" smtClean="0"/>
               <a:t>F# als Host-Language für DSLs</a:t>
             </a:r>
           </a:p>
           <a:p>
             <a:pPr lvl="1"/>
             <a:r>
-              <a:rPr lang="de-DE" dirty="0" smtClean="0"/>
+              <a:rPr lang="de-DE" sz="3600" dirty="0" smtClean="0"/>
               <a:t>FAKE – F# </a:t>
             </a:r>
             <a:r>
-              <a:rPr lang="de-DE" dirty="0" err="1" smtClean="0"/>
+              <a:rPr lang="de-DE" sz="3600" dirty="0" err="1" smtClean="0"/>
               <a:t>Make</a:t>
             </a:r>
-            <a:endParaRPr lang="de-DE" dirty="0" smtClean="0"/>
+            <a:endParaRPr lang="de-DE" sz="3600" dirty="0" smtClean="0"/>
           </a:p>
           <a:p>
             <a:r>
-              <a:rPr lang="de-DE" dirty="0" err="1" smtClean="0"/>
+              <a:rPr lang="de-DE" sz="4000" dirty="0" err="1" smtClean="0"/>
               <a:t>Async</a:t>
             </a:r>
             <a:r>
-              <a:rPr lang="de-DE" dirty="0" smtClean="0"/>
+              <a:rPr lang="de-DE" sz="4000" dirty="0" smtClean="0"/>
               <a:t> </a:t>
             </a:r>
             <a:r>
-              <a:rPr lang="de-DE" dirty="0" err="1" smtClean="0"/>
+              <a:rPr lang="de-DE" sz="4000" dirty="0" err="1" smtClean="0"/>
               <a:t>workflows</a:t>
             </a:r>
             <a:r>
-              <a:rPr lang="de-DE" dirty="0" smtClean="0"/>
+              <a:rPr lang="de-DE" sz="4000" dirty="0" smtClean="0"/>
               <a:t> und Observables</a:t>
             </a:r>
           </a:p>
@@ -10819,62 +10811,58 @@
               <a:rPr lang="de-DE" sz="3600" dirty="0" smtClean="0"/>
             </a:br>
             <a:r>
-              <a:rPr lang="de-DE" sz="3600" i="1" dirty="0" smtClean="0"/>
+              <a:rPr lang="de-DE" sz="3600" i="1" u="sng" dirty="0" smtClean="0"/>
               <a:t>jedem</a:t>
+            </a:r>
+            <a:r>
+              <a:rPr lang="de-DE" sz="3600" u="sng" dirty="0" smtClean="0"/>
+              <a:t> Element </a:t>
+            </a:r>
+            <a:r>
+              <a:rPr lang="de-DE" sz="3600" i="1" u="sng" dirty="0" smtClean="0"/>
+              <a:t>x</a:t>
+            </a:r>
+            <a:r>
+              <a:rPr lang="de-DE" sz="3600" u="sng" dirty="0" smtClean="0"/>
+              <a:t> </a:t>
+            </a:r>
+            <a:r>
+              <a:rPr lang="de-DE" sz="3600" dirty="0" smtClean="0"/>
+              <a:t>einer </a:t>
+            </a:r>
+            <a:r>
+              <a:rPr lang="de-DE" sz="3600" dirty="0" err="1" smtClean="0"/>
+              <a:t>Definitionsmenge</a:t>
             </a:r>
             <a:r>
               <a:rPr lang="de-DE" sz="3600" dirty="0" smtClean="0"/>
               <a:t> </a:t>
             </a:r>
             <a:r>
-              <a:rPr lang="de-DE" sz="3600" u="sng" dirty="0" smtClean="0">
-                <a:hlinkClick r:id="rId3" tooltip="Element (Mathematik)"/>
-              </a:rPr>
-              <a:t>Element</a:t>
+              <a:rPr lang="de-DE" sz="3600" i="1" dirty="0" smtClean="0"/>
+              <a:t>D</a:t>
             </a:r>
             <a:r>
               <a:rPr lang="de-DE" sz="3600" dirty="0" smtClean="0"/>
               <a:t> </a:t>
             </a:r>
             <a:r>
-              <a:rPr lang="de-DE" sz="3600" i="1" dirty="0" smtClean="0"/>
-              <a:t>x</a:t>
-            </a:r>
-            <a:r>
               <a:rPr lang="de-DE" sz="3600" dirty="0" smtClean="0"/>
-              <a:t> einer </a:t>
-            </a:r>
-            <a:r>
-              <a:rPr lang="de-DE" sz="3600" u="sng" dirty="0" err="1" smtClean="0">
-                <a:hlinkClick r:id="rId4" tooltip="Definitionsmenge"/>
-              </a:rPr>
-              <a:t>Definitionsmenge</a:t>
-            </a:r>
-            <a:r>
-              <a:rPr lang="de-DE" sz="3600" dirty="0" smtClean="0"/>
-              <a:t> </a:t>
-            </a:r>
-            <a:r>
-              <a:rPr lang="de-DE" sz="3600" i="1" dirty="0" smtClean="0"/>
-              <a:t>D</a:t>
-            </a:r>
-            <a:r>
-              <a:rPr lang="de-DE" sz="3600" dirty="0" smtClean="0"/>
-              <a:t> </a:t>
+              <a:t/>
             </a:r>
             <a:br>
               <a:rPr lang="de-DE" sz="3600" dirty="0" smtClean="0"/>
             </a:br>
             <a:r>
-              <a:rPr lang="de-DE" sz="3600" i="1" dirty="0" smtClean="0"/>
+              <a:rPr lang="de-DE" sz="3600" i="1" u="sng" dirty="0" smtClean="0"/>
               <a:t>genau ein</a:t>
             </a:r>
             <a:r>
-              <a:rPr lang="de-DE" sz="3600" dirty="0" smtClean="0"/>
+              <a:rPr lang="de-DE" sz="3600" u="sng" dirty="0" smtClean="0"/>
               <a:t> Element </a:t>
             </a:r>
             <a:r>
-              <a:rPr lang="de-DE" sz="3600" i="1" dirty="0" smtClean="0"/>
+              <a:rPr lang="de-DE" sz="3600" i="1" u="sng" dirty="0" smtClean="0"/>
               <a:t>y</a:t>
             </a:r>
             <a:r>
@@ -10882,14 +10870,8 @@
               <a:t> einer </a:t>
             </a:r>
             <a:r>
-              <a:rPr lang="de-DE" sz="3600" u="sng" dirty="0" smtClean="0">
-                <a:hlinkClick r:id="rId5" tooltip="Zielmenge"/>
-              </a:rPr>
-              <a:t>Zielmenge</a:t>
-            </a:r>
-            <a:r>
               <a:rPr lang="de-DE" sz="3600" dirty="0" smtClean="0"/>
-              <a:t> </a:t>
+              <a:t>Zielmenge </a:t>
             </a:r>
             <a:r>
               <a:rPr lang="de-DE" sz="3600" i="1" dirty="0" smtClean="0"/>
@@ -31044,11 +31026,7 @@
             </a:r>
             <a:r>
               <a:rPr lang="de-DE" sz="6000" dirty="0" smtClean="0"/>
-              <a:t> = </a:t>
-            </a:r>
-            <a:r>
-              <a:rPr lang="de-DE" sz="6000" dirty="0" smtClean="0"/>
-              <a:t>Data</a:t>
+              <a:t> = Data</a:t>
             </a:r>
             <a:endParaRPr lang="de-DE" sz="6000" dirty="0"/>
           </a:p>

--- a/IntroductionToFSharp.pptx
+++ b/IntroductionToFSharp.pptx
@@ -5,10 +5,10 @@
     <p:sldMasterId id="2147483660" r:id="rId1"/>
   </p:sldMasterIdLst>
   <p:notesMasterIdLst>
-    <p:notesMasterId r:id="rId13"/>
+    <p:notesMasterId r:id="rId14"/>
   </p:notesMasterIdLst>
   <p:handoutMasterIdLst>
-    <p:handoutMasterId r:id="rId14"/>
+    <p:handoutMasterId r:id="rId15"/>
   </p:handoutMasterIdLst>
   <p:sldIdLst>
     <p:sldId id="256" r:id="rId2"/>
@@ -19,9 +19,10 @@
     <p:sldId id="326" r:id="rId7"/>
     <p:sldId id="322" r:id="rId8"/>
     <p:sldId id="325" r:id="rId9"/>
-    <p:sldId id="331" r:id="rId10"/>
+    <p:sldId id="332" r:id="rId10"/>
     <p:sldId id="330" r:id="rId11"/>
-    <p:sldId id="320" r:id="rId12"/>
+    <p:sldId id="333" r:id="rId12"/>
+    <p:sldId id="320" r:id="rId13"/>
   </p:sldIdLst>
   <p:sldSz cx="9144000" cy="6858000" type="screen4x3"/>
   <p:notesSz cx="6858000" cy="9144000"/>
@@ -206,7 +207,7 @@
             <a:fld id="{4180EC96-23B5-4301-8B91-BF70EABF146D}" type="datetimeFigureOut">
               <a:rPr lang="en-US" smtClean="0"/>
               <a:pPr/>
-              <a:t>1/21/2010</a:t>
+              <a:t>3/10/2010</a:t>
             </a:fld>
             <a:endParaRPr lang="en-US" dirty="0"/>
           </a:p>
@@ -368,7 +369,7 @@
             <a:fld id="{7A94D76D-ACEA-4E66-9040-0707EFD59D28}" type="datetimeFigureOut">
               <a:rPr lang="en-US" smtClean="0"/>
               <a:pPr/>
-              <a:t>1/21/2010</a:t>
+              <a:t>3/10/2010</a:t>
             </a:fld>
             <a:endParaRPr lang="en-US"/>
           </a:p>
@@ -799,6 +800,88 @@
 </file>
 
 <file path=ppt/notesSlides/notesSlide11.xml><?xml version="1.0" encoding="utf-8"?>
+<p:notes xmlns:a="http://schemas.openxmlformats.org/drawingml/2006/main" xmlns:r="http://schemas.openxmlformats.org/officeDocument/2006/relationships" xmlns:p="http://schemas.openxmlformats.org/presentationml/2006/main">
+  <p:cSld>
+    <p:spTree>
+      <p:nvGrpSpPr>
+        <p:cNvPr id="1" name=""/>
+        <p:cNvGrpSpPr/>
+        <p:nvPr/>
+      </p:nvGrpSpPr>
+      <p:grpSpPr>
+        <a:xfrm>
+          <a:off x="0" y="0"/>
+          <a:ext cx="0" cy="0"/>
+          <a:chOff x="0" y="0"/>
+          <a:chExt cx="0" cy="0"/>
+        </a:xfrm>
+      </p:grpSpPr>
+      <p:sp>
+        <p:nvSpPr>
+          <p:cNvPr id="2" name="Folienbildplatzhalter 1"/>
+          <p:cNvSpPr>
+            <a:spLocks noGrp="1" noRot="1" noChangeAspect="1"/>
+          </p:cNvSpPr>
+          <p:nvPr>
+            <p:ph type="sldImg"/>
+          </p:nvPr>
+        </p:nvSpPr>
+        <p:spPr/>
+      </p:sp>
+      <p:sp>
+        <p:nvSpPr>
+          <p:cNvPr id="3" name="Notizenplatzhalter 2"/>
+          <p:cNvSpPr>
+            <a:spLocks noGrp="1"/>
+          </p:cNvSpPr>
+          <p:nvPr>
+            <p:ph type="body" idx="1"/>
+          </p:nvPr>
+        </p:nvSpPr>
+        <p:spPr/>
+        <p:txBody>
+          <a:bodyPr>
+            <a:normAutofit/>
+          </a:bodyPr>
+          <a:lstStyle/>
+          <a:p>
+            <a:endParaRPr lang="de-DE"/>
+          </a:p>
+        </p:txBody>
+      </p:sp>
+      <p:sp>
+        <p:nvSpPr>
+          <p:cNvPr id="4" name="Foliennummernplatzhalter 3"/>
+          <p:cNvSpPr>
+            <a:spLocks noGrp="1"/>
+          </p:cNvSpPr>
+          <p:nvPr>
+            <p:ph type="sldNum" sz="quarter" idx="10"/>
+          </p:nvPr>
+        </p:nvSpPr>
+        <p:spPr/>
+        <p:txBody>
+          <a:bodyPr/>
+          <a:lstStyle/>
+          <a:p>
+            <a:fld id="{FE5C90B4-74E4-420E-9E3F-548EA925D0FC}" type="slidenum">
+              <a:rPr lang="en-US" smtClean="0"/>
+              <a:pPr/>
+              <a:t>11</a:t>
+            </a:fld>
+            <a:endParaRPr lang="en-US"/>
+          </a:p>
+        </p:txBody>
+      </p:sp>
+    </p:spTree>
+  </p:cSld>
+  <p:clrMapOvr>
+    <a:masterClrMapping/>
+  </p:clrMapOvr>
+</p:notes>
+</file>
+
+<file path=ppt/notesSlides/notesSlide12.xml><?xml version="1.0" encoding="utf-8"?>
 <p:notes xmlns:a="http://schemas.openxmlformats.org/drawingml/2006/main" xmlns:r="http://schemas.openxmlformats.org/officeDocument/2006/relationships" xmlns:p="http://schemas.openxmlformats.org/presentationml/2006/main">
   <p:cSld>
     <p:spTree>
@@ -3671,7 +3754,7 @@
             <a:fld id="{75429ADD-C5BF-4814-8EAF-17BB58E1B0D2}" type="datetimeFigureOut">
               <a:rPr lang="en-US" smtClean="0"/>
               <a:pPr/>
-              <a:t>1/21/2010</a:t>
+              <a:t>3/10/2010</a:t>
             </a:fld>
             <a:endParaRPr lang="en-US" dirty="0"/>
           </a:p>
@@ -5323,6 +5406,104 @@
       </p:grpSpPr>
       <p:sp>
         <p:nvSpPr>
+          <p:cNvPr id="3" name="Titel 2"/>
+          <p:cNvSpPr>
+            <a:spLocks noGrp="1"/>
+          </p:cNvSpPr>
+          <p:nvPr>
+            <p:ph type="title"/>
+          </p:nvPr>
+        </p:nvSpPr>
+        <p:spPr/>
+        <p:txBody>
+          <a:bodyPr>
+            <a:normAutofit/>
+          </a:bodyPr>
+          <a:lstStyle/>
+          <a:p>
+            <a:r>
+              <a:rPr lang="de-DE" sz="6000" dirty="0" smtClean="0"/>
+              <a:t>Demo</a:t>
+            </a:r>
+            <a:endParaRPr lang="de-DE" sz="6000" dirty="0"/>
+          </a:p>
+        </p:txBody>
+      </p:sp>
+      <p:sp>
+        <p:nvSpPr>
+          <p:cNvPr id="4" name="Inhaltsplatzhalter 3"/>
+          <p:cNvSpPr>
+            <a:spLocks noGrp="1"/>
+          </p:cNvSpPr>
+          <p:nvPr>
+            <p:ph idx="1"/>
+          </p:nvPr>
+        </p:nvSpPr>
+        <p:spPr>
+          <a:xfrm>
+            <a:off x="171450" y="1775193"/>
+            <a:ext cx="8801100" cy="4625609"/>
+          </a:xfrm>
+        </p:spPr>
+        <p:txBody>
+          <a:bodyPr>
+            <a:normAutofit/>
+          </a:bodyPr>
+          <a:lstStyle/>
+          <a:p>
+            <a:r>
+              <a:rPr lang="de-DE" sz="5400" dirty="0" smtClean="0"/>
+              <a:t>Bilde die „Summe der Quadrate“ aus einer List von</a:t>
+            </a:r>
+            <a:r>
+              <a:rPr lang="de-DE" sz="5400" dirty="0" smtClean="0"/>
+              <a:t> </a:t>
+            </a:r>
+            <a:r>
+              <a:rPr lang="de-DE" sz="5400" smtClean="0"/>
+              <a:t>Integern</a:t>
+            </a:r>
+            <a:endParaRPr lang="de-DE" sz="4000" dirty="0">
+              <a:latin typeface="Courier New" pitchFamily="49" charset="0"/>
+              <a:cs typeface="Courier New" pitchFamily="49" charset="0"/>
+            </a:endParaRPr>
+          </a:p>
+        </p:txBody>
+      </p:sp>
+    </p:spTree>
+  </p:cSld>
+  <p:clrMapOvr>
+    <a:masterClrMapping/>
+  </p:clrMapOvr>
+  <p:timing>
+    <p:tnLst>
+      <p:par>
+        <p:cTn id="1" dur="indefinite" restart="never" nodeType="tmRoot"/>
+      </p:par>
+    </p:tnLst>
+  </p:timing>
+</p:sld>
+</file>
+
+<file path=ppt/slides/slide12.xml><?xml version="1.0" encoding="utf-8"?>
+<p:sld xmlns:a="http://schemas.openxmlformats.org/drawingml/2006/main" xmlns:r="http://schemas.openxmlformats.org/officeDocument/2006/relationships" xmlns:p="http://schemas.openxmlformats.org/presentationml/2006/main">
+  <p:cSld>
+    <p:spTree>
+      <p:nvGrpSpPr>
+        <p:cNvPr id="1" name=""/>
+        <p:cNvGrpSpPr/>
+        <p:nvPr/>
+      </p:nvGrpSpPr>
+      <p:grpSpPr>
+        <a:xfrm>
+          <a:off x="0" y="0"/>
+          <a:ext cx="0" cy="0"/>
+          <a:chOff x="0" y="0"/>
+          <a:chExt cx="0" cy="0"/>
+        </a:xfrm>
+      </p:grpSpPr>
+      <p:sp>
+        <p:nvSpPr>
           <p:cNvPr id="1231874" name="Rectangle 2"/>
           <p:cNvSpPr>
             <a:spLocks noGrp="1" noChangeArrowheads="1"/>
@@ -10352,7 +10533,6 @@
               <a:rPr lang="de-DE" dirty="0" smtClean="0"/>
               <a:t>.“</a:t>
             </a:r>
-            <a:endParaRPr lang="de-DE" dirty="0" smtClean="0"/>
           </a:p>
           <a:p>
             <a:pPr lvl="1"/>
@@ -10846,10 +11026,6 @@
               <a:rPr lang="de-DE" sz="3600" dirty="0" smtClean="0"/>
               <a:t> </a:t>
             </a:r>
-            <a:r>
-              <a:rPr lang="de-DE" sz="3600" dirty="0" smtClean="0"/>
-              <a:t/>
-            </a:r>
             <a:br>
               <a:rPr lang="de-DE" sz="3600" dirty="0" smtClean="0"/>
             </a:br>
@@ -10867,11 +11043,7 @@
             </a:r>
             <a:r>
               <a:rPr lang="de-DE" sz="3600" dirty="0" smtClean="0"/>
-              <a:t> einer </a:t>
-            </a:r>
-            <a:r>
-              <a:rPr lang="de-DE" sz="3600" dirty="0" smtClean="0"/>
-              <a:t>Zielmenge </a:t>
+              <a:t> einer Zielmenge </a:t>
             </a:r>
             <a:r>
               <a:rPr lang="de-DE" sz="3600" i="1" dirty="0" smtClean="0"/>
@@ -11310,279 +11482,6 @@
           </a:p>
         </p:txBody>
       </p:sp>
-      <p:cxnSp>
-        <p:nvCxnSpPr>
-          <p:cNvPr id="22" name="Gerade Verbindung mit Pfeil 21"/>
-          <p:cNvCxnSpPr/>
-          <p:nvPr/>
-        </p:nvCxnSpPr>
-        <p:spPr>
-          <a:xfrm flipV="1">
-            <a:off x="1905000" y="2209800"/>
-            <a:ext cx="2133600" cy="914400"/>
-          </a:xfrm>
-          <a:prstGeom prst="straightConnector1">
-            <a:avLst/>
-          </a:prstGeom>
-          <a:ln w="38100">
-            <a:solidFill>
-              <a:schemeClr val="tx1"/>
-            </a:solidFill>
-            <a:tailEnd type="arrow"/>
-          </a:ln>
-        </p:spPr>
-        <p:style>
-          <a:lnRef idx="1">
-            <a:schemeClr val="accent1"/>
-          </a:lnRef>
-          <a:fillRef idx="0">
-            <a:schemeClr val="accent1"/>
-          </a:fillRef>
-          <a:effectRef idx="0">
-            <a:schemeClr val="accent1"/>
-          </a:effectRef>
-          <a:fontRef idx="minor">
-            <a:schemeClr val="tx1"/>
-          </a:fontRef>
-        </p:style>
-      </p:cxnSp>
-      <p:cxnSp>
-        <p:nvCxnSpPr>
-          <p:cNvPr id="26" name="Gerade Verbindung mit Pfeil 25"/>
-          <p:cNvCxnSpPr/>
-          <p:nvPr/>
-        </p:nvCxnSpPr>
-        <p:spPr>
-          <a:xfrm>
-            <a:off x="4025900" y="2228850"/>
-            <a:ext cx="3124200" cy="1219200"/>
-          </a:xfrm>
-          <a:prstGeom prst="straightConnector1">
-            <a:avLst/>
-          </a:prstGeom>
-          <a:ln w="38100">
-            <a:solidFill>
-              <a:schemeClr val="tx1"/>
-            </a:solidFill>
-            <a:tailEnd type="arrow"/>
-          </a:ln>
-        </p:spPr>
-        <p:style>
-          <a:lnRef idx="1">
-            <a:schemeClr val="accent1"/>
-          </a:lnRef>
-          <a:fillRef idx="0">
-            <a:schemeClr val="accent1"/>
-          </a:fillRef>
-          <a:effectRef idx="0">
-            <a:schemeClr val="accent1"/>
-          </a:effectRef>
-          <a:fontRef idx="minor">
-            <a:schemeClr val="tx1"/>
-          </a:fontRef>
-        </p:style>
-      </p:cxnSp>
-      <p:sp>
-        <p:nvSpPr>
-          <p:cNvPr id="37" name="Rechteck 36"/>
-          <p:cNvSpPr/>
-          <p:nvPr/>
-        </p:nvSpPr>
-        <p:spPr>
-          <a:xfrm>
-            <a:off x="2127250" y="1606550"/>
-            <a:ext cx="4356100" cy="646331"/>
-          </a:xfrm>
-          <a:prstGeom prst="rect">
-            <a:avLst/>
-          </a:prstGeom>
-        </p:spPr>
-        <p:txBody>
-          <a:bodyPr wrap="square">
-            <a:spAutoFit/>
-          </a:bodyPr>
-          <a:lstStyle/>
-          <a:p>
-            <a:pPr lvl="0" algn="ctr"/>
-            <a:r>
-              <a:rPr lang="de-DE" sz="3600" b="1" dirty="0" smtClean="0">
-                <a:ln w="1905"/>
-                <a:gradFill>
-                  <a:gsLst>
-                    <a:gs pos="0">
-                      <a:srgbClr val="C64847">
-                        <a:shade val="20000"/>
-                        <a:satMod val="200000"/>
-                      </a:srgbClr>
-                    </a:gs>
-                    <a:gs pos="78000">
-                      <a:srgbClr val="C64847">
-                        <a:tint val="90000"/>
-                        <a:shade val="89000"/>
-                        <a:satMod val="220000"/>
-                      </a:srgbClr>
-                    </a:gs>
-                    <a:gs pos="100000">
-                      <a:srgbClr val="C64847">
-                        <a:tint val="12000"/>
-                        <a:satMod val="255000"/>
-                      </a:srgbClr>
-                    </a:gs>
-                  </a:gsLst>
-                  <a:lin ang="5400000"/>
-                </a:gradFill>
-                <a:effectLst>
-                  <a:innerShdw blurRad="69850" dist="43180" dir="5400000">
-                    <a:srgbClr val="000000">
-                      <a:alpha val="65000"/>
-                    </a:srgbClr>
-                  </a:innerShdw>
-                </a:effectLst>
-              </a:rPr>
-              <a:t>Side-</a:t>
-            </a:r>
-            <a:r>
-              <a:rPr lang="de-DE" sz="3600" b="1" dirty="0" err="1" smtClean="0">
-                <a:ln w="1905"/>
-                <a:gradFill>
-                  <a:gsLst>
-                    <a:gs pos="0">
-                      <a:srgbClr val="C64847">
-                        <a:shade val="20000"/>
-                        <a:satMod val="200000"/>
-                      </a:srgbClr>
-                    </a:gs>
-                    <a:gs pos="78000">
-                      <a:srgbClr val="C64847">
-                        <a:tint val="90000"/>
-                        <a:shade val="89000"/>
-                        <a:satMod val="220000"/>
-                      </a:srgbClr>
-                    </a:gs>
-                    <a:gs pos="100000">
-                      <a:srgbClr val="C64847">
-                        <a:tint val="12000"/>
-                        <a:satMod val="255000"/>
-                      </a:srgbClr>
-                    </a:gs>
-                  </a:gsLst>
-                  <a:lin ang="5400000"/>
-                </a:gradFill>
-                <a:effectLst>
-                  <a:innerShdw blurRad="69850" dist="43180" dir="5400000">
-                    <a:srgbClr val="000000">
-                      <a:alpha val="65000"/>
-                    </a:srgbClr>
-                  </a:innerShdw>
-                </a:effectLst>
-              </a:rPr>
-              <a:t>effect</a:t>
-            </a:r>
-            <a:r>
-              <a:rPr lang="de-DE" sz="3600" b="1" dirty="0" smtClean="0">
-                <a:ln w="1905"/>
-                <a:gradFill>
-                  <a:gsLst>
-                    <a:gs pos="0">
-                      <a:srgbClr val="C64847">
-                        <a:shade val="20000"/>
-                        <a:satMod val="200000"/>
-                      </a:srgbClr>
-                    </a:gs>
-                    <a:gs pos="78000">
-                      <a:srgbClr val="C64847">
-                        <a:tint val="90000"/>
-                        <a:shade val="89000"/>
-                        <a:satMod val="220000"/>
-                      </a:srgbClr>
-                    </a:gs>
-                    <a:gs pos="100000">
-                      <a:srgbClr val="C64847">
-                        <a:tint val="12000"/>
-                        <a:satMod val="255000"/>
-                      </a:srgbClr>
-                    </a:gs>
-                  </a:gsLst>
-                  <a:lin ang="5400000"/>
-                </a:gradFill>
-                <a:effectLst>
-                  <a:innerShdw blurRad="69850" dist="43180" dir="5400000">
-                    <a:srgbClr val="000000">
-                      <a:alpha val="65000"/>
-                    </a:srgbClr>
-                  </a:innerShdw>
-                </a:effectLst>
-              </a:rPr>
-              <a:t> !</a:t>
-            </a:r>
-            <a:endParaRPr lang="de-DE" sz="5400" b="1" dirty="0">
-              <a:ln w="1905"/>
-              <a:gradFill>
-                <a:gsLst>
-                  <a:gs pos="0">
-                    <a:srgbClr val="C64847">
-                      <a:shade val="20000"/>
-                      <a:satMod val="200000"/>
-                    </a:srgbClr>
-                  </a:gs>
-                  <a:gs pos="78000">
-                    <a:srgbClr val="C64847">
-                      <a:tint val="90000"/>
-                      <a:shade val="89000"/>
-                      <a:satMod val="220000"/>
-                    </a:srgbClr>
-                  </a:gs>
-                  <a:gs pos="100000">
-                    <a:srgbClr val="C64847">
-                      <a:tint val="12000"/>
-                      <a:satMod val="255000"/>
-                    </a:srgbClr>
-                  </a:gs>
-                </a:gsLst>
-                <a:lin ang="5400000"/>
-              </a:gradFill>
-              <a:effectLst>
-                <a:innerShdw blurRad="69850" dist="43180" dir="5400000">
-                  <a:srgbClr val="000000">
-                    <a:alpha val="65000"/>
-                  </a:srgbClr>
-                </a:innerShdw>
-              </a:effectLst>
-            </a:endParaRPr>
-          </a:p>
-        </p:txBody>
-      </p:sp>
-      <p:pic>
-        <p:nvPicPr>
-          <p:cNvPr id="1026" name="Picture 2" descr="D:\FSharpTalk\pics\Apollo_8_Liftoff.jpg"/>
-          <p:cNvPicPr>
-            <a:picLocks noChangeAspect="1" noChangeArrowheads="1"/>
-          </p:cNvPicPr>
-          <p:nvPr/>
-        </p:nvPicPr>
-        <p:blipFill>
-          <a:blip r:embed="rId3" cstate="print"/>
-          <a:srcRect/>
-          <a:stretch>
-            <a:fillRect/>
-          </a:stretch>
-        </p:blipFill>
-        <p:spPr bwMode="auto">
-          <a:xfrm>
-            <a:off x="5638800" y="1162050"/>
-            <a:ext cx="666750" cy="1719779"/>
-          </a:xfrm>
-          <a:prstGeom prst="rect">
-            <a:avLst/>
-          </a:prstGeom>
-          <a:noFill/>
-          <a:ln w="3175">
-            <a:solidFill>
-              <a:schemeClr val="tx1"/>
-            </a:solidFill>
-          </a:ln>
-        </p:spPr>
-      </p:pic>
     </p:spTree>
   </p:cSld>
   <p:clrMapOvr>
@@ -11966,164 +11865,6 @@
                       </p:childTnLst>
                     </p:cTn>
                   </p:par>
-                  <p:par>
-                    <p:cTn id="37" fill="hold">
-                      <p:stCondLst>
-                        <p:cond delay="indefinite"/>
-                      </p:stCondLst>
-                      <p:childTnLst>
-                        <p:par>
-                          <p:cTn id="38" fill="hold">
-                            <p:stCondLst>
-                              <p:cond delay="0"/>
-                            </p:stCondLst>
-                            <p:childTnLst>
-                              <p:par>
-                                <p:cTn id="39" presetID="3" presetClass="entr" presetSubtype="10" fill="hold" nodeType="clickEffect">
-                                  <p:stCondLst>
-                                    <p:cond delay="0"/>
-                                  </p:stCondLst>
-                                  <p:childTnLst>
-                                    <p:set>
-                                      <p:cBhvr>
-                                        <p:cTn id="40" dur="1" fill="hold">
-                                          <p:stCondLst>
-                                            <p:cond delay="0"/>
-                                          </p:stCondLst>
-                                        </p:cTn>
-                                        <p:tgtEl>
-                                          <p:spTgt spid="22"/>
-                                        </p:tgtEl>
-                                        <p:attrNameLst>
-                                          <p:attrName>style.visibility</p:attrName>
-                                        </p:attrNameLst>
-                                      </p:cBhvr>
-                                      <p:to>
-                                        <p:strVal val="visible"/>
-                                      </p:to>
-                                    </p:set>
-                                    <p:animEffect transition="in" filter="blinds(horizontal)">
-                                      <p:cBhvr>
-                                        <p:cTn id="41" dur="500"/>
-                                        <p:tgtEl>
-                                          <p:spTgt spid="22"/>
-                                        </p:tgtEl>
-                                      </p:cBhvr>
-                                    </p:animEffect>
-                                  </p:childTnLst>
-                                </p:cTn>
-                              </p:par>
-                              <p:par>
-                                <p:cTn id="42" presetID="3" presetClass="entr" presetSubtype="10" fill="hold" nodeType="withEffect">
-                                  <p:stCondLst>
-                                    <p:cond delay="0"/>
-                                  </p:stCondLst>
-                                  <p:childTnLst>
-                                    <p:set>
-                                      <p:cBhvr>
-                                        <p:cTn id="43" dur="1" fill="hold">
-                                          <p:stCondLst>
-                                            <p:cond delay="0"/>
-                                          </p:stCondLst>
-                                        </p:cTn>
-                                        <p:tgtEl>
-                                          <p:spTgt spid="26"/>
-                                        </p:tgtEl>
-                                        <p:attrNameLst>
-                                          <p:attrName>style.visibility</p:attrName>
-                                        </p:attrNameLst>
-                                      </p:cBhvr>
-                                      <p:to>
-                                        <p:strVal val="visible"/>
-                                      </p:to>
-                                    </p:set>
-                                    <p:animEffect transition="in" filter="blinds(horizontal)">
-                                      <p:cBhvr>
-                                        <p:cTn id="44" dur="500"/>
-                                        <p:tgtEl>
-                                          <p:spTgt spid="26"/>
-                                        </p:tgtEl>
-                                      </p:cBhvr>
-                                    </p:animEffect>
-                                  </p:childTnLst>
-                                </p:cTn>
-                              </p:par>
-                              <p:par>
-                                <p:cTn id="45" presetID="3" presetClass="entr" presetSubtype="10" fill="hold" grpId="0" nodeType="withEffect">
-                                  <p:stCondLst>
-                                    <p:cond delay="0"/>
-                                  </p:stCondLst>
-                                  <p:childTnLst>
-                                    <p:set>
-                                      <p:cBhvr>
-                                        <p:cTn id="46" dur="1" fill="hold">
-                                          <p:stCondLst>
-                                            <p:cond delay="0"/>
-                                          </p:stCondLst>
-                                        </p:cTn>
-                                        <p:tgtEl>
-                                          <p:spTgt spid="37"/>
-                                        </p:tgtEl>
-                                        <p:attrNameLst>
-                                          <p:attrName>style.visibility</p:attrName>
-                                        </p:attrNameLst>
-                                      </p:cBhvr>
-                                      <p:to>
-                                        <p:strVal val="visible"/>
-                                      </p:to>
-                                    </p:set>
-                                    <p:animEffect transition="in" filter="blinds(horizontal)">
-                                      <p:cBhvr>
-                                        <p:cTn id="47" dur="500"/>
-                                        <p:tgtEl>
-                                          <p:spTgt spid="37"/>
-                                        </p:tgtEl>
-                                      </p:cBhvr>
-                                    </p:animEffect>
-                                  </p:childTnLst>
-                                </p:cTn>
-                              </p:par>
-                              <p:par>
-                                <p:cTn id="48" presetID="3" presetClass="entr" presetSubtype="10" fill="hold" nodeType="withEffect">
-                                  <p:stCondLst>
-                                    <p:cond delay="0"/>
-                                  </p:stCondLst>
-                                  <p:childTnLst>
-                                    <p:set>
-                                      <p:cBhvr>
-                                        <p:cTn id="49" dur="1" fill="hold">
-                                          <p:stCondLst>
-                                            <p:cond delay="0"/>
-                                          </p:stCondLst>
-                                        </p:cTn>
-                                        <p:tgtEl>
-                                          <p:spTgt spid="1026"/>
-                                        </p:tgtEl>
-                                        <p:attrNameLst>
-                                          <p:attrName>style.visibility</p:attrName>
-                                        </p:attrNameLst>
-                                      </p:cBhvr>
-                                      <p:to>
-                                        <p:strVal val="visible"/>
-                                      </p:to>
-                                    </p:set>
-                                    <p:animEffect transition="in" filter="blinds(horizontal)">
-                                      <p:cBhvr>
-                                        <p:cTn id="50" dur="500"/>
-                                        <p:tgtEl>
-                                          <p:spTgt spid="1026"/>
-                                        </p:tgtEl>
-                                      </p:cBhvr>
-                                    </p:animEffect>
-                                  </p:childTnLst>
-                                </p:cTn>
-                              </p:par>
-                            </p:childTnLst>
-                          </p:cTn>
-                        </p:par>
-                      </p:childTnLst>
-                    </p:cTn>
-                  </p:par>
                 </p:childTnLst>
               </p:cTn>
               <p:prevCondLst>
@@ -12151,7 +11892,6 @@
       <p:bldP spid="8" grpId="0"/>
       <p:bldP spid="9" grpId="0"/>
       <p:bldP spid="20" grpId="0"/>
-      <p:bldP spid="37" grpId="0"/>
     </p:bldLst>
   </p:timing>
 </p:sld>
@@ -31026,7 +30766,11 @@
             </a:r>
             <a:r>
               <a:rPr lang="de-DE" sz="6000" dirty="0" smtClean="0"/>
-              <a:t> = Data</a:t>
+              <a:t> = </a:t>
+            </a:r>
+            <a:r>
+              <a:rPr lang="de-DE" sz="6000" dirty="0" smtClean="0"/>
+              <a:t>Data</a:t>
             </a:r>
             <a:endParaRPr lang="de-DE" sz="6000" dirty="0"/>
           </a:p>
@@ -31396,70 +31140,6 @@
           </a:p>
         </p:txBody>
       </p:sp>
-      <p:sp>
-        <p:nvSpPr>
-          <p:cNvPr id="21" name="Textfeld 20"/>
-          <p:cNvSpPr txBox="1"/>
-          <p:nvPr/>
-        </p:nvSpPr>
-        <p:spPr>
-          <a:xfrm>
-            <a:off x="3429000" y="5867400"/>
-            <a:ext cx="2438400" cy="707886"/>
-          </a:xfrm>
-          <a:prstGeom prst="rect">
-            <a:avLst/>
-          </a:prstGeom>
-          <a:noFill/>
-        </p:spPr>
-        <p:txBody>
-          <a:bodyPr wrap="square" rtlCol="0">
-            <a:spAutoFit/>
-          </a:bodyPr>
-          <a:lstStyle/>
-          <a:p>
-            <a:r>
-              <a:rPr lang="de-DE" sz="4000" dirty="0" smtClean="0">
-                <a:ln w="18415" cmpd="sng">
-                  <a:solidFill>
-                    <a:srgbClr val="FFFFFF"/>
-                  </a:solidFill>
-                  <a:prstDash val="solid"/>
-                </a:ln>
-                <a:solidFill>
-                  <a:srgbClr val="FFFFFF"/>
-                </a:solidFill>
-                <a:effectLst>
-                  <a:outerShdw blurRad="63500" dir="3600000" algn="tl" rotWithShape="0">
-                    <a:srgbClr val="000000">
-                      <a:alpha val="70000"/>
-                    </a:srgbClr>
-                  </a:outerShdw>
-                </a:effectLst>
-              </a:rPr>
-              <a:t>f : D -&gt; Z</a:t>
-            </a:r>
-            <a:endParaRPr lang="de-DE" sz="4000" dirty="0">
-              <a:ln w="18415" cmpd="sng">
-                <a:solidFill>
-                  <a:srgbClr val="FFFFFF"/>
-                </a:solidFill>
-                <a:prstDash val="solid"/>
-              </a:ln>
-              <a:solidFill>
-                <a:srgbClr val="FFFFFF"/>
-              </a:solidFill>
-              <a:effectLst>
-                <a:outerShdw blurRad="63500" dir="3600000" algn="tl" rotWithShape="0">
-                  <a:srgbClr val="000000">
-                    <a:alpha val="70000"/>
-                  </a:srgbClr>
-                </a:outerShdw>
-              </a:effectLst>
-            </a:endParaRPr>
-          </a:p>
-        </p:txBody>
-      </p:sp>
       <p:cxnSp>
         <p:nvCxnSpPr>
           <p:cNvPr id="22" name="Gerade Verbindung mit Pfeil 21"/>
@@ -31733,6 +31413,70 @@
           </a:ln>
         </p:spPr>
       </p:pic>
+      <p:sp>
+        <p:nvSpPr>
+          <p:cNvPr id="15" name="Textfeld 14"/>
+          <p:cNvSpPr txBox="1"/>
+          <p:nvPr/>
+        </p:nvSpPr>
+        <p:spPr>
+          <a:xfrm>
+            <a:off x="3282950" y="5829300"/>
+            <a:ext cx="2438400" cy="707886"/>
+          </a:xfrm>
+          <a:prstGeom prst="rect">
+            <a:avLst/>
+          </a:prstGeom>
+          <a:noFill/>
+        </p:spPr>
+        <p:txBody>
+          <a:bodyPr wrap="square" rtlCol="0">
+            <a:spAutoFit/>
+          </a:bodyPr>
+          <a:lstStyle/>
+          <a:p>
+            <a:r>
+              <a:rPr lang="de-DE" sz="4000" dirty="0" smtClean="0">
+                <a:ln w="18415" cmpd="sng">
+                  <a:solidFill>
+                    <a:srgbClr val="FFFFFF"/>
+                  </a:solidFill>
+                  <a:prstDash val="solid"/>
+                </a:ln>
+                <a:solidFill>
+                  <a:srgbClr val="FFFFFF"/>
+                </a:solidFill>
+                <a:effectLst>
+                  <a:outerShdw blurRad="63500" dir="3600000" algn="tl" rotWithShape="0">
+                    <a:srgbClr val="000000">
+                      <a:alpha val="70000"/>
+                    </a:srgbClr>
+                  </a:outerShdw>
+                </a:effectLst>
+              </a:rPr>
+              <a:t>f : D -&gt; Z</a:t>
+            </a:r>
+            <a:endParaRPr lang="de-DE" sz="4000" dirty="0">
+              <a:ln w="18415" cmpd="sng">
+                <a:solidFill>
+                  <a:srgbClr val="FFFFFF"/>
+                </a:solidFill>
+                <a:prstDash val="solid"/>
+              </a:ln>
+              <a:solidFill>
+                <a:srgbClr val="FFFFFF"/>
+              </a:solidFill>
+              <a:effectLst>
+                <a:outerShdw blurRad="63500" dir="3600000" algn="tl" rotWithShape="0">
+                  <a:srgbClr val="000000">
+                    <a:alpha val="70000"/>
+                  </a:srgbClr>
+                </a:outerShdw>
+              </a:effectLst>
+            </a:endParaRPr>
+          </a:p>
+        </p:txBody>
+      </p:sp>
     </p:spTree>
   </p:cSld>
   <p:clrMapOvr>
@@ -31772,7 +31516,7 @@
                                           </p:stCondLst>
                                         </p:cTn>
                                         <p:tgtEl>
-                                          <p:spTgt spid="21"/>
+                                          <p:spTgt spid="15"/>
                                         </p:tgtEl>
                                         <p:attrNameLst>
                                           <p:attrName>style.visibility</p:attrName>
@@ -31786,7 +31530,165 @@
                                       <p:cBhvr>
                                         <p:cTn id="7" dur="500"/>
                                         <p:tgtEl>
-                                          <p:spTgt spid="21"/>
+                                          <p:spTgt spid="15"/>
+                                        </p:tgtEl>
+                                      </p:cBhvr>
+                                    </p:animEffect>
+                                  </p:childTnLst>
+                                </p:cTn>
+                              </p:par>
+                            </p:childTnLst>
+                          </p:cTn>
+                        </p:par>
+                      </p:childTnLst>
+                    </p:cTn>
+                  </p:par>
+                  <p:par>
+                    <p:cTn id="8" fill="hold">
+                      <p:stCondLst>
+                        <p:cond delay="indefinite"/>
+                      </p:stCondLst>
+                      <p:childTnLst>
+                        <p:par>
+                          <p:cTn id="9" fill="hold">
+                            <p:stCondLst>
+                              <p:cond delay="0"/>
+                            </p:stCondLst>
+                            <p:childTnLst>
+                              <p:par>
+                                <p:cTn id="10" presetID="3" presetClass="entr" presetSubtype="10" fill="hold" nodeType="clickEffect">
+                                  <p:stCondLst>
+                                    <p:cond delay="0"/>
+                                  </p:stCondLst>
+                                  <p:childTnLst>
+                                    <p:set>
+                                      <p:cBhvr>
+                                        <p:cTn id="11" dur="1" fill="hold">
+                                          <p:stCondLst>
+                                            <p:cond delay="0"/>
+                                          </p:stCondLst>
+                                        </p:cTn>
+                                        <p:tgtEl>
+                                          <p:spTgt spid="22"/>
+                                        </p:tgtEl>
+                                        <p:attrNameLst>
+                                          <p:attrName>style.visibility</p:attrName>
+                                        </p:attrNameLst>
+                                      </p:cBhvr>
+                                      <p:to>
+                                        <p:strVal val="visible"/>
+                                      </p:to>
+                                    </p:set>
+                                    <p:animEffect transition="in" filter="blinds(horizontal)">
+                                      <p:cBhvr>
+                                        <p:cTn id="12" dur="500"/>
+                                        <p:tgtEl>
+                                          <p:spTgt spid="22"/>
+                                        </p:tgtEl>
+                                      </p:cBhvr>
+                                    </p:animEffect>
+                                  </p:childTnLst>
+                                </p:cTn>
+                              </p:par>
+                              <p:par>
+                                <p:cTn id="13" presetID="3" presetClass="entr" presetSubtype="10" fill="hold" nodeType="withEffect">
+                                  <p:stCondLst>
+                                    <p:cond delay="0"/>
+                                  </p:stCondLst>
+                                  <p:childTnLst>
+                                    <p:set>
+                                      <p:cBhvr>
+                                        <p:cTn id="14" dur="1" fill="hold">
+                                          <p:stCondLst>
+                                            <p:cond delay="0"/>
+                                          </p:stCondLst>
+                                        </p:cTn>
+                                        <p:tgtEl>
+                                          <p:spTgt spid="26"/>
+                                        </p:tgtEl>
+                                        <p:attrNameLst>
+                                          <p:attrName>style.visibility</p:attrName>
+                                        </p:attrNameLst>
+                                      </p:cBhvr>
+                                      <p:to>
+                                        <p:strVal val="visible"/>
+                                      </p:to>
+                                    </p:set>
+                                    <p:animEffect transition="in" filter="blinds(horizontal)">
+                                      <p:cBhvr>
+                                        <p:cTn id="15" dur="500"/>
+                                        <p:tgtEl>
+                                          <p:spTgt spid="26"/>
+                                        </p:tgtEl>
+                                      </p:cBhvr>
+                                    </p:animEffect>
+                                  </p:childTnLst>
+                                </p:cTn>
+                              </p:par>
+                              <p:par>
+                                <p:cTn id="16" presetID="3" presetClass="entr" presetSubtype="10" fill="hold" grpId="0" nodeType="withEffect">
+                                  <p:stCondLst>
+                                    <p:cond delay="0"/>
+                                  </p:stCondLst>
+                                  <p:childTnLst>
+                                    <p:set>
+                                      <p:cBhvr>
+                                        <p:cTn id="17" dur="1" fill="hold">
+                                          <p:stCondLst>
+                                            <p:cond delay="0"/>
+                                          </p:stCondLst>
+                                        </p:cTn>
+                                        <p:tgtEl>
+                                          <p:spTgt spid="37"/>
+                                        </p:tgtEl>
+                                        <p:attrNameLst>
+                                          <p:attrName>style.visibility</p:attrName>
+                                        </p:attrNameLst>
+                                      </p:cBhvr>
+                                      <p:to>
+                                        <p:strVal val="visible"/>
+                                      </p:to>
+                                    </p:set>
+                                    <p:animEffect transition="in" filter="blinds(horizontal)">
+                                      <p:cBhvr>
+                                        <p:cTn id="18" dur="500"/>
+                                        <p:tgtEl>
+                                          <p:spTgt spid="37"/>
+                                        </p:tgtEl>
+                                      </p:cBhvr>
+                                    </p:animEffect>
+                                  </p:childTnLst>
+                                </p:cTn>
+                              </p:par>
+                              <p:par>
+                                <p:cTn id="19" presetID="3" presetClass="entr" presetSubtype="10" fill="hold" nodeType="withEffect">
+                                  <p:stCondLst>
+                                    <p:cond delay="0"/>
+                                  </p:stCondLst>
+                                  <p:childTnLst>
+                                    <p:set>
+                                      <p:cBhvr>
+                                        <p:cTn id="20" dur="1" fill="hold">
+                                          <p:stCondLst>
+                                            <p:cond delay="0"/>
+                                          </p:stCondLst>
+                                        </p:cTn>
+                                        <p:tgtEl>
+                                          <p:spTgt spid="1026"/>
+                                        </p:tgtEl>
+                                        <p:attrNameLst>
+                                          <p:attrName>style.visibility</p:attrName>
+                                        </p:attrNameLst>
+                                      </p:cBhvr>
+                                      <p:to>
+                                        <p:strVal val="visible"/>
+                                      </p:to>
+                                    </p:set>
+                                    <p:animEffect transition="in" filter="blinds(horizontal)">
+                                      <p:cBhvr>
+                                        <p:cTn id="21" dur="500"/>
+                                        <p:tgtEl>
+                                          <p:spTgt spid="1026"/>
                                         </p:tgtEl>
                                       </p:cBhvr>
                                     </p:animEffect>
@@ -31821,7 +31723,8 @@
       </p:par>
     </p:tnLst>
     <p:bldLst>
-      <p:bldP spid="21" grpId="0"/>
+      <p:bldP spid="37" grpId="0"/>
+      <p:bldP spid="15" grpId="0"/>
     </p:bldLst>
   </p:timing>
 </p:sld>

--- a/IntroductionToFSharp.pptx
+++ b/IntroductionToFSharp.pptx
@@ -5,10 +5,10 @@
     <p:sldMasterId id="2147483660" r:id="rId1"/>
   </p:sldMasterIdLst>
   <p:notesMasterIdLst>
-    <p:notesMasterId r:id="rId14"/>
+    <p:notesMasterId r:id="rId13"/>
   </p:notesMasterIdLst>
   <p:handoutMasterIdLst>
-    <p:handoutMasterId r:id="rId15"/>
+    <p:handoutMasterId r:id="rId14"/>
   </p:handoutMasterIdLst>
   <p:sldIdLst>
     <p:sldId id="256" r:id="rId2"/>
@@ -22,7 +22,6 @@
     <p:sldId id="332" r:id="rId10"/>
     <p:sldId id="330" r:id="rId11"/>
     <p:sldId id="333" r:id="rId12"/>
-    <p:sldId id="320" r:id="rId13"/>
   </p:sldIdLst>
   <p:sldSz cx="9144000" cy="6858000" type="screen4x3"/>
   <p:notesSz cx="6858000" cy="9144000"/>
@@ -207,7 +206,7 @@
             <a:fld id="{4180EC96-23B5-4301-8B91-BF70EABF146D}" type="datetimeFigureOut">
               <a:rPr lang="en-US" smtClean="0"/>
               <a:pPr/>
-              <a:t>3/10/2010</a:t>
+              <a:t>5/5/2011</a:t>
             </a:fld>
             <a:endParaRPr lang="en-US" dirty="0"/>
           </a:p>
@@ -281,6 +280,11 @@
         </p:txBody>
       </p:sp>
     </p:spTree>
+    <p:extLst>
+      <p:ext uri="{BB962C8B-B14F-4D97-AF65-F5344CB8AC3E}">
+        <p14:creationId xmlns:p14="http://schemas.microsoft.com/office/powerpoint/2010/main" val="1743414945"/>
+      </p:ext>
+    </p:extLst>
   </p:cSld>
   <p:clrMap bg1="lt1" tx1="dk1" bg2="lt2" tx2="dk2" accent1="accent1" accent2="accent2" accent3="accent3" accent4="accent4" accent5="accent5" accent6="accent6" hlink="hlink" folHlink="folHlink"/>
 </p:handoutMaster>
@@ -369,7 +373,7 @@
             <a:fld id="{7A94D76D-ACEA-4E66-9040-0707EFD59D28}" type="datetimeFigureOut">
               <a:rPr lang="en-US" smtClean="0"/>
               <a:pPr/>
-              <a:t>3/10/2010</a:t>
+              <a:t>5/5/2011</a:t>
             </a:fld>
             <a:endParaRPr lang="en-US"/>
           </a:p>
@@ -538,6 +542,11 @@
         </p:txBody>
       </p:sp>
     </p:spTree>
+    <p:extLst>
+      <p:ext uri="{BB962C8B-B14F-4D97-AF65-F5344CB8AC3E}">
+        <p14:creationId xmlns:p14="http://schemas.microsoft.com/office/powerpoint/2010/main" val="1804943552"/>
+      </p:ext>
+    </p:extLst>
   </p:cSld>
   <p:clrMap bg1="lt1" tx1="dk1" bg2="lt2" tx2="dk2" accent1="accent1" accent2="accent2" accent3="accent3" accent4="accent4" accent5="accent5" accent6="accent6" hlink="hlink" folHlink="folHlink"/>
   <p:notesStyle>
@@ -872,43 +881,6 @@
             <a:endParaRPr lang="en-US"/>
           </a:p>
         </p:txBody>
-      </p:sp>
-    </p:spTree>
-  </p:cSld>
-  <p:clrMapOvr>
-    <a:masterClrMapping/>
-  </p:clrMapOvr>
-</p:notes>
-</file>
-
-<file path=ppt/notesSlides/notesSlide12.xml><?xml version="1.0" encoding="utf-8"?>
-<p:notes xmlns:a="http://schemas.openxmlformats.org/drawingml/2006/main" xmlns:r="http://schemas.openxmlformats.org/officeDocument/2006/relationships" xmlns:p="http://schemas.openxmlformats.org/presentationml/2006/main">
-  <p:cSld>
-    <p:spTree>
-      <p:nvGrpSpPr>
-        <p:cNvPr id="1" name=""/>
-        <p:cNvGrpSpPr/>
-        <p:nvPr/>
-      </p:nvGrpSpPr>
-      <p:grpSpPr>
-        <a:xfrm>
-          <a:off x="0" y="0"/>
-          <a:ext cx="0" cy="0"/>
-          <a:chOff x="0" y="0"/>
-          <a:chExt cx="0" cy="0"/>
-        </a:xfrm>
-      </p:grpSpPr>
-      <p:sp>
-        <p:nvSpPr>
-          <p:cNvPr id="2" name="Slide Image Placeholder 1"/>
-          <p:cNvSpPr>
-            <a:spLocks noGrp="1" noRot="1" noChangeAspect="1"/>
-          </p:cNvSpPr>
-          <p:nvPr>
-            <p:ph type="sldImg"/>
-          </p:nvPr>
-        </p:nvSpPr>
-        <p:spPr/>
       </p:sp>
     </p:spTree>
   </p:cSld>
@@ -3754,7 +3726,7 @@
             <a:fld id="{75429ADD-C5BF-4814-8EAF-17BB58E1B0D2}" type="datetimeFigureOut">
               <a:rPr lang="en-US" smtClean="0"/>
               <a:pPr/>
-              <a:t>3/10/2010</a:t>
+              <a:t>5/5/2011</a:t>
             </a:fld>
             <a:endParaRPr lang="en-US" dirty="0"/>
           </a:p>
@@ -5453,11 +5425,7 @@
           <a:p>
             <a:r>
               <a:rPr lang="de-DE" sz="5400" dirty="0" smtClean="0"/>
-              <a:t>Bilde die „Summe der Quadrate“ aus einer List von</a:t>
-            </a:r>
-            <a:r>
-              <a:rPr lang="de-DE" sz="5400" dirty="0" smtClean="0"/>
-              <a:t> </a:t>
+              <a:t>Bilde die „Summe der Quadrate“ aus einer List von </a:t>
             </a:r>
             <a:r>
               <a:rPr lang="de-DE" sz="5400" smtClean="0"/>
@@ -5481,4922 +5449,6 @@
         <p:cTn id="1" dur="indefinite" restart="never" nodeType="tmRoot"/>
       </p:par>
     </p:tnLst>
-  </p:timing>
-</p:sld>
-</file>
-
-<file path=ppt/slides/slide12.xml><?xml version="1.0" encoding="utf-8"?>
-<p:sld xmlns:a="http://schemas.openxmlformats.org/drawingml/2006/main" xmlns:r="http://schemas.openxmlformats.org/officeDocument/2006/relationships" xmlns:p="http://schemas.openxmlformats.org/presentationml/2006/main">
-  <p:cSld>
-    <p:spTree>
-      <p:nvGrpSpPr>
-        <p:cNvPr id="1" name=""/>
-        <p:cNvGrpSpPr/>
-        <p:nvPr/>
-      </p:nvGrpSpPr>
-      <p:grpSpPr>
-        <a:xfrm>
-          <a:off x="0" y="0"/>
-          <a:ext cx="0" cy="0"/>
-          <a:chOff x="0" y="0"/>
-          <a:chExt cx="0" cy="0"/>
-        </a:xfrm>
-      </p:grpSpPr>
-      <p:sp>
-        <p:nvSpPr>
-          <p:cNvPr id="1231874" name="Rectangle 2"/>
-          <p:cNvSpPr>
-            <a:spLocks noGrp="1" noChangeArrowheads="1"/>
-          </p:cNvSpPr>
-          <p:nvPr>
-            <p:ph type="title"/>
-          </p:nvPr>
-        </p:nvSpPr>
-        <p:spPr>
-          <a:xfrm>
-            <a:off x="500034" y="0"/>
-            <a:ext cx="8229600" cy="1143000"/>
-          </a:xfrm>
-        </p:spPr>
-        <p:txBody>
-          <a:bodyPr>
-            <a:normAutofit/>
-          </a:bodyPr>
-          <a:lstStyle/>
-          <a:p>
-            <a:r>
-              <a:rPr lang="en-GB" sz="6600" dirty="0" smtClean="0"/>
-              <a:t>Asynchronous I/O</a:t>
-            </a:r>
-            <a:endParaRPr lang="en-GB" sz="6600" dirty="0"/>
-          </a:p>
-        </p:txBody>
-      </p:sp>
-      <p:sp>
-        <p:nvSpPr>
-          <p:cNvPr id="17" name="Folded Corner 16"/>
-          <p:cNvSpPr/>
-          <p:nvPr/>
-        </p:nvSpPr>
-        <p:spPr>
-          <a:xfrm>
-            <a:off x="0" y="1143000"/>
-            <a:ext cx="3600913" cy="3784025"/>
-          </a:xfrm>
-          <a:prstGeom prst="foldedCorner">
-            <a:avLst/>
-          </a:prstGeom>
-          <a:solidFill>
-            <a:schemeClr val="bg1">
-              <a:lumMod val="85000"/>
-            </a:schemeClr>
-          </a:solidFill>
-        </p:spPr>
-        <p:style>
-          <a:lnRef idx="2">
-            <a:schemeClr val="accent1">
-              <a:shade val="50000"/>
-            </a:schemeClr>
-          </a:lnRef>
-          <a:fillRef idx="1">
-            <a:schemeClr val="accent1"/>
-          </a:fillRef>
-          <a:effectRef idx="0">
-            <a:schemeClr val="accent1"/>
-          </a:effectRef>
-          <a:fontRef idx="minor">
-            <a:schemeClr val="lt1"/>
-          </a:fontRef>
-        </p:style>
-        <p:txBody>
-          <a:bodyPr wrap="none" lIns="36000" tIns="36000" rIns="36000" bIns="36000" rtlCol="0" anchor="ctr">
-            <a:spAutoFit/>
-          </a:bodyPr>
-          <a:lstStyle/>
-          <a:p>
-            <a:pPr algn="l"/>
-            <a:r>
-              <a:rPr lang="en-GB" sz="700" dirty="0" smtClean="0">
-                <a:solidFill>
-                  <a:schemeClr val="tx1"/>
-                </a:solidFill>
-                <a:latin typeface="Consolas" pitchFamily="49" charset="0"/>
-              </a:rPr>
-              <a:t>using System;</a:t>
-            </a:r>
-          </a:p>
-          <a:p>
-            <a:pPr algn="l"/>
-            <a:r>
-              <a:rPr lang="en-GB" sz="700" dirty="0" smtClean="0">
-                <a:solidFill>
-                  <a:schemeClr val="tx1"/>
-                </a:solidFill>
-                <a:latin typeface="Consolas" pitchFamily="49" charset="0"/>
-              </a:rPr>
-              <a:t>using System.IO;</a:t>
-            </a:r>
-          </a:p>
-          <a:p>
-            <a:pPr algn="l"/>
-            <a:r>
-              <a:rPr lang="en-GB" sz="700" dirty="0" smtClean="0">
-                <a:solidFill>
-                  <a:schemeClr val="tx1"/>
-                </a:solidFill>
-                <a:latin typeface="Consolas" pitchFamily="49" charset="0"/>
-              </a:rPr>
-              <a:t>using </a:t>
-            </a:r>
-            <a:r>
-              <a:rPr lang="en-GB" sz="700" dirty="0" err="1" smtClean="0">
-                <a:solidFill>
-                  <a:schemeClr val="tx1"/>
-                </a:solidFill>
-                <a:latin typeface="Consolas" pitchFamily="49" charset="0"/>
-              </a:rPr>
-              <a:t>System.Threading</a:t>
-            </a:r>
-            <a:r>
-              <a:rPr lang="en-GB" sz="700" dirty="0" smtClean="0">
-                <a:solidFill>
-                  <a:schemeClr val="tx1"/>
-                </a:solidFill>
-                <a:latin typeface="Consolas" pitchFamily="49" charset="0"/>
-              </a:rPr>
-              <a:t>;</a:t>
-            </a:r>
-          </a:p>
-          <a:p>
-            <a:pPr algn="l"/>
-            <a:r>
-              <a:rPr lang="en-GB" sz="700" dirty="0" smtClean="0">
-                <a:solidFill>
-                  <a:schemeClr val="tx1"/>
-                </a:solidFill>
-                <a:latin typeface="Consolas" pitchFamily="49" charset="0"/>
-              </a:rPr>
-              <a:t> </a:t>
-            </a:r>
-          </a:p>
-          <a:p>
-            <a:pPr algn="l"/>
-            <a:r>
-              <a:rPr lang="en-GB" sz="700" dirty="0" smtClean="0">
-                <a:solidFill>
-                  <a:schemeClr val="tx1"/>
-                </a:solidFill>
-                <a:latin typeface="Consolas" pitchFamily="49" charset="0"/>
-              </a:rPr>
-              <a:t>public class </a:t>
-            </a:r>
-            <a:r>
-              <a:rPr lang="en-GB" sz="700" dirty="0" err="1" smtClean="0">
-                <a:solidFill>
-                  <a:schemeClr val="tx1"/>
-                </a:solidFill>
-                <a:latin typeface="Consolas" pitchFamily="49" charset="0"/>
-              </a:rPr>
-              <a:t>BulkImageProcAsync</a:t>
-            </a:r>
-            <a:endParaRPr lang="en-GB" sz="700" dirty="0" smtClean="0">
-              <a:solidFill>
-                <a:schemeClr val="tx1"/>
-              </a:solidFill>
-              <a:latin typeface="Consolas" pitchFamily="49" charset="0"/>
-            </a:endParaRPr>
-          </a:p>
-          <a:p>
-            <a:pPr algn="l"/>
-            <a:r>
-              <a:rPr lang="en-GB" sz="700" dirty="0" smtClean="0">
-                <a:solidFill>
-                  <a:schemeClr val="tx1"/>
-                </a:solidFill>
-                <a:latin typeface="Consolas" pitchFamily="49" charset="0"/>
-              </a:rPr>
-              <a:t>{</a:t>
-            </a:r>
-          </a:p>
-          <a:p>
-            <a:pPr algn="l"/>
-            <a:r>
-              <a:rPr lang="en-GB" sz="700" dirty="0" smtClean="0">
-                <a:solidFill>
-                  <a:schemeClr val="tx1"/>
-                </a:solidFill>
-                <a:latin typeface="Consolas" pitchFamily="49" charset="0"/>
-              </a:rPr>
-              <a:t>    public const String </a:t>
-            </a:r>
-            <a:r>
-              <a:rPr lang="en-GB" sz="700" dirty="0" err="1" smtClean="0">
-                <a:solidFill>
-                  <a:schemeClr val="tx1"/>
-                </a:solidFill>
-                <a:latin typeface="Consolas" pitchFamily="49" charset="0"/>
-              </a:rPr>
-              <a:t>ImageBaseName</a:t>
-            </a:r>
-            <a:r>
-              <a:rPr lang="en-GB" sz="700" dirty="0" smtClean="0">
-                <a:solidFill>
-                  <a:schemeClr val="tx1"/>
-                </a:solidFill>
-                <a:latin typeface="Consolas" pitchFamily="49" charset="0"/>
-              </a:rPr>
-              <a:t> = "</a:t>
-            </a:r>
-            <a:r>
-              <a:rPr lang="en-GB" sz="700" dirty="0" err="1" smtClean="0">
-                <a:solidFill>
-                  <a:schemeClr val="tx1"/>
-                </a:solidFill>
-                <a:latin typeface="Consolas" pitchFamily="49" charset="0"/>
-              </a:rPr>
-              <a:t>tmpImage</a:t>
-            </a:r>
-            <a:r>
-              <a:rPr lang="en-GB" sz="700" dirty="0" smtClean="0">
-                <a:solidFill>
-                  <a:schemeClr val="tx1"/>
-                </a:solidFill>
-                <a:latin typeface="Consolas" pitchFamily="49" charset="0"/>
-              </a:rPr>
-              <a:t>-";</a:t>
-            </a:r>
-          </a:p>
-          <a:p>
-            <a:pPr algn="l"/>
-            <a:r>
-              <a:rPr lang="en-GB" sz="700" dirty="0" smtClean="0">
-                <a:solidFill>
-                  <a:schemeClr val="tx1"/>
-                </a:solidFill>
-                <a:latin typeface="Consolas" pitchFamily="49" charset="0"/>
-              </a:rPr>
-              <a:t>    public const </a:t>
-            </a:r>
-            <a:r>
-              <a:rPr lang="en-GB" sz="700" dirty="0" err="1" smtClean="0">
-                <a:solidFill>
-                  <a:schemeClr val="tx1"/>
-                </a:solidFill>
-                <a:latin typeface="Consolas" pitchFamily="49" charset="0"/>
-              </a:rPr>
-              <a:t>int</a:t>
-            </a:r>
-            <a:r>
-              <a:rPr lang="en-GB" sz="700" dirty="0" smtClean="0">
-                <a:solidFill>
-                  <a:schemeClr val="tx1"/>
-                </a:solidFill>
-                <a:latin typeface="Consolas" pitchFamily="49" charset="0"/>
-              </a:rPr>
-              <a:t> </a:t>
-            </a:r>
-            <a:r>
-              <a:rPr lang="en-GB" sz="700" dirty="0" err="1" smtClean="0">
-                <a:solidFill>
-                  <a:schemeClr val="tx1"/>
-                </a:solidFill>
-                <a:latin typeface="Consolas" pitchFamily="49" charset="0"/>
-              </a:rPr>
-              <a:t>numImages</a:t>
-            </a:r>
-            <a:r>
-              <a:rPr lang="en-GB" sz="700" dirty="0" smtClean="0">
-                <a:solidFill>
-                  <a:schemeClr val="tx1"/>
-                </a:solidFill>
-                <a:latin typeface="Consolas" pitchFamily="49" charset="0"/>
-              </a:rPr>
-              <a:t> = 200;</a:t>
-            </a:r>
-          </a:p>
-          <a:p>
-            <a:pPr algn="l"/>
-            <a:r>
-              <a:rPr lang="en-GB" sz="700" dirty="0" smtClean="0">
-                <a:solidFill>
-                  <a:schemeClr val="tx1"/>
-                </a:solidFill>
-                <a:latin typeface="Consolas" pitchFamily="49" charset="0"/>
-              </a:rPr>
-              <a:t>    public const </a:t>
-            </a:r>
-            <a:r>
-              <a:rPr lang="en-GB" sz="700" dirty="0" err="1" smtClean="0">
-                <a:solidFill>
-                  <a:schemeClr val="tx1"/>
-                </a:solidFill>
-                <a:latin typeface="Consolas" pitchFamily="49" charset="0"/>
-              </a:rPr>
-              <a:t>int</a:t>
-            </a:r>
-            <a:r>
-              <a:rPr lang="en-GB" sz="700" dirty="0" smtClean="0">
-                <a:solidFill>
-                  <a:schemeClr val="tx1"/>
-                </a:solidFill>
-                <a:latin typeface="Consolas" pitchFamily="49" charset="0"/>
-              </a:rPr>
-              <a:t> </a:t>
-            </a:r>
-            <a:r>
-              <a:rPr lang="en-GB" sz="700" dirty="0" err="1" smtClean="0">
-                <a:solidFill>
-                  <a:schemeClr val="tx1"/>
-                </a:solidFill>
-                <a:latin typeface="Consolas" pitchFamily="49" charset="0"/>
-              </a:rPr>
-              <a:t>numPixels</a:t>
-            </a:r>
-            <a:r>
-              <a:rPr lang="en-GB" sz="700" dirty="0" smtClean="0">
-                <a:solidFill>
-                  <a:schemeClr val="tx1"/>
-                </a:solidFill>
-                <a:latin typeface="Consolas" pitchFamily="49" charset="0"/>
-              </a:rPr>
-              <a:t> = 512 * 512;</a:t>
-            </a:r>
-          </a:p>
-          <a:p>
-            <a:pPr algn="l"/>
-            <a:r>
-              <a:rPr lang="en-GB" sz="700" dirty="0" smtClean="0">
-                <a:solidFill>
-                  <a:schemeClr val="tx1"/>
-                </a:solidFill>
-                <a:latin typeface="Consolas" pitchFamily="49" charset="0"/>
-              </a:rPr>
-              <a:t> </a:t>
-            </a:r>
-          </a:p>
-          <a:p>
-            <a:pPr algn="l"/>
-            <a:r>
-              <a:rPr lang="en-GB" sz="700" dirty="0" smtClean="0">
-                <a:solidFill>
-                  <a:schemeClr val="tx1"/>
-                </a:solidFill>
-                <a:latin typeface="Consolas" pitchFamily="49" charset="0"/>
-              </a:rPr>
-              <a:t>    // </a:t>
-            </a:r>
-            <a:r>
-              <a:rPr lang="en-GB" sz="700" dirty="0" err="1" smtClean="0">
-                <a:solidFill>
-                  <a:schemeClr val="tx1"/>
-                </a:solidFill>
-                <a:latin typeface="Consolas" pitchFamily="49" charset="0"/>
-              </a:rPr>
-              <a:t>ProcessImage</a:t>
-            </a:r>
-            <a:r>
-              <a:rPr lang="en-GB" sz="700" dirty="0" smtClean="0">
-                <a:solidFill>
-                  <a:schemeClr val="tx1"/>
-                </a:solidFill>
-                <a:latin typeface="Consolas" pitchFamily="49" charset="0"/>
-              </a:rPr>
-              <a:t> has a simple O(N) loop, and you can vary the number</a:t>
-            </a:r>
-          </a:p>
-          <a:p>
-            <a:pPr algn="l"/>
-            <a:r>
-              <a:rPr lang="en-GB" sz="700" dirty="0" smtClean="0">
-                <a:solidFill>
-                  <a:schemeClr val="tx1"/>
-                </a:solidFill>
-                <a:latin typeface="Consolas" pitchFamily="49" charset="0"/>
-              </a:rPr>
-              <a:t>    // of times you repeat that loop to make the application more CPU-</a:t>
-            </a:r>
-          </a:p>
-          <a:p>
-            <a:pPr algn="l"/>
-            <a:r>
-              <a:rPr lang="en-GB" sz="700" dirty="0" smtClean="0">
-                <a:solidFill>
-                  <a:schemeClr val="tx1"/>
-                </a:solidFill>
-                <a:latin typeface="Consolas" pitchFamily="49" charset="0"/>
-              </a:rPr>
-              <a:t>    // bound or more IO-bound.</a:t>
-            </a:r>
-          </a:p>
-          <a:p>
-            <a:pPr algn="l"/>
-            <a:r>
-              <a:rPr lang="en-GB" sz="700" dirty="0" smtClean="0">
-                <a:solidFill>
-                  <a:schemeClr val="tx1"/>
-                </a:solidFill>
-                <a:latin typeface="Consolas" pitchFamily="49" charset="0"/>
-              </a:rPr>
-              <a:t>    public static </a:t>
-            </a:r>
-            <a:r>
-              <a:rPr lang="en-GB" sz="700" dirty="0" err="1" smtClean="0">
-                <a:solidFill>
-                  <a:schemeClr val="tx1"/>
-                </a:solidFill>
-                <a:latin typeface="Consolas" pitchFamily="49" charset="0"/>
-              </a:rPr>
-              <a:t>int</a:t>
-            </a:r>
-            <a:r>
-              <a:rPr lang="en-GB" sz="700" dirty="0" smtClean="0">
-                <a:solidFill>
-                  <a:schemeClr val="tx1"/>
-                </a:solidFill>
-                <a:latin typeface="Consolas" pitchFamily="49" charset="0"/>
-              </a:rPr>
-              <a:t> </a:t>
-            </a:r>
-            <a:r>
-              <a:rPr lang="en-GB" sz="700" dirty="0" err="1" smtClean="0">
-                <a:solidFill>
-                  <a:schemeClr val="tx1"/>
-                </a:solidFill>
-                <a:latin typeface="Consolas" pitchFamily="49" charset="0"/>
-              </a:rPr>
-              <a:t>processImageRepeats</a:t>
-            </a:r>
-            <a:r>
-              <a:rPr lang="en-GB" sz="700" dirty="0" smtClean="0">
-                <a:solidFill>
-                  <a:schemeClr val="tx1"/>
-                </a:solidFill>
-                <a:latin typeface="Consolas" pitchFamily="49" charset="0"/>
-              </a:rPr>
-              <a:t> = 20;</a:t>
-            </a:r>
-          </a:p>
-          <a:p>
-            <a:pPr algn="l"/>
-            <a:r>
-              <a:rPr lang="en-GB" sz="700" dirty="0" smtClean="0">
-                <a:solidFill>
-                  <a:schemeClr val="tx1"/>
-                </a:solidFill>
-                <a:latin typeface="Consolas" pitchFamily="49" charset="0"/>
-              </a:rPr>
-              <a:t> </a:t>
-            </a:r>
-          </a:p>
-          <a:p>
-            <a:pPr algn="l"/>
-            <a:r>
-              <a:rPr lang="en-GB" sz="700" dirty="0" smtClean="0">
-                <a:solidFill>
-                  <a:schemeClr val="tx1"/>
-                </a:solidFill>
-                <a:latin typeface="Consolas" pitchFamily="49" charset="0"/>
-              </a:rPr>
-              <a:t>    // Threads must decrement </a:t>
-            </a:r>
-            <a:r>
-              <a:rPr lang="en-GB" sz="700" dirty="0" err="1" smtClean="0">
-                <a:solidFill>
-                  <a:schemeClr val="tx1"/>
-                </a:solidFill>
-                <a:latin typeface="Consolas" pitchFamily="49" charset="0"/>
-              </a:rPr>
-              <a:t>NumImagesToFinish</a:t>
-            </a:r>
-            <a:r>
-              <a:rPr lang="en-GB" sz="700" dirty="0" smtClean="0">
-                <a:solidFill>
-                  <a:schemeClr val="tx1"/>
-                </a:solidFill>
-                <a:latin typeface="Consolas" pitchFamily="49" charset="0"/>
-              </a:rPr>
-              <a:t>, and protect</a:t>
-            </a:r>
-          </a:p>
-          <a:p>
-            <a:pPr algn="l"/>
-            <a:r>
-              <a:rPr lang="en-GB" sz="700" dirty="0" smtClean="0">
-                <a:solidFill>
-                  <a:schemeClr val="tx1"/>
-                </a:solidFill>
-                <a:latin typeface="Consolas" pitchFamily="49" charset="0"/>
-              </a:rPr>
-              <a:t>    // their access to it through a </a:t>
-            </a:r>
-            <a:r>
-              <a:rPr lang="en-GB" sz="700" dirty="0" err="1" smtClean="0">
-                <a:solidFill>
-                  <a:schemeClr val="tx1"/>
-                </a:solidFill>
-                <a:latin typeface="Consolas" pitchFamily="49" charset="0"/>
-              </a:rPr>
-              <a:t>mutex</a:t>
-            </a:r>
-            <a:r>
-              <a:rPr lang="en-GB" sz="700" dirty="0" smtClean="0">
-                <a:solidFill>
-                  <a:schemeClr val="tx1"/>
-                </a:solidFill>
-                <a:latin typeface="Consolas" pitchFamily="49" charset="0"/>
-              </a:rPr>
-              <a:t>.</a:t>
-            </a:r>
-          </a:p>
-          <a:p>
-            <a:pPr algn="l"/>
-            <a:r>
-              <a:rPr lang="en-GB" sz="700" dirty="0" smtClean="0">
-                <a:solidFill>
-                  <a:schemeClr val="tx1"/>
-                </a:solidFill>
-                <a:latin typeface="Consolas" pitchFamily="49" charset="0"/>
-              </a:rPr>
-              <a:t>    public static </a:t>
-            </a:r>
-            <a:r>
-              <a:rPr lang="en-GB" sz="700" dirty="0" err="1" smtClean="0">
-                <a:solidFill>
-                  <a:schemeClr val="tx1"/>
-                </a:solidFill>
-                <a:latin typeface="Consolas" pitchFamily="49" charset="0"/>
-              </a:rPr>
-              <a:t>int</a:t>
-            </a:r>
-            <a:r>
-              <a:rPr lang="en-GB" sz="700" dirty="0" smtClean="0">
-                <a:solidFill>
-                  <a:schemeClr val="tx1"/>
-                </a:solidFill>
-                <a:latin typeface="Consolas" pitchFamily="49" charset="0"/>
-              </a:rPr>
-              <a:t> </a:t>
-            </a:r>
-            <a:r>
-              <a:rPr lang="en-GB" sz="700" dirty="0" err="1" smtClean="0">
-                <a:solidFill>
-                  <a:schemeClr val="tx1"/>
-                </a:solidFill>
-                <a:latin typeface="Consolas" pitchFamily="49" charset="0"/>
-              </a:rPr>
-              <a:t>NumImagesToFinish</a:t>
-            </a:r>
-            <a:r>
-              <a:rPr lang="en-GB" sz="700" dirty="0" smtClean="0">
-                <a:solidFill>
-                  <a:schemeClr val="tx1"/>
-                </a:solidFill>
-                <a:latin typeface="Consolas" pitchFamily="49" charset="0"/>
-              </a:rPr>
-              <a:t> = </a:t>
-            </a:r>
-            <a:r>
-              <a:rPr lang="en-GB" sz="700" dirty="0" err="1" smtClean="0">
-                <a:solidFill>
-                  <a:schemeClr val="tx1"/>
-                </a:solidFill>
-                <a:latin typeface="Consolas" pitchFamily="49" charset="0"/>
-              </a:rPr>
-              <a:t>numImages</a:t>
-            </a:r>
-            <a:r>
-              <a:rPr lang="en-GB" sz="700" dirty="0" smtClean="0">
-                <a:solidFill>
-                  <a:schemeClr val="tx1"/>
-                </a:solidFill>
-                <a:latin typeface="Consolas" pitchFamily="49" charset="0"/>
-              </a:rPr>
-              <a:t>;</a:t>
-            </a:r>
-          </a:p>
-          <a:p>
-            <a:pPr algn="l"/>
-            <a:r>
-              <a:rPr lang="en-GB" sz="700" dirty="0" smtClean="0">
-                <a:solidFill>
-                  <a:schemeClr val="tx1"/>
-                </a:solidFill>
-                <a:latin typeface="Consolas" pitchFamily="49" charset="0"/>
-              </a:rPr>
-              <a:t>    public static Object[] </a:t>
-            </a:r>
-            <a:r>
-              <a:rPr lang="en-GB" sz="700" dirty="0" err="1" smtClean="0">
-                <a:solidFill>
-                  <a:schemeClr val="tx1"/>
-                </a:solidFill>
-                <a:latin typeface="Consolas" pitchFamily="49" charset="0"/>
-              </a:rPr>
-              <a:t>NumImagesMutex</a:t>
-            </a:r>
-            <a:r>
-              <a:rPr lang="en-GB" sz="700" dirty="0" smtClean="0">
-                <a:solidFill>
-                  <a:schemeClr val="tx1"/>
-                </a:solidFill>
-                <a:latin typeface="Consolas" pitchFamily="49" charset="0"/>
-              </a:rPr>
-              <a:t> = new Object[0];</a:t>
-            </a:r>
-          </a:p>
-          <a:p>
-            <a:pPr algn="l"/>
-            <a:r>
-              <a:rPr lang="en-GB" sz="700" dirty="0" smtClean="0">
-                <a:solidFill>
-                  <a:schemeClr val="tx1"/>
-                </a:solidFill>
-                <a:latin typeface="Consolas" pitchFamily="49" charset="0"/>
-              </a:rPr>
-              <a:t>    // </a:t>
-            </a:r>
-            <a:r>
-              <a:rPr lang="en-GB" sz="700" dirty="0" err="1" smtClean="0">
-                <a:solidFill>
-                  <a:schemeClr val="tx1"/>
-                </a:solidFill>
-                <a:latin typeface="Consolas" pitchFamily="49" charset="0"/>
-              </a:rPr>
-              <a:t>WaitObject</a:t>
-            </a:r>
-            <a:r>
-              <a:rPr lang="en-GB" sz="700" dirty="0" smtClean="0">
-                <a:solidFill>
-                  <a:schemeClr val="tx1"/>
-                </a:solidFill>
-                <a:latin typeface="Consolas" pitchFamily="49" charset="0"/>
-              </a:rPr>
-              <a:t> is signalled when all image processing is done.</a:t>
-            </a:r>
-          </a:p>
-          <a:p>
-            <a:pPr algn="l"/>
-            <a:r>
-              <a:rPr lang="en-GB" sz="700" dirty="0" smtClean="0">
-                <a:solidFill>
-                  <a:schemeClr val="tx1"/>
-                </a:solidFill>
-                <a:latin typeface="Consolas" pitchFamily="49" charset="0"/>
-              </a:rPr>
-              <a:t>    public static Object[] </a:t>
-            </a:r>
-            <a:r>
-              <a:rPr lang="en-GB" sz="700" dirty="0" err="1" smtClean="0">
-                <a:solidFill>
-                  <a:schemeClr val="tx1"/>
-                </a:solidFill>
-                <a:latin typeface="Consolas" pitchFamily="49" charset="0"/>
-              </a:rPr>
-              <a:t>WaitObject</a:t>
-            </a:r>
-            <a:r>
-              <a:rPr lang="en-GB" sz="700" dirty="0" smtClean="0">
-                <a:solidFill>
-                  <a:schemeClr val="tx1"/>
-                </a:solidFill>
-                <a:latin typeface="Consolas" pitchFamily="49" charset="0"/>
-              </a:rPr>
-              <a:t> = new Object[0];</a:t>
-            </a:r>
-          </a:p>
-          <a:p>
-            <a:pPr algn="l"/>
-            <a:r>
-              <a:rPr lang="en-GB" sz="700" dirty="0" smtClean="0">
-                <a:solidFill>
-                  <a:schemeClr val="tx1"/>
-                </a:solidFill>
-                <a:latin typeface="Consolas" pitchFamily="49" charset="0"/>
-              </a:rPr>
-              <a:t>    public class </a:t>
-            </a:r>
-            <a:r>
-              <a:rPr lang="en-GB" sz="700" dirty="0" err="1" smtClean="0">
-                <a:solidFill>
-                  <a:schemeClr val="tx1"/>
-                </a:solidFill>
-                <a:latin typeface="Consolas" pitchFamily="49" charset="0"/>
-              </a:rPr>
-              <a:t>ImageStateObject</a:t>
-            </a:r>
-            <a:endParaRPr lang="en-GB" sz="700" dirty="0" smtClean="0">
-              <a:solidFill>
-                <a:schemeClr val="tx1"/>
-              </a:solidFill>
-              <a:latin typeface="Consolas" pitchFamily="49" charset="0"/>
-            </a:endParaRPr>
-          </a:p>
-          <a:p>
-            <a:pPr algn="l"/>
-            <a:r>
-              <a:rPr lang="en-GB" sz="700" dirty="0" smtClean="0">
-                <a:solidFill>
-                  <a:schemeClr val="tx1"/>
-                </a:solidFill>
-                <a:latin typeface="Consolas" pitchFamily="49" charset="0"/>
-              </a:rPr>
-              <a:t>    {</a:t>
-            </a:r>
-          </a:p>
-          <a:p>
-            <a:pPr algn="l"/>
-            <a:r>
-              <a:rPr lang="en-GB" sz="700" dirty="0" smtClean="0">
-                <a:solidFill>
-                  <a:schemeClr val="tx1"/>
-                </a:solidFill>
-                <a:latin typeface="Consolas" pitchFamily="49" charset="0"/>
-              </a:rPr>
-              <a:t>        public byte[] pixels;</a:t>
-            </a:r>
-          </a:p>
-          <a:p>
-            <a:pPr algn="l"/>
-            <a:r>
-              <a:rPr lang="en-GB" sz="700" dirty="0" smtClean="0">
-                <a:solidFill>
-                  <a:schemeClr val="tx1"/>
-                </a:solidFill>
-                <a:latin typeface="Consolas" pitchFamily="49" charset="0"/>
-              </a:rPr>
-              <a:t>        public </a:t>
-            </a:r>
-            <a:r>
-              <a:rPr lang="en-GB" sz="700" dirty="0" err="1" smtClean="0">
-                <a:solidFill>
-                  <a:schemeClr val="tx1"/>
-                </a:solidFill>
-                <a:latin typeface="Consolas" pitchFamily="49" charset="0"/>
-              </a:rPr>
-              <a:t>int</a:t>
-            </a:r>
-            <a:r>
-              <a:rPr lang="en-GB" sz="700" dirty="0" smtClean="0">
-                <a:solidFill>
-                  <a:schemeClr val="tx1"/>
-                </a:solidFill>
-                <a:latin typeface="Consolas" pitchFamily="49" charset="0"/>
-              </a:rPr>
-              <a:t> </a:t>
-            </a:r>
-            <a:r>
-              <a:rPr lang="en-GB" sz="700" dirty="0" err="1" smtClean="0">
-                <a:solidFill>
-                  <a:schemeClr val="tx1"/>
-                </a:solidFill>
-                <a:latin typeface="Consolas" pitchFamily="49" charset="0"/>
-              </a:rPr>
-              <a:t>imageNum</a:t>
-            </a:r>
-            <a:r>
-              <a:rPr lang="en-GB" sz="700" dirty="0" smtClean="0">
-                <a:solidFill>
-                  <a:schemeClr val="tx1"/>
-                </a:solidFill>
-                <a:latin typeface="Consolas" pitchFamily="49" charset="0"/>
-              </a:rPr>
-              <a:t>;</a:t>
-            </a:r>
-          </a:p>
-          <a:p>
-            <a:pPr algn="l"/>
-            <a:r>
-              <a:rPr lang="en-GB" sz="700" dirty="0" smtClean="0">
-                <a:solidFill>
-                  <a:schemeClr val="tx1"/>
-                </a:solidFill>
-                <a:latin typeface="Consolas" pitchFamily="49" charset="0"/>
-              </a:rPr>
-              <a:t>        public </a:t>
-            </a:r>
-            <a:r>
-              <a:rPr lang="en-GB" sz="700" dirty="0" err="1" smtClean="0">
-                <a:solidFill>
-                  <a:schemeClr val="tx1"/>
-                </a:solidFill>
-                <a:latin typeface="Consolas" pitchFamily="49" charset="0"/>
-              </a:rPr>
-              <a:t>FileStream</a:t>
-            </a:r>
-            <a:r>
-              <a:rPr lang="en-GB" sz="700" dirty="0" smtClean="0">
-                <a:solidFill>
-                  <a:schemeClr val="tx1"/>
-                </a:solidFill>
-                <a:latin typeface="Consolas" pitchFamily="49" charset="0"/>
-              </a:rPr>
-              <a:t> </a:t>
-            </a:r>
-            <a:r>
-              <a:rPr lang="en-GB" sz="700" dirty="0" err="1" smtClean="0">
-                <a:solidFill>
-                  <a:schemeClr val="tx1"/>
-                </a:solidFill>
-                <a:latin typeface="Consolas" pitchFamily="49" charset="0"/>
-              </a:rPr>
-              <a:t>fs</a:t>
-            </a:r>
-            <a:r>
-              <a:rPr lang="en-GB" sz="700" dirty="0" smtClean="0">
-                <a:solidFill>
-                  <a:schemeClr val="tx1"/>
-                </a:solidFill>
-                <a:latin typeface="Consolas" pitchFamily="49" charset="0"/>
-              </a:rPr>
-              <a:t>;</a:t>
-            </a:r>
-          </a:p>
-          <a:p>
-            <a:pPr algn="l"/>
-            <a:r>
-              <a:rPr lang="en-GB" sz="700" dirty="0" smtClean="0">
-                <a:solidFill>
-                  <a:schemeClr val="tx1"/>
-                </a:solidFill>
-                <a:latin typeface="Consolas" pitchFamily="49" charset="0"/>
-              </a:rPr>
-              <a:t>    }</a:t>
-            </a:r>
-          </a:p>
-          <a:p>
-            <a:pPr algn="l"/>
-            <a:r>
-              <a:rPr lang="en-GB" sz="700" dirty="0" smtClean="0">
-                <a:solidFill>
-                  <a:schemeClr val="tx1"/>
-                </a:solidFill>
-                <a:latin typeface="Consolas" pitchFamily="49" charset="0"/>
-              </a:rPr>
-              <a:t> </a:t>
-            </a:r>
-          </a:p>
-          <a:p>
-            <a:pPr algn="l"/>
-            <a:r>
-              <a:rPr lang="en-GB" sz="700" dirty="0" smtClean="0">
-                <a:solidFill>
-                  <a:schemeClr val="tx1"/>
-                </a:solidFill>
-                <a:latin typeface="Consolas" pitchFamily="49" charset="0"/>
-              </a:rPr>
-              <a:t> </a:t>
-            </a:r>
-            <a:endParaRPr lang="en-GB" sz="700" dirty="0">
-              <a:solidFill>
-                <a:schemeClr val="tx1"/>
-              </a:solidFill>
-              <a:latin typeface="Consolas" pitchFamily="49" charset="0"/>
-            </a:endParaRPr>
-          </a:p>
-        </p:txBody>
-      </p:sp>
-      <p:sp>
-        <p:nvSpPr>
-          <p:cNvPr id="8" name="Folded Corner 7"/>
-          <p:cNvSpPr/>
-          <p:nvPr/>
-        </p:nvSpPr>
-        <p:spPr>
-          <a:xfrm>
-            <a:off x="1828800" y="1371600"/>
-            <a:ext cx="3749992" cy="4974825"/>
-          </a:xfrm>
-          <a:prstGeom prst="foldedCorner">
-            <a:avLst/>
-          </a:prstGeom>
-          <a:solidFill>
-            <a:schemeClr val="bg1">
-              <a:lumMod val="85000"/>
-            </a:schemeClr>
-          </a:solidFill>
-        </p:spPr>
-        <p:style>
-          <a:lnRef idx="2">
-            <a:schemeClr val="accent1">
-              <a:shade val="50000"/>
-            </a:schemeClr>
-          </a:lnRef>
-          <a:fillRef idx="1">
-            <a:schemeClr val="accent1"/>
-          </a:fillRef>
-          <a:effectRef idx="0">
-            <a:schemeClr val="accent1"/>
-          </a:effectRef>
-          <a:fontRef idx="minor">
-            <a:schemeClr val="lt1"/>
-          </a:fontRef>
-        </p:style>
-        <p:txBody>
-          <a:bodyPr wrap="square" lIns="36000" tIns="36000" rIns="36000" bIns="36000" rtlCol="0" anchor="ctr">
-            <a:spAutoFit/>
-          </a:bodyPr>
-          <a:lstStyle/>
-          <a:p>
-            <a:pPr algn="l"/>
-            <a:r>
-              <a:rPr lang="en-GB" sz="700" dirty="0" smtClean="0">
-                <a:solidFill>
-                  <a:schemeClr val="tx1"/>
-                </a:solidFill>
-                <a:latin typeface="Consolas" pitchFamily="49" charset="0"/>
-              </a:rPr>
-              <a:t>    public static void </a:t>
-            </a:r>
-            <a:r>
-              <a:rPr lang="en-GB" sz="700" dirty="0" err="1" smtClean="0">
-                <a:solidFill>
-                  <a:schemeClr val="tx1"/>
-                </a:solidFill>
-                <a:latin typeface="Consolas" pitchFamily="49" charset="0"/>
-              </a:rPr>
-              <a:t>ReadInImageCallback</a:t>
-            </a:r>
-            <a:r>
-              <a:rPr lang="en-GB" sz="700" dirty="0" smtClean="0">
-                <a:solidFill>
-                  <a:schemeClr val="tx1"/>
-                </a:solidFill>
-                <a:latin typeface="Consolas" pitchFamily="49" charset="0"/>
-              </a:rPr>
-              <a:t>(</a:t>
-            </a:r>
-            <a:r>
-              <a:rPr lang="en-GB" sz="700" dirty="0" err="1" smtClean="0">
-                <a:solidFill>
-                  <a:schemeClr val="tx1"/>
-                </a:solidFill>
-                <a:latin typeface="Consolas" pitchFamily="49" charset="0"/>
-              </a:rPr>
-              <a:t>IAsyncResult</a:t>
-            </a:r>
-            <a:r>
-              <a:rPr lang="en-GB" sz="700" dirty="0" smtClean="0">
-                <a:solidFill>
-                  <a:schemeClr val="tx1"/>
-                </a:solidFill>
-                <a:latin typeface="Consolas" pitchFamily="49" charset="0"/>
-              </a:rPr>
-              <a:t> </a:t>
-            </a:r>
-            <a:r>
-              <a:rPr lang="en-GB" sz="700" dirty="0" err="1" smtClean="0">
-                <a:solidFill>
-                  <a:schemeClr val="tx1"/>
-                </a:solidFill>
-                <a:latin typeface="Consolas" pitchFamily="49" charset="0"/>
-              </a:rPr>
-              <a:t>asyncResult</a:t>
-            </a:r>
-            <a:r>
-              <a:rPr lang="en-GB" sz="700" dirty="0" smtClean="0">
-                <a:solidFill>
-                  <a:schemeClr val="tx1"/>
-                </a:solidFill>
-                <a:latin typeface="Consolas" pitchFamily="49" charset="0"/>
-              </a:rPr>
-              <a:t>)</a:t>
-            </a:r>
-          </a:p>
-          <a:p>
-            <a:pPr algn="l"/>
-            <a:r>
-              <a:rPr lang="en-GB" sz="700" dirty="0" smtClean="0">
-                <a:solidFill>
-                  <a:schemeClr val="tx1"/>
-                </a:solidFill>
-                <a:latin typeface="Consolas" pitchFamily="49" charset="0"/>
-              </a:rPr>
-              <a:t>    {</a:t>
-            </a:r>
-          </a:p>
-          <a:p>
-            <a:pPr algn="l"/>
-            <a:r>
-              <a:rPr lang="en-GB" sz="700" dirty="0" smtClean="0">
-                <a:solidFill>
-                  <a:schemeClr val="tx1"/>
-                </a:solidFill>
-                <a:latin typeface="Consolas" pitchFamily="49" charset="0"/>
-              </a:rPr>
-              <a:t>        </a:t>
-            </a:r>
-            <a:r>
-              <a:rPr lang="en-GB" sz="700" dirty="0" err="1" smtClean="0">
-                <a:solidFill>
-                  <a:schemeClr val="tx1"/>
-                </a:solidFill>
-                <a:latin typeface="Consolas" pitchFamily="49" charset="0"/>
-              </a:rPr>
-              <a:t>ImageStateObject</a:t>
-            </a:r>
-            <a:r>
-              <a:rPr lang="en-GB" sz="700" dirty="0" smtClean="0">
-                <a:solidFill>
-                  <a:schemeClr val="tx1"/>
-                </a:solidFill>
-                <a:latin typeface="Consolas" pitchFamily="49" charset="0"/>
-              </a:rPr>
-              <a:t> state = (</a:t>
-            </a:r>
-            <a:r>
-              <a:rPr lang="en-GB" sz="700" dirty="0" err="1" smtClean="0">
-                <a:solidFill>
-                  <a:schemeClr val="tx1"/>
-                </a:solidFill>
-                <a:latin typeface="Consolas" pitchFamily="49" charset="0"/>
-              </a:rPr>
-              <a:t>ImageStateObject</a:t>
-            </a:r>
-            <a:r>
-              <a:rPr lang="en-GB" sz="700" dirty="0" smtClean="0">
-                <a:solidFill>
-                  <a:schemeClr val="tx1"/>
-                </a:solidFill>
-                <a:latin typeface="Consolas" pitchFamily="49" charset="0"/>
-              </a:rPr>
-              <a:t>)</a:t>
-            </a:r>
-            <a:r>
-              <a:rPr lang="en-GB" sz="700" dirty="0" err="1" smtClean="0">
-                <a:solidFill>
-                  <a:schemeClr val="tx1"/>
-                </a:solidFill>
-                <a:latin typeface="Consolas" pitchFamily="49" charset="0"/>
-              </a:rPr>
-              <a:t>asyncResult.AsyncState</a:t>
-            </a:r>
-            <a:r>
-              <a:rPr lang="en-GB" sz="700" dirty="0" smtClean="0">
-                <a:solidFill>
-                  <a:schemeClr val="tx1"/>
-                </a:solidFill>
-                <a:latin typeface="Consolas" pitchFamily="49" charset="0"/>
-              </a:rPr>
-              <a:t>;</a:t>
-            </a:r>
-          </a:p>
-          <a:p>
-            <a:pPr algn="l"/>
-            <a:r>
-              <a:rPr lang="en-GB" sz="700" dirty="0" smtClean="0">
-                <a:solidFill>
-                  <a:schemeClr val="tx1"/>
-                </a:solidFill>
-                <a:latin typeface="Consolas" pitchFamily="49" charset="0"/>
-              </a:rPr>
-              <a:t>        Stream </a:t>
-            </a:r>
-            <a:r>
-              <a:rPr lang="en-GB" sz="700" dirty="0" err="1" smtClean="0">
-                <a:solidFill>
-                  <a:schemeClr val="tx1"/>
-                </a:solidFill>
-                <a:latin typeface="Consolas" pitchFamily="49" charset="0"/>
-              </a:rPr>
-              <a:t>stream</a:t>
-            </a:r>
-            <a:r>
-              <a:rPr lang="en-GB" sz="700" dirty="0" smtClean="0">
-                <a:solidFill>
-                  <a:schemeClr val="tx1"/>
-                </a:solidFill>
-                <a:latin typeface="Consolas" pitchFamily="49" charset="0"/>
-              </a:rPr>
-              <a:t> = </a:t>
-            </a:r>
-            <a:r>
-              <a:rPr lang="en-GB" sz="700" dirty="0" err="1" smtClean="0">
-                <a:solidFill>
-                  <a:schemeClr val="tx1"/>
-                </a:solidFill>
-                <a:latin typeface="Consolas" pitchFamily="49" charset="0"/>
-              </a:rPr>
-              <a:t>state.fs</a:t>
-            </a:r>
-            <a:r>
-              <a:rPr lang="en-GB" sz="700" dirty="0" smtClean="0">
-                <a:solidFill>
-                  <a:schemeClr val="tx1"/>
-                </a:solidFill>
-                <a:latin typeface="Consolas" pitchFamily="49" charset="0"/>
-              </a:rPr>
-              <a:t>;</a:t>
-            </a:r>
-          </a:p>
-          <a:p>
-            <a:pPr algn="l"/>
-            <a:r>
-              <a:rPr lang="en-GB" sz="700" dirty="0" smtClean="0">
-                <a:solidFill>
-                  <a:schemeClr val="tx1"/>
-                </a:solidFill>
-                <a:latin typeface="Consolas" pitchFamily="49" charset="0"/>
-              </a:rPr>
-              <a:t>        </a:t>
-            </a:r>
-            <a:r>
-              <a:rPr lang="en-GB" sz="700" dirty="0" err="1" smtClean="0">
-                <a:solidFill>
-                  <a:schemeClr val="tx1"/>
-                </a:solidFill>
-                <a:latin typeface="Consolas" pitchFamily="49" charset="0"/>
-              </a:rPr>
-              <a:t>int</a:t>
-            </a:r>
-            <a:r>
-              <a:rPr lang="en-GB" sz="700" dirty="0" smtClean="0">
-                <a:solidFill>
-                  <a:schemeClr val="tx1"/>
-                </a:solidFill>
-                <a:latin typeface="Consolas" pitchFamily="49" charset="0"/>
-              </a:rPr>
-              <a:t> </a:t>
-            </a:r>
-            <a:r>
-              <a:rPr lang="en-GB" sz="700" dirty="0" err="1" smtClean="0">
-                <a:solidFill>
-                  <a:schemeClr val="tx1"/>
-                </a:solidFill>
-                <a:latin typeface="Consolas" pitchFamily="49" charset="0"/>
-              </a:rPr>
-              <a:t>bytesRead</a:t>
-            </a:r>
-            <a:r>
-              <a:rPr lang="en-GB" sz="700" dirty="0" smtClean="0">
-                <a:solidFill>
-                  <a:schemeClr val="tx1"/>
-                </a:solidFill>
-                <a:latin typeface="Consolas" pitchFamily="49" charset="0"/>
-              </a:rPr>
-              <a:t> = </a:t>
-            </a:r>
-            <a:r>
-              <a:rPr lang="en-GB" sz="700" dirty="0" err="1" smtClean="0">
-                <a:solidFill>
-                  <a:schemeClr val="tx1"/>
-                </a:solidFill>
-                <a:latin typeface="Consolas" pitchFamily="49" charset="0"/>
-              </a:rPr>
-              <a:t>stream.EndRead</a:t>
-            </a:r>
-            <a:r>
-              <a:rPr lang="en-GB" sz="700" dirty="0" smtClean="0">
-                <a:solidFill>
-                  <a:schemeClr val="tx1"/>
-                </a:solidFill>
-                <a:latin typeface="Consolas" pitchFamily="49" charset="0"/>
-              </a:rPr>
-              <a:t>(</a:t>
-            </a:r>
-            <a:r>
-              <a:rPr lang="en-GB" sz="700" dirty="0" err="1" smtClean="0">
-                <a:solidFill>
-                  <a:schemeClr val="tx1"/>
-                </a:solidFill>
-                <a:latin typeface="Consolas" pitchFamily="49" charset="0"/>
-              </a:rPr>
-              <a:t>asyncResult</a:t>
-            </a:r>
-            <a:r>
-              <a:rPr lang="en-GB" sz="700" dirty="0" smtClean="0">
-                <a:solidFill>
-                  <a:schemeClr val="tx1"/>
-                </a:solidFill>
-                <a:latin typeface="Consolas" pitchFamily="49" charset="0"/>
-              </a:rPr>
-              <a:t>);</a:t>
-            </a:r>
-          </a:p>
-          <a:p>
-            <a:pPr algn="l"/>
-            <a:r>
-              <a:rPr lang="en-GB" sz="700" dirty="0" smtClean="0">
-                <a:solidFill>
-                  <a:schemeClr val="tx1"/>
-                </a:solidFill>
-                <a:latin typeface="Consolas" pitchFamily="49" charset="0"/>
-              </a:rPr>
-              <a:t>        if (</a:t>
-            </a:r>
-            <a:r>
-              <a:rPr lang="en-GB" sz="700" dirty="0" err="1" smtClean="0">
-                <a:solidFill>
-                  <a:schemeClr val="tx1"/>
-                </a:solidFill>
-                <a:latin typeface="Consolas" pitchFamily="49" charset="0"/>
-              </a:rPr>
-              <a:t>bytesRead</a:t>
-            </a:r>
-            <a:r>
-              <a:rPr lang="en-GB" sz="700" dirty="0" smtClean="0">
-                <a:solidFill>
-                  <a:schemeClr val="tx1"/>
-                </a:solidFill>
-                <a:latin typeface="Consolas" pitchFamily="49" charset="0"/>
-              </a:rPr>
-              <a:t> != </a:t>
-            </a:r>
-            <a:r>
-              <a:rPr lang="en-GB" sz="700" dirty="0" err="1" smtClean="0">
-                <a:solidFill>
-                  <a:schemeClr val="tx1"/>
-                </a:solidFill>
-                <a:latin typeface="Consolas" pitchFamily="49" charset="0"/>
-              </a:rPr>
-              <a:t>numPixels</a:t>
-            </a:r>
-            <a:r>
-              <a:rPr lang="en-GB" sz="700" dirty="0" smtClean="0">
-                <a:solidFill>
-                  <a:schemeClr val="tx1"/>
-                </a:solidFill>
-                <a:latin typeface="Consolas" pitchFamily="49" charset="0"/>
-              </a:rPr>
-              <a:t>)</a:t>
-            </a:r>
-          </a:p>
-          <a:p>
-            <a:pPr algn="l"/>
-            <a:r>
-              <a:rPr lang="en-GB" sz="700" dirty="0" smtClean="0">
-                <a:solidFill>
-                  <a:schemeClr val="tx1"/>
-                </a:solidFill>
-                <a:latin typeface="Consolas" pitchFamily="49" charset="0"/>
-              </a:rPr>
-              <a:t>            throw new Exception(</a:t>
-            </a:r>
-            <a:r>
-              <a:rPr lang="en-GB" sz="700" dirty="0" err="1" smtClean="0">
-                <a:solidFill>
-                  <a:schemeClr val="tx1"/>
-                </a:solidFill>
-                <a:latin typeface="Consolas" pitchFamily="49" charset="0"/>
-              </a:rPr>
-              <a:t>String.Format</a:t>
-            </a:r>
-            <a:endParaRPr lang="en-GB" sz="700" dirty="0" smtClean="0">
-              <a:solidFill>
-                <a:schemeClr val="tx1"/>
-              </a:solidFill>
-              <a:latin typeface="Consolas" pitchFamily="49" charset="0"/>
-            </a:endParaRPr>
-          </a:p>
-          <a:p>
-            <a:pPr algn="l"/>
-            <a:r>
-              <a:rPr lang="en-GB" sz="700" dirty="0" smtClean="0">
-                <a:solidFill>
-                  <a:schemeClr val="tx1"/>
-                </a:solidFill>
-                <a:latin typeface="Consolas" pitchFamily="49" charset="0"/>
-              </a:rPr>
-              <a:t>                ("In </a:t>
-            </a:r>
-            <a:r>
-              <a:rPr lang="en-GB" sz="700" dirty="0" err="1" smtClean="0">
-                <a:solidFill>
-                  <a:schemeClr val="tx1"/>
-                </a:solidFill>
-                <a:latin typeface="Consolas" pitchFamily="49" charset="0"/>
-              </a:rPr>
-              <a:t>ReadInImageCallback</a:t>
-            </a:r>
-            <a:r>
-              <a:rPr lang="en-GB" sz="700" dirty="0" smtClean="0">
-                <a:solidFill>
-                  <a:schemeClr val="tx1"/>
-                </a:solidFill>
-                <a:latin typeface="Consolas" pitchFamily="49" charset="0"/>
-              </a:rPr>
-              <a:t>, got the wrong number of " +</a:t>
-            </a:r>
-          </a:p>
-          <a:p>
-            <a:pPr algn="l"/>
-            <a:r>
-              <a:rPr lang="en-GB" sz="700" dirty="0" smtClean="0">
-                <a:solidFill>
-                  <a:schemeClr val="tx1"/>
-                </a:solidFill>
-                <a:latin typeface="Consolas" pitchFamily="49" charset="0"/>
-              </a:rPr>
-              <a:t>                "bytes from the image: {0}.", </a:t>
-            </a:r>
-            <a:r>
-              <a:rPr lang="en-GB" sz="700" dirty="0" err="1" smtClean="0">
-                <a:solidFill>
-                  <a:schemeClr val="tx1"/>
-                </a:solidFill>
-                <a:latin typeface="Consolas" pitchFamily="49" charset="0"/>
-              </a:rPr>
-              <a:t>bytesRead</a:t>
-            </a:r>
-            <a:r>
-              <a:rPr lang="en-GB" sz="700" dirty="0" smtClean="0">
-                <a:solidFill>
-                  <a:schemeClr val="tx1"/>
-                </a:solidFill>
-                <a:latin typeface="Consolas" pitchFamily="49" charset="0"/>
-              </a:rPr>
-              <a:t>));</a:t>
-            </a:r>
-          </a:p>
-          <a:p>
-            <a:pPr algn="l"/>
-            <a:r>
-              <a:rPr lang="en-GB" sz="700" dirty="0" smtClean="0">
-                <a:solidFill>
-                  <a:schemeClr val="tx1"/>
-                </a:solidFill>
-                <a:latin typeface="Consolas" pitchFamily="49" charset="0"/>
-              </a:rPr>
-              <a:t>        </a:t>
-            </a:r>
-            <a:r>
-              <a:rPr lang="en-GB" sz="700" dirty="0" err="1" smtClean="0">
-                <a:solidFill>
-                  <a:schemeClr val="tx1"/>
-                </a:solidFill>
-                <a:latin typeface="Consolas" pitchFamily="49" charset="0"/>
-              </a:rPr>
-              <a:t>ProcessImage</a:t>
-            </a:r>
-            <a:r>
-              <a:rPr lang="en-GB" sz="700" dirty="0" smtClean="0">
-                <a:solidFill>
-                  <a:schemeClr val="tx1"/>
-                </a:solidFill>
-                <a:latin typeface="Consolas" pitchFamily="49" charset="0"/>
-              </a:rPr>
-              <a:t>(</a:t>
-            </a:r>
-            <a:r>
-              <a:rPr lang="en-GB" sz="700" dirty="0" err="1" smtClean="0">
-                <a:solidFill>
-                  <a:schemeClr val="tx1"/>
-                </a:solidFill>
-                <a:latin typeface="Consolas" pitchFamily="49" charset="0"/>
-              </a:rPr>
-              <a:t>state.pixels</a:t>
-            </a:r>
-            <a:r>
-              <a:rPr lang="en-GB" sz="700" dirty="0" smtClean="0">
-                <a:solidFill>
-                  <a:schemeClr val="tx1"/>
-                </a:solidFill>
-                <a:latin typeface="Consolas" pitchFamily="49" charset="0"/>
-              </a:rPr>
-              <a:t>, </a:t>
-            </a:r>
-            <a:r>
-              <a:rPr lang="en-GB" sz="700" dirty="0" err="1" smtClean="0">
-                <a:solidFill>
-                  <a:schemeClr val="tx1"/>
-                </a:solidFill>
-                <a:latin typeface="Consolas" pitchFamily="49" charset="0"/>
-              </a:rPr>
-              <a:t>state.imageNum</a:t>
-            </a:r>
-            <a:r>
-              <a:rPr lang="en-GB" sz="700" dirty="0" smtClean="0">
-                <a:solidFill>
-                  <a:schemeClr val="tx1"/>
-                </a:solidFill>
-                <a:latin typeface="Consolas" pitchFamily="49" charset="0"/>
-              </a:rPr>
-              <a:t>);</a:t>
-            </a:r>
-          </a:p>
-          <a:p>
-            <a:pPr algn="l"/>
-            <a:r>
-              <a:rPr lang="en-GB" sz="700" dirty="0" smtClean="0">
-                <a:solidFill>
-                  <a:schemeClr val="tx1"/>
-                </a:solidFill>
-                <a:latin typeface="Consolas" pitchFamily="49" charset="0"/>
-              </a:rPr>
-              <a:t>        </a:t>
-            </a:r>
-            <a:r>
-              <a:rPr lang="en-GB" sz="700" dirty="0" err="1" smtClean="0">
-                <a:solidFill>
-                  <a:schemeClr val="tx1"/>
-                </a:solidFill>
-                <a:latin typeface="Consolas" pitchFamily="49" charset="0"/>
-              </a:rPr>
-              <a:t>stream.Close</a:t>
-            </a:r>
-            <a:r>
-              <a:rPr lang="en-GB" sz="700" dirty="0" smtClean="0">
-                <a:solidFill>
-                  <a:schemeClr val="tx1"/>
-                </a:solidFill>
-                <a:latin typeface="Consolas" pitchFamily="49" charset="0"/>
-              </a:rPr>
-              <a:t>();</a:t>
-            </a:r>
-          </a:p>
-          <a:p>
-            <a:pPr algn="l"/>
-            <a:r>
-              <a:rPr lang="en-GB" sz="700" dirty="0" smtClean="0">
-                <a:solidFill>
-                  <a:schemeClr val="tx1"/>
-                </a:solidFill>
-                <a:latin typeface="Consolas" pitchFamily="49" charset="0"/>
-              </a:rPr>
-              <a:t> </a:t>
-            </a:r>
-          </a:p>
-          <a:p>
-            <a:pPr algn="l"/>
-            <a:r>
-              <a:rPr lang="en-GB" sz="700" dirty="0" smtClean="0">
-                <a:solidFill>
-                  <a:schemeClr val="tx1"/>
-                </a:solidFill>
-                <a:latin typeface="Consolas" pitchFamily="49" charset="0"/>
-              </a:rPr>
-              <a:t>        // Now write out the image.  </a:t>
-            </a:r>
-          </a:p>
-          <a:p>
-            <a:pPr algn="l"/>
-            <a:r>
-              <a:rPr lang="en-GB" sz="700" dirty="0" smtClean="0">
-                <a:solidFill>
-                  <a:schemeClr val="tx1"/>
-                </a:solidFill>
-                <a:latin typeface="Consolas" pitchFamily="49" charset="0"/>
-              </a:rPr>
-              <a:t>        // Using asynchronous I/O here appears not to be best practice.</a:t>
-            </a:r>
-          </a:p>
-          <a:p>
-            <a:pPr algn="l"/>
-            <a:r>
-              <a:rPr lang="en-GB" sz="700" dirty="0" smtClean="0">
-                <a:solidFill>
-                  <a:schemeClr val="tx1"/>
-                </a:solidFill>
-                <a:latin typeface="Consolas" pitchFamily="49" charset="0"/>
-              </a:rPr>
-              <a:t>        // It ends up swamping the </a:t>
-            </a:r>
-            <a:r>
-              <a:rPr lang="en-GB" sz="700" dirty="0" err="1" smtClean="0">
-                <a:solidFill>
-                  <a:schemeClr val="tx1"/>
-                </a:solidFill>
-                <a:latin typeface="Consolas" pitchFamily="49" charset="0"/>
-              </a:rPr>
-              <a:t>threadpool</a:t>
-            </a:r>
-            <a:r>
-              <a:rPr lang="en-GB" sz="700" dirty="0" smtClean="0">
-                <a:solidFill>
-                  <a:schemeClr val="tx1"/>
-                </a:solidFill>
-                <a:latin typeface="Consolas" pitchFamily="49" charset="0"/>
-              </a:rPr>
-              <a:t>, because the </a:t>
-            </a:r>
-            <a:r>
-              <a:rPr lang="en-GB" sz="700" dirty="0" err="1" smtClean="0">
-                <a:solidFill>
-                  <a:schemeClr val="tx1"/>
-                </a:solidFill>
-                <a:latin typeface="Consolas" pitchFamily="49" charset="0"/>
-              </a:rPr>
-              <a:t>threadpool</a:t>
-            </a:r>
-            <a:endParaRPr lang="en-GB" sz="700" dirty="0" smtClean="0">
-              <a:solidFill>
-                <a:schemeClr val="tx1"/>
-              </a:solidFill>
-              <a:latin typeface="Consolas" pitchFamily="49" charset="0"/>
-            </a:endParaRPr>
-          </a:p>
-          <a:p>
-            <a:pPr algn="l"/>
-            <a:r>
-              <a:rPr lang="en-GB" sz="700" dirty="0" smtClean="0">
-                <a:solidFill>
-                  <a:schemeClr val="tx1"/>
-                </a:solidFill>
-                <a:latin typeface="Consolas" pitchFamily="49" charset="0"/>
-              </a:rPr>
-              <a:t>        // threads are blocked on I/O requests that were just queued to</a:t>
-            </a:r>
-          </a:p>
-          <a:p>
-            <a:pPr algn="l"/>
-            <a:r>
-              <a:rPr lang="en-GB" sz="700" dirty="0" smtClean="0">
-                <a:solidFill>
-                  <a:schemeClr val="tx1"/>
-                </a:solidFill>
-                <a:latin typeface="Consolas" pitchFamily="49" charset="0"/>
-              </a:rPr>
-              <a:t>        // the </a:t>
-            </a:r>
-            <a:r>
-              <a:rPr lang="en-GB" sz="700" dirty="0" err="1" smtClean="0">
-                <a:solidFill>
-                  <a:schemeClr val="tx1"/>
-                </a:solidFill>
-                <a:latin typeface="Consolas" pitchFamily="49" charset="0"/>
-              </a:rPr>
-              <a:t>threadpool</a:t>
-            </a:r>
-            <a:r>
-              <a:rPr lang="en-GB" sz="700" dirty="0" smtClean="0">
-                <a:solidFill>
-                  <a:schemeClr val="tx1"/>
-                </a:solidFill>
-                <a:latin typeface="Consolas" pitchFamily="49" charset="0"/>
-              </a:rPr>
-              <a:t>. </a:t>
-            </a:r>
-          </a:p>
-          <a:p>
-            <a:pPr algn="l"/>
-            <a:r>
-              <a:rPr lang="en-GB" sz="700" dirty="0" smtClean="0">
-                <a:solidFill>
-                  <a:schemeClr val="tx1"/>
-                </a:solidFill>
-                <a:latin typeface="Consolas" pitchFamily="49" charset="0"/>
-              </a:rPr>
-              <a:t>        </a:t>
-            </a:r>
-            <a:r>
-              <a:rPr lang="en-GB" sz="700" dirty="0" err="1" smtClean="0">
-                <a:solidFill>
-                  <a:schemeClr val="tx1"/>
-                </a:solidFill>
-                <a:latin typeface="Consolas" pitchFamily="49" charset="0"/>
-              </a:rPr>
-              <a:t>FileStream</a:t>
-            </a:r>
-            <a:r>
-              <a:rPr lang="en-GB" sz="700" dirty="0" smtClean="0">
-                <a:solidFill>
-                  <a:schemeClr val="tx1"/>
-                </a:solidFill>
-                <a:latin typeface="Consolas" pitchFamily="49" charset="0"/>
-              </a:rPr>
-              <a:t> </a:t>
-            </a:r>
-            <a:r>
-              <a:rPr lang="en-GB" sz="700" dirty="0" err="1" smtClean="0">
-                <a:solidFill>
-                  <a:schemeClr val="tx1"/>
-                </a:solidFill>
-                <a:latin typeface="Consolas" pitchFamily="49" charset="0"/>
-              </a:rPr>
-              <a:t>fs</a:t>
-            </a:r>
-            <a:r>
-              <a:rPr lang="en-GB" sz="700" dirty="0" smtClean="0">
-                <a:solidFill>
-                  <a:schemeClr val="tx1"/>
-                </a:solidFill>
-                <a:latin typeface="Consolas" pitchFamily="49" charset="0"/>
-              </a:rPr>
-              <a:t> = new </a:t>
-            </a:r>
-            <a:r>
-              <a:rPr lang="en-GB" sz="700" dirty="0" err="1" smtClean="0">
-                <a:solidFill>
-                  <a:schemeClr val="tx1"/>
-                </a:solidFill>
-                <a:latin typeface="Consolas" pitchFamily="49" charset="0"/>
-              </a:rPr>
-              <a:t>FileStream</a:t>
-            </a:r>
-            <a:r>
-              <a:rPr lang="en-GB" sz="700" dirty="0" smtClean="0">
-                <a:solidFill>
-                  <a:schemeClr val="tx1"/>
-                </a:solidFill>
-                <a:latin typeface="Consolas" pitchFamily="49" charset="0"/>
-              </a:rPr>
-              <a:t>(</a:t>
-            </a:r>
-            <a:r>
-              <a:rPr lang="en-GB" sz="700" dirty="0" err="1" smtClean="0">
-                <a:solidFill>
-                  <a:schemeClr val="tx1"/>
-                </a:solidFill>
-                <a:latin typeface="Consolas" pitchFamily="49" charset="0"/>
-              </a:rPr>
-              <a:t>ImageBaseName</a:t>
-            </a:r>
-            <a:r>
-              <a:rPr lang="en-GB" sz="700" dirty="0" smtClean="0">
-                <a:solidFill>
-                  <a:schemeClr val="tx1"/>
-                </a:solidFill>
-                <a:latin typeface="Consolas" pitchFamily="49" charset="0"/>
-              </a:rPr>
-              <a:t> + </a:t>
-            </a:r>
-            <a:r>
-              <a:rPr lang="en-GB" sz="700" dirty="0" err="1" smtClean="0">
-                <a:solidFill>
-                  <a:schemeClr val="tx1"/>
-                </a:solidFill>
-                <a:latin typeface="Consolas" pitchFamily="49" charset="0"/>
-              </a:rPr>
-              <a:t>state.imageNum</a:t>
-            </a:r>
-            <a:r>
-              <a:rPr lang="en-GB" sz="700" dirty="0" smtClean="0">
-                <a:solidFill>
-                  <a:schemeClr val="tx1"/>
-                </a:solidFill>
-                <a:latin typeface="Consolas" pitchFamily="49" charset="0"/>
-              </a:rPr>
-              <a:t> +</a:t>
-            </a:r>
-          </a:p>
-          <a:p>
-            <a:pPr algn="l"/>
-            <a:r>
-              <a:rPr lang="en-GB" sz="700" dirty="0" smtClean="0">
-                <a:solidFill>
-                  <a:schemeClr val="tx1"/>
-                </a:solidFill>
-                <a:latin typeface="Consolas" pitchFamily="49" charset="0"/>
-              </a:rPr>
-              <a:t>            ".done", </a:t>
-            </a:r>
-            <a:r>
-              <a:rPr lang="en-GB" sz="700" dirty="0" err="1" smtClean="0">
-                <a:solidFill>
-                  <a:schemeClr val="tx1"/>
-                </a:solidFill>
-                <a:latin typeface="Consolas" pitchFamily="49" charset="0"/>
-              </a:rPr>
-              <a:t>FileMode.Create</a:t>
-            </a:r>
-            <a:r>
-              <a:rPr lang="en-GB" sz="700" dirty="0" smtClean="0">
-                <a:solidFill>
-                  <a:schemeClr val="tx1"/>
-                </a:solidFill>
-                <a:latin typeface="Consolas" pitchFamily="49" charset="0"/>
-              </a:rPr>
-              <a:t>, </a:t>
-            </a:r>
-            <a:r>
-              <a:rPr lang="en-GB" sz="700" dirty="0" err="1" smtClean="0">
-                <a:solidFill>
-                  <a:schemeClr val="tx1"/>
-                </a:solidFill>
-                <a:latin typeface="Consolas" pitchFamily="49" charset="0"/>
-              </a:rPr>
-              <a:t>FileAccess.Write</a:t>
-            </a:r>
-            <a:r>
-              <a:rPr lang="en-GB" sz="700" dirty="0" smtClean="0">
-                <a:solidFill>
-                  <a:schemeClr val="tx1"/>
-                </a:solidFill>
-                <a:latin typeface="Consolas" pitchFamily="49" charset="0"/>
-              </a:rPr>
-              <a:t>, </a:t>
-            </a:r>
-            <a:r>
-              <a:rPr lang="en-GB" sz="700" dirty="0" err="1" smtClean="0">
-                <a:solidFill>
-                  <a:schemeClr val="tx1"/>
-                </a:solidFill>
-                <a:latin typeface="Consolas" pitchFamily="49" charset="0"/>
-              </a:rPr>
-              <a:t>FileShare.None</a:t>
-            </a:r>
-            <a:r>
-              <a:rPr lang="en-GB" sz="700" dirty="0" smtClean="0">
-                <a:solidFill>
-                  <a:schemeClr val="tx1"/>
-                </a:solidFill>
-                <a:latin typeface="Consolas" pitchFamily="49" charset="0"/>
-              </a:rPr>
-              <a:t>,</a:t>
-            </a:r>
-          </a:p>
-          <a:p>
-            <a:pPr algn="l"/>
-            <a:r>
-              <a:rPr lang="en-GB" sz="700" dirty="0" smtClean="0">
-                <a:solidFill>
-                  <a:schemeClr val="tx1"/>
-                </a:solidFill>
-                <a:latin typeface="Consolas" pitchFamily="49" charset="0"/>
-              </a:rPr>
-              <a:t>            4096, false);</a:t>
-            </a:r>
-          </a:p>
-          <a:p>
-            <a:pPr algn="l"/>
-            <a:r>
-              <a:rPr lang="en-GB" sz="700" dirty="0" smtClean="0">
-                <a:solidFill>
-                  <a:schemeClr val="tx1"/>
-                </a:solidFill>
-                <a:latin typeface="Consolas" pitchFamily="49" charset="0"/>
-              </a:rPr>
-              <a:t>        </a:t>
-            </a:r>
-            <a:r>
-              <a:rPr lang="en-GB" sz="700" dirty="0" err="1" smtClean="0">
-                <a:solidFill>
-                  <a:schemeClr val="tx1"/>
-                </a:solidFill>
-                <a:latin typeface="Consolas" pitchFamily="49" charset="0"/>
-              </a:rPr>
-              <a:t>fs.Write</a:t>
-            </a:r>
-            <a:r>
-              <a:rPr lang="en-GB" sz="700" dirty="0" smtClean="0">
-                <a:solidFill>
-                  <a:schemeClr val="tx1"/>
-                </a:solidFill>
-                <a:latin typeface="Consolas" pitchFamily="49" charset="0"/>
-              </a:rPr>
-              <a:t>(</a:t>
-            </a:r>
-            <a:r>
-              <a:rPr lang="en-GB" sz="700" dirty="0" err="1" smtClean="0">
-                <a:solidFill>
-                  <a:schemeClr val="tx1"/>
-                </a:solidFill>
-                <a:latin typeface="Consolas" pitchFamily="49" charset="0"/>
-              </a:rPr>
-              <a:t>state.pixels</a:t>
-            </a:r>
-            <a:r>
-              <a:rPr lang="en-GB" sz="700" dirty="0" smtClean="0">
-                <a:solidFill>
-                  <a:schemeClr val="tx1"/>
-                </a:solidFill>
-                <a:latin typeface="Consolas" pitchFamily="49" charset="0"/>
-              </a:rPr>
-              <a:t>, 0, </a:t>
-            </a:r>
-            <a:r>
-              <a:rPr lang="en-GB" sz="700" dirty="0" err="1" smtClean="0">
-                <a:solidFill>
-                  <a:schemeClr val="tx1"/>
-                </a:solidFill>
-                <a:latin typeface="Consolas" pitchFamily="49" charset="0"/>
-              </a:rPr>
-              <a:t>numPixels</a:t>
-            </a:r>
-            <a:r>
-              <a:rPr lang="en-GB" sz="700" dirty="0" smtClean="0">
-                <a:solidFill>
-                  <a:schemeClr val="tx1"/>
-                </a:solidFill>
-                <a:latin typeface="Consolas" pitchFamily="49" charset="0"/>
-              </a:rPr>
-              <a:t>);</a:t>
-            </a:r>
-          </a:p>
-          <a:p>
-            <a:pPr algn="l"/>
-            <a:r>
-              <a:rPr lang="en-GB" sz="700" dirty="0" smtClean="0">
-                <a:solidFill>
-                  <a:schemeClr val="tx1"/>
-                </a:solidFill>
-                <a:latin typeface="Consolas" pitchFamily="49" charset="0"/>
-              </a:rPr>
-              <a:t>        </a:t>
-            </a:r>
-            <a:r>
-              <a:rPr lang="en-GB" sz="700" dirty="0" err="1" smtClean="0">
-                <a:solidFill>
-                  <a:schemeClr val="tx1"/>
-                </a:solidFill>
-                <a:latin typeface="Consolas" pitchFamily="49" charset="0"/>
-              </a:rPr>
-              <a:t>fs.Close</a:t>
-            </a:r>
-            <a:r>
-              <a:rPr lang="en-GB" sz="700" dirty="0" smtClean="0">
-                <a:solidFill>
-                  <a:schemeClr val="tx1"/>
-                </a:solidFill>
-                <a:latin typeface="Consolas" pitchFamily="49" charset="0"/>
-              </a:rPr>
-              <a:t>();</a:t>
-            </a:r>
-          </a:p>
-          <a:p>
-            <a:pPr algn="l"/>
-            <a:r>
-              <a:rPr lang="en-GB" sz="700" dirty="0" smtClean="0">
-                <a:solidFill>
-                  <a:schemeClr val="tx1"/>
-                </a:solidFill>
-                <a:latin typeface="Consolas" pitchFamily="49" charset="0"/>
-              </a:rPr>
-              <a:t> </a:t>
-            </a:r>
-          </a:p>
-          <a:p>
-            <a:pPr algn="l"/>
-            <a:r>
-              <a:rPr lang="en-GB" sz="700" dirty="0" smtClean="0">
-                <a:solidFill>
-                  <a:schemeClr val="tx1"/>
-                </a:solidFill>
-                <a:latin typeface="Consolas" pitchFamily="49" charset="0"/>
-              </a:rPr>
-              <a:t>        // This application model uses too much memory.</a:t>
-            </a:r>
-          </a:p>
-          <a:p>
-            <a:pPr algn="l"/>
-            <a:r>
-              <a:rPr lang="en-GB" sz="700" dirty="0" smtClean="0">
-                <a:solidFill>
-                  <a:schemeClr val="tx1"/>
-                </a:solidFill>
-                <a:latin typeface="Consolas" pitchFamily="49" charset="0"/>
-              </a:rPr>
-              <a:t>        // Releasing memory as soon as possible is a good idea, </a:t>
-            </a:r>
-          </a:p>
-          <a:p>
-            <a:pPr algn="l"/>
-            <a:r>
-              <a:rPr lang="en-GB" sz="700" dirty="0" smtClean="0">
-                <a:solidFill>
-                  <a:schemeClr val="tx1"/>
-                </a:solidFill>
-                <a:latin typeface="Consolas" pitchFamily="49" charset="0"/>
-              </a:rPr>
-              <a:t>        // especially global state.</a:t>
-            </a:r>
-          </a:p>
-          <a:p>
-            <a:pPr algn="l"/>
-            <a:r>
-              <a:rPr lang="en-GB" sz="700" dirty="0" smtClean="0">
-                <a:solidFill>
-                  <a:schemeClr val="tx1"/>
-                </a:solidFill>
-                <a:latin typeface="Consolas" pitchFamily="49" charset="0"/>
-              </a:rPr>
-              <a:t>        </a:t>
-            </a:r>
-            <a:r>
-              <a:rPr lang="en-GB" sz="700" dirty="0" err="1" smtClean="0">
-                <a:solidFill>
-                  <a:schemeClr val="tx1"/>
-                </a:solidFill>
-                <a:latin typeface="Consolas" pitchFamily="49" charset="0"/>
-              </a:rPr>
-              <a:t>state.pixels</a:t>
-            </a:r>
-            <a:r>
-              <a:rPr lang="en-GB" sz="700" dirty="0" smtClean="0">
-                <a:solidFill>
-                  <a:schemeClr val="tx1"/>
-                </a:solidFill>
-                <a:latin typeface="Consolas" pitchFamily="49" charset="0"/>
-              </a:rPr>
-              <a:t> = null;</a:t>
-            </a:r>
-          </a:p>
-          <a:p>
-            <a:pPr algn="l"/>
-            <a:r>
-              <a:rPr lang="en-GB" sz="700" dirty="0" smtClean="0">
-                <a:solidFill>
-                  <a:schemeClr val="tx1"/>
-                </a:solidFill>
-                <a:latin typeface="Consolas" pitchFamily="49" charset="0"/>
-              </a:rPr>
-              <a:t>        </a:t>
-            </a:r>
-            <a:r>
-              <a:rPr lang="en-GB" sz="700" dirty="0" err="1" smtClean="0">
-                <a:solidFill>
-                  <a:schemeClr val="tx1"/>
-                </a:solidFill>
-                <a:latin typeface="Consolas" pitchFamily="49" charset="0"/>
-              </a:rPr>
-              <a:t>fs</a:t>
-            </a:r>
-            <a:r>
-              <a:rPr lang="en-GB" sz="700" dirty="0" smtClean="0">
-                <a:solidFill>
-                  <a:schemeClr val="tx1"/>
-                </a:solidFill>
-                <a:latin typeface="Consolas" pitchFamily="49" charset="0"/>
-              </a:rPr>
-              <a:t> = null;</a:t>
-            </a:r>
-          </a:p>
-          <a:p>
-            <a:pPr algn="l"/>
-            <a:r>
-              <a:rPr lang="en-GB" sz="700" dirty="0" smtClean="0">
-                <a:solidFill>
-                  <a:schemeClr val="tx1"/>
-                </a:solidFill>
-                <a:latin typeface="Consolas" pitchFamily="49" charset="0"/>
-              </a:rPr>
-              <a:t>        // Record that an image is finished now.</a:t>
-            </a:r>
-          </a:p>
-          <a:p>
-            <a:pPr algn="l"/>
-            <a:r>
-              <a:rPr lang="en-GB" sz="700" dirty="0" smtClean="0">
-                <a:solidFill>
-                  <a:schemeClr val="tx1"/>
-                </a:solidFill>
-                <a:latin typeface="Consolas" pitchFamily="49" charset="0"/>
-              </a:rPr>
-              <a:t>        lock (</a:t>
-            </a:r>
-            <a:r>
-              <a:rPr lang="en-GB" sz="700" dirty="0" err="1" smtClean="0">
-                <a:solidFill>
-                  <a:schemeClr val="tx1"/>
-                </a:solidFill>
-                <a:latin typeface="Consolas" pitchFamily="49" charset="0"/>
-              </a:rPr>
-              <a:t>NumImagesMutex</a:t>
-            </a:r>
-            <a:r>
-              <a:rPr lang="en-GB" sz="700" dirty="0" smtClean="0">
-                <a:solidFill>
-                  <a:schemeClr val="tx1"/>
-                </a:solidFill>
-                <a:latin typeface="Consolas" pitchFamily="49" charset="0"/>
-              </a:rPr>
-              <a:t>)</a:t>
-            </a:r>
-          </a:p>
-          <a:p>
-            <a:pPr algn="l"/>
-            <a:r>
-              <a:rPr lang="en-GB" sz="700" dirty="0" smtClean="0">
-                <a:solidFill>
-                  <a:schemeClr val="tx1"/>
-                </a:solidFill>
-                <a:latin typeface="Consolas" pitchFamily="49" charset="0"/>
-              </a:rPr>
-              <a:t>        {</a:t>
-            </a:r>
-          </a:p>
-          <a:p>
-            <a:pPr algn="l"/>
-            <a:r>
-              <a:rPr lang="en-GB" sz="700" dirty="0" smtClean="0">
-                <a:solidFill>
-                  <a:schemeClr val="tx1"/>
-                </a:solidFill>
-                <a:latin typeface="Consolas" pitchFamily="49" charset="0"/>
-              </a:rPr>
-              <a:t>            </a:t>
-            </a:r>
-            <a:r>
-              <a:rPr lang="en-GB" sz="700" dirty="0" err="1" smtClean="0">
-                <a:solidFill>
-                  <a:schemeClr val="tx1"/>
-                </a:solidFill>
-                <a:latin typeface="Consolas" pitchFamily="49" charset="0"/>
-              </a:rPr>
-              <a:t>NumImagesToFinish</a:t>
-            </a:r>
-            <a:r>
-              <a:rPr lang="en-GB" sz="700" dirty="0" smtClean="0">
-                <a:solidFill>
-                  <a:schemeClr val="tx1"/>
-                </a:solidFill>
-                <a:latin typeface="Consolas" pitchFamily="49" charset="0"/>
-              </a:rPr>
-              <a:t>--;</a:t>
-            </a:r>
-          </a:p>
-          <a:p>
-            <a:pPr algn="l"/>
-            <a:r>
-              <a:rPr lang="en-GB" sz="700" dirty="0" smtClean="0">
-                <a:solidFill>
-                  <a:schemeClr val="tx1"/>
-                </a:solidFill>
-                <a:latin typeface="Consolas" pitchFamily="49" charset="0"/>
-              </a:rPr>
-              <a:t>            if (</a:t>
-            </a:r>
-            <a:r>
-              <a:rPr lang="en-GB" sz="700" dirty="0" err="1" smtClean="0">
-                <a:solidFill>
-                  <a:schemeClr val="tx1"/>
-                </a:solidFill>
-                <a:latin typeface="Consolas" pitchFamily="49" charset="0"/>
-              </a:rPr>
-              <a:t>NumImagesToFinish</a:t>
-            </a:r>
-            <a:r>
-              <a:rPr lang="en-GB" sz="700" dirty="0" smtClean="0">
-                <a:solidFill>
-                  <a:schemeClr val="tx1"/>
-                </a:solidFill>
-                <a:latin typeface="Consolas" pitchFamily="49" charset="0"/>
-              </a:rPr>
-              <a:t> == 0)</a:t>
-            </a:r>
-          </a:p>
-          <a:p>
-            <a:pPr algn="l"/>
-            <a:r>
-              <a:rPr lang="en-GB" sz="700" dirty="0" smtClean="0">
-                <a:solidFill>
-                  <a:schemeClr val="tx1"/>
-                </a:solidFill>
-                <a:latin typeface="Consolas" pitchFamily="49" charset="0"/>
-              </a:rPr>
-              <a:t>            {</a:t>
-            </a:r>
-          </a:p>
-          <a:p>
-            <a:pPr algn="l"/>
-            <a:r>
-              <a:rPr lang="en-GB" sz="700" dirty="0" smtClean="0">
-                <a:solidFill>
-                  <a:schemeClr val="tx1"/>
-                </a:solidFill>
-                <a:latin typeface="Consolas" pitchFamily="49" charset="0"/>
-              </a:rPr>
-              <a:t>                </a:t>
-            </a:r>
-            <a:r>
-              <a:rPr lang="en-GB" sz="700" dirty="0" err="1" smtClean="0">
-                <a:solidFill>
-                  <a:schemeClr val="tx1"/>
-                </a:solidFill>
-                <a:latin typeface="Consolas" pitchFamily="49" charset="0"/>
-              </a:rPr>
-              <a:t>Monitor.Enter</a:t>
-            </a:r>
-            <a:r>
-              <a:rPr lang="en-GB" sz="700" dirty="0" smtClean="0">
-                <a:solidFill>
-                  <a:schemeClr val="tx1"/>
-                </a:solidFill>
-                <a:latin typeface="Consolas" pitchFamily="49" charset="0"/>
-              </a:rPr>
-              <a:t>(</a:t>
-            </a:r>
-            <a:r>
-              <a:rPr lang="en-GB" sz="700" dirty="0" err="1" smtClean="0">
-                <a:solidFill>
-                  <a:schemeClr val="tx1"/>
-                </a:solidFill>
-                <a:latin typeface="Consolas" pitchFamily="49" charset="0"/>
-              </a:rPr>
-              <a:t>WaitObject</a:t>
-            </a:r>
-            <a:r>
-              <a:rPr lang="en-GB" sz="700" dirty="0" smtClean="0">
-                <a:solidFill>
-                  <a:schemeClr val="tx1"/>
-                </a:solidFill>
-                <a:latin typeface="Consolas" pitchFamily="49" charset="0"/>
-              </a:rPr>
-              <a:t>);</a:t>
-            </a:r>
-          </a:p>
-          <a:p>
-            <a:pPr algn="l"/>
-            <a:r>
-              <a:rPr lang="en-GB" sz="700" dirty="0" smtClean="0">
-                <a:solidFill>
-                  <a:schemeClr val="tx1"/>
-                </a:solidFill>
-                <a:latin typeface="Consolas" pitchFamily="49" charset="0"/>
-              </a:rPr>
-              <a:t>                </a:t>
-            </a:r>
-            <a:r>
-              <a:rPr lang="en-GB" sz="700" dirty="0" err="1" smtClean="0">
-                <a:solidFill>
-                  <a:schemeClr val="tx1"/>
-                </a:solidFill>
-                <a:latin typeface="Consolas" pitchFamily="49" charset="0"/>
-              </a:rPr>
-              <a:t>Monitor.Pulse</a:t>
-            </a:r>
-            <a:r>
-              <a:rPr lang="en-GB" sz="700" dirty="0" smtClean="0">
-                <a:solidFill>
-                  <a:schemeClr val="tx1"/>
-                </a:solidFill>
-                <a:latin typeface="Consolas" pitchFamily="49" charset="0"/>
-              </a:rPr>
-              <a:t>(</a:t>
-            </a:r>
-            <a:r>
-              <a:rPr lang="en-GB" sz="700" dirty="0" err="1" smtClean="0">
-                <a:solidFill>
-                  <a:schemeClr val="tx1"/>
-                </a:solidFill>
-                <a:latin typeface="Consolas" pitchFamily="49" charset="0"/>
-              </a:rPr>
-              <a:t>WaitObject</a:t>
-            </a:r>
-            <a:r>
-              <a:rPr lang="en-GB" sz="700" dirty="0" smtClean="0">
-                <a:solidFill>
-                  <a:schemeClr val="tx1"/>
-                </a:solidFill>
-                <a:latin typeface="Consolas" pitchFamily="49" charset="0"/>
-              </a:rPr>
-              <a:t>);</a:t>
-            </a:r>
-          </a:p>
-          <a:p>
-            <a:pPr algn="l"/>
-            <a:r>
-              <a:rPr lang="en-GB" sz="700" dirty="0" smtClean="0">
-                <a:solidFill>
-                  <a:schemeClr val="tx1"/>
-                </a:solidFill>
-                <a:latin typeface="Consolas" pitchFamily="49" charset="0"/>
-              </a:rPr>
-              <a:t>                </a:t>
-            </a:r>
-            <a:r>
-              <a:rPr lang="en-GB" sz="700" dirty="0" err="1" smtClean="0">
-                <a:solidFill>
-                  <a:schemeClr val="tx1"/>
-                </a:solidFill>
-                <a:latin typeface="Consolas" pitchFamily="49" charset="0"/>
-              </a:rPr>
-              <a:t>Monitor.Exit</a:t>
-            </a:r>
-            <a:r>
-              <a:rPr lang="en-GB" sz="700" dirty="0" smtClean="0">
-                <a:solidFill>
-                  <a:schemeClr val="tx1"/>
-                </a:solidFill>
-                <a:latin typeface="Consolas" pitchFamily="49" charset="0"/>
-              </a:rPr>
-              <a:t>(</a:t>
-            </a:r>
-            <a:r>
-              <a:rPr lang="en-GB" sz="700" dirty="0" err="1" smtClean="0">
-                <a:solidFill>
-                  <a:schemeClr val="tx1"/>
-                </a:solidFill>
-                <a:latin typeface="Consolas" pitchFamily="49" charset="0"/>
-              </a:rPr>
-              <a:t>WaitObject</a:t>
-            </a:r>
-            <a:r>
-              <a:rPr lang="en-GB" sz="700" dirty="0" smtClean="0">
-                <a:solidFill>
-                  <a:schemeClr val="tx1"/>
-                </a:solidFill>
-                <a:latin typeface="Consolas" pitchFamily="49" charset="0"/>
-              </a:rPr>
-              <a:t>);</a:t>
-            </a:r>
-          </a:p>
-          <a:p>
-            <a:pPr algn="l"/>
-            <a:r>
-              <a:rPr lang="en-GB" sz="700" dirty="0" smtClean="0">
-                <a:solidFill>
-                  <a:schemeClr val="tx1"/>
-                </a:solidFill>
-                <a:latin typeface="Consolas" pitchFamily="49" charset="0"/>
-              </a:rPr>
-              <a:t>            }</a:t>
-            </a:r>
-          </a:p>
-          <a:p>
-            <a:pPr algn="l"/>
-            <a:r>
-              <a:rPr lang="en-GB" sz="700" dirty="0" smtClean="0">
-                <a:solidFill>
-                  <a:schemeClr val="tx1"/>
-                </a:solidFill>
-                <a:latin typeface="Consolas" pitchFamily="49" charset="0"/>
-              </a:rPr>
-              <a:t>        }</a:t>
-            </a:r>
-          </a:p>
-          <a:p>
-            <a:pPr algn="l"/>
-            <a:r>
-              <a:rPr lang="en-GB" sz="700" dirty="0" smtClean="0">
-                <a:solidFill>
-                  <a:schemeClr val="tx1"/>
-                </a:solidFill>
-                <a:latin typeface="Consolas" pitchFamily="49" charset="0"/>
-              </a:rPr>
-              <a:t>    }</a:t>
-            </a:r>
-            <a:endParaRPr lang="en-GB" sz="700" dirty="0">
-              <a:solidFill>
-                <a:schemeClr val="tx1"/>
-              </a:solidFill>
-              <a:latin typeface="Consolas" pitchFamily="49" charset="0"/>
-            </a:endParaRPr>
-          </a:p>
-        </p:txBody>
-      </p:sp>
-      <p:sp>
-        <p:nvSpPr>
-          <p:cNvPr id="7" name="Folded Corner 6"/>
-          <p:cNvSpPr/>
-          <p:nvPr/>
-        </p:nvSpPr>
-        <p:spPr>
-          <a:xfrm>
-            <a:off x="4572000" y="1440489"/>
-            <a:ext cx="3700299" cy="5417511"/>
-          </a:xfrm>
-          <a:prstGeom prst="foldedCorner">
-            <a:avLst/>
-          </a:prstGeom>
-          <a:solidFill>
-            <a:schemeClr val="bg1">
-              <a:lumMod val="85000"/>
-            </a:schemeClr>
-          </a:solidFill>
-        </p:spPr>
-        <p:style>
-          <a:lnRef idx="2">
-            <a:schemeClr val="accent1">
-              <a:shade val="50000"/>
-            </a:schemeClr>
-          </a:lnRef>
-          <a:fillRef idx="1">
-            <a:schemeClr val="accent1"/>
-          </a:fillRef>
-          <a:effectRef idx="0">
-            <a:schemeClr val="accent1"/>
-          </a:effectRef>
-          <a:fontRef idx="minor">
-            <a:schemeClr val="lt1"/>
-          </a:fontRef>
-        </p:style>
-        <p:txBody>
-          <a:bodyPr wrap="square" lIns="36000" tIns="36000" rIns="36000" bIns="36000" rtlCol="0" anchor="ctr">
-            <a:spAutoFit/>
-          </a:bodyPr>
-          <a:lstStyle/>
-          <a:p>
-            <a:pPr algn="l"/>
-            <a:r>
-              <a:rPr lang="en-GB" sz="700" dirty="0" smtClean="0">
-                <a:solidFill>
-                  <a:schemeClr val="tx1"/>
-                </a:solidFill>
-                <a:latin typeface="Consolas" pitchFamily="49" charset="0"/>
-              </a:rPr>
-              <a:t> </a:t>
-            </a:r>
-          </a:p>
-          <a:p>
-            <a:pPr algn="l"/>
-            <a:r>
-              <a:rPr lang="en-GB" sz="700" dirty="0" smtClean="0">
-                <a:solidFill>
-                  <a:schemeClr val="tx1"/>
-                </a:solidFill>
-                <a:latin typeface="Consolas" pitchFamily="49" charset="0"/>
-              </a:rPr>
-              <a:t>       public static void </a:t>
-            </a:r>
-            <a:r>
-              <a:rPr lang="en-GB" sz="700" dirty="0" err="1" smtClean="0">
-                <a:solidFill>
-                  <a:schemeClr val="tx1"/>
-                </a:solidFill>
-                <a:latin typeface="Consolas" pitchFamily="49" charset="0"/>
-              </a:rPr>
-              <a:t>ProcessImagesInBulk</a:t>
-            </a:r>
-            <a:r>
-              <a:rPr lang="en-GB" sz="700" dirty="0" smtClean="0">
-                <a:solidFill>
-                  <a:schemeClr val="tx1"/>
-                </a:solidFill>
-                <a:latin typeface="Consolas" pitchFamily="49" charset="0"/>
-              </a:rPr>
-              <a:t>()</a:t>
-            </a:r>
-          </a:p>
-          <a:p>
-            <a:pPr algn="l"/>
-            <a:r>
-              <a:rPr lang="en-GB" sz="700" dirty="0" smtClean="0">
-                <a:solidFill>
-                  <a:schemeClr val="tx1"/>
-                </a:solidFill>
-                <a:latin typeface="Consolas" pitchFamily="49" charset="0"/>
-              </a:rPr>
-              <a:t>    {</a:t>
-            </a:r>
-          </a:p>
-          <a:p>
-            <a:pPr algn="l"/>
-            <a:r>
-              <a:rPr lang="en-GB" sz="700" dirty="0" smtClean="0">
-                <a:solidFill>
-                  <a:schemeClr val="tx1"/>
-                </a:solidFill>
-                <a:latin typeface="Consolas" pitchFamily="49" charset="0"/>
-              </a:rPr>
-              <a:t>        </a:t>
-            </a:r>
-            <a:r>
-              <a:rPr lang="en-GB" sz="700" dirty="0" err="1" smtClean="0">
-                <a:solidFill>
-                  <a:schemeClr val="tx1"/>
-                </a:solidFill>
-                <a:latin typeface="Consolas" pitchFamily="49" charset="0"/>
-              </a:rPr>
-              <a:t>Console.WriteLine</a:t>
-            </a:r>
-            <a:r>
-              <a:rPr lang="en-GB" sz="700" dirty="0" smtClean="0">
-                <a:solidFill>
-                  <a:schemeClr val="tx1"/>
-                </a:solidFill>
-                <a:latin typeface="Consolas" pitchFamily="49" charset="0"/>
-              </a:rPr>
-              <a:t>("Processing images...  ");</a:t>
-            </a:r>
-          </a:p>
-          <a:p>
-            <a:pPr algn="l"/>
-            <a:r>
-              <a:rPr lang="en-GB" sz="700" dirty="0" smtClean="0">
-                <a:solidFill>
-                  <a:schemeClr val="tx1"/>
-                </a:solidFill>
-                <a:latin typeface="Consolas" pitchFamily="49" charset="0"/>
-              </a:rPr>
-              <a:t>        long t0 = </a:t>
-            </a:r>
-            <a:r>
-              <a:rPr lang="en-GB" sz="700" dirty="0" err="1" smtClean="0">
-                <a:solidFill>
-                  <a:schemeClr val="tx1"/>
-                </a:solidFill>
-                <a:latin typeface="Consolas" pitchFamily="49" charset="0"/>
-              </a:rPr>
-              <a:t>Environment.TickCount</a:t>
-            </a:r>
-            <a:r>
-              <a:rPr lang="en-GB" sz="700" dirty="0" smtClean="0">
-                <a:solidFill>
-                  <a:schemeClr val="tx1"/>
-                </a:solidFill>
-                <a:latin typeface="Consolas" pitchFamily="49" charset="0"/>
-              </a:rPr>
-              <a:t>;</a:t>
-            </a:r>
-          </a:p>
-          <a:p>
-            <a:pPr algn="l"/>
-            <a:r>
-              <a:rPr lang="en-GB" sz="700" dirty="0" smtClean="0">
-                <a:solidFill>
-                  <a:schemeClr val="tx1"/>
-                </a:solidFill>
-                <a:latin typeface="Consolas" pitchFamily="49" charset="0"/>
-              </a:rPr>
-              <a:t>        </a:t>
-            </a:r>
-            <a:r>
-              <a:rPr lang="en-GB" sz="700" dirty="0" err="1" smtClean="0">
-                <a:solidFill>
-                  <a:schemeClr val="tx1"/>
-                </a:solidFill>
-                <a:latin typeface="Consolas" pitchFamily="49" charset="0"/>
-              </a:rPr>
-              <a:t>NumImagesToFinish</a:t>
-            </a:r>
-            <a:r>
-              <a:rPr lang="en-GB" sz="700" dirty="0" smtClean="0">
-                <a:solidFill>
-                  <a:schemeClr val="tx1"/>
-                </a:solidFill>
-                <a:latin typeface="Consolas" pitchFamily="49" charset="0"/>
-              </a:rPr>
-              <a:t> = </a:t>
-            </a:r>
-            <a:r>
-              <a:rPr lang="en-GB" sz="700" dirty="0" err="1" smtClean="0">
-                <a:solidFill>
-                  <a:schemeClr val="tx1"/>
-                </a:solidFill>
-                <a:latin typeface="Consolas" pitchFamily="49" charset="0"/>
-              </a:rPr>
-              <a:t>numImages</a:t>
-            </a:r>
-            <a:r>
-              <a:rPr lang="en-GB" sz="700" dirty="0" smtClean="0">
-                <a:solidFill>
-                  <a:schemeClr val="tx1"/>
-                </a:solidFill>
-                <a:latin typeface="Consolas" pitchFamily="49" charset="0"/>
-              </a:rPr>
-              <a:t>;</a:t>
-            </a:r>
-          </a:p>
-          <a:p>
-            <a:pPr algn="l"/>
-            <a:r>
-              <a:rPr lang="en-GB" sz="700" dirty="0" smtClean="0">
-                <a:solidFill>
-                  <a:schemeClr val="tx1"/>
-                </a:solidFill>
-                <a:latin typeface="Consolas" pitchFamily="49" charset="0"/>
-              </a:rPr>
-              <a:t>        </a:t>
-            </a:r>
-            <a:r>
-              <a:rPr lang="en-GB" sz="700" dirty="0" err="1" smtClean="0">
-                <a:solidFill>
-                  <a:schemeClr val="tx1"/>
-                </a:solidFill>
-                <a:latin typeface="Consolas" pitchFamily="49" charset="0"/>
-              </a:rPr>
-              <a:t>AsyncCallback</a:t>
-            </a:r>
-            <a:r>
-              <a:rPr lang="en-GB" sz="700" dirty="0" smtClean="0">
-                <a:solidFill>
-                  <a:schemeClr val="tx1"/>
-                </a:solidFill>
-                <a:latin typeface="Consolas" pitchFamily="49" charset="0"/>
-              </a:rPr>
-              <a:t> </a:t>
-            </a:r>
-            <a:r>
-              <a:rPr lang="en-GB" sz="700" dirty="0" err="1" smtClean="0">
-                <a:solidFill>
-                  <a:schemeClr val="tx1"/>
-                </a:solidFill>
-                <a:latin typeface="Consolas" pitchFamily="49" charset="0"/>
-              </a:rPr>
-              <a:t>readImageCallback</a:t>
-            </a:r>
-            <a:r>
-              <a:rPr lang="en-GB" sz="700" dirty="0" smtClean="0">
-                <a:solidFill>
-                  <a:schemeClr val="tx1"/>
-                </a:solidFill>
-                <a:latin typeface="Consolas" pitchFamily="49" charset="0"/>
-              </a:rPr>
-              <a:t> = new</a:t>
-            </a:r>
-          </a:p>
-          <a:p>
-            <a:pPr algn="l"/>
-            <a:r>
-              <a:rPr lang="en-GB" sz="700" dirty="0" smtClean="0">
-                <a:solidFill>
-                  <a:schemeClr val="tx1"/>
-                </a:solidFill>
-                <a:latin typeface="Consolas" pitchFamily="49" charset="0"/>
-              </a:rPr>
-              <a:t>            </a:t>
-            </a:r>
-            <a:r>
-              <a:rPr lang="en-GB" sz="700" dirty="0" err="1" smtClean="0">
-                <a:solidFill>
-                  <a:schemeClr val="tx1"/>
-                </a:solidFill>
-                <a:latin typeface="Consolas" pitchFamily="49" charset="0"/>
-              </a:rPr>
-              <a:t>AsyncCallback</a:t>
-            </a:r>
-            <a:r>
-              <a:rPr lang="en-GB" sz="700" dirty="0" smtClean="0">
-                <a:solidFill>
-                  <a:schemeClr val="tx1"/>
-                </a:solidFill>
-                <a:latin typeface="Consolas" pitchFamily="49" charset="0"/>
-              </a:rPr>
-              <a:t>(</a:t>
-            </a:r>
-            <a:r>
-              <a:rPr lang="en-GB" sz="700" dirty="0" err="1" smtClean="0">
-                <a:solidFill>
-                  <a:schemeClr val="tx1"/>
-                </a:solidFill>
-                <a:latin typeface="Consolas" pitchFamily="49" charset="0"/>
-              </a:rPr>
-              <a:t>ReadInImageCallback</a:t>
-            </a:r>
-            <a:r>
-              <a:rPr lang="en-GB" sz="700" dirty="0" smtClean="0">
-                <a:solidFill>
-                  <a:schemeClr val="tx1"/>
-                </a:solidFill>
-                <a:latin typeface="Consolas" pitchFamily="49" charset="0"/>
-              </a:rPr>
-              <a:t>);</a:t>
-            </a:r>
-          </a:p>
-          <a:p>
-            <a:pPr algn="l"/>
-            <a:r>
-              <a:rPr lang="en-GB" sz="700" dirty="0" smtClean="0">
-                <a:solidFill>
-                  <a:schemeClr val="tx1"/>
-                </a:solidFill>
-                <a:latin typeface="Consolas" pitchFamily="49" charset="0"/>
-              </a:rPr>
-              <a:t>        for (</a:t>
-            </a:r>
-            <a:r>
-              <a:rPr lang="en-GB" sz="700" dirty="0" err="1" smtClean="0">
-                <a:solidFill>
-                  <a:schemeClr val="tx1"/>
-                </a:solidFill>
-                <a:latin typeface="Consolas" pitchFamily="49" charset="0"/>
-              </a:rPr>
-              <a:t>int</a:t>
-            </a:r>
-            <a:r>
-              <a:rPr lang="en-GB" sz="700" dirty="0" smtClean="0">
-                <a:solidFill>
-                  <a:schemeClr val="tx1"/>
-                </a:solidFill>
-                <a:latin typeface="Consolas" pitchFamily="49" charset="0"/>
-              </a:rPr>
-              <a:t> </a:t>
-            </a:r>
-            <a:r>
-              <a:rPr lang="en-GB" sz="700" dirty="0" err="1" smtClean="0">
-                <a:solidFill>
-                  <a:schemeClr val="tx1"/>
-                </a:solidFill>
-                <a:latin typeface="Consolas" pitchFamily="49" charset="0"/>
-              </a:rPr>
-              <a:t>i</a:t>
-            </a:r>
-            <a:r>
-              <a:rPr lang="en-GB" sz="700" dirty="0" smtClean="0">
-                <a:solidFill>
-                  <a:schemeClr val="tx1"/>
-                </a:solidFill>
-                <a:latin typeface="Consolas" pitchFamily="49" charset="0"/>
-              </a:rPr>
-              <a:t> = 0; </a:t>
-            </a:r>
-            <a:r>
-              <a:rPr lang="en-GB" sz="700" dirty="0" err="1" smtClean="0">
-                <a:solidFill>
-                  <a:schemeClr val="tx1"/>
-                </a:solidFill>
-                <a:latin typeface="Consolas" pitchFamily="49" charset="0"/>
-              </a:rPr>
-              <a:t>i</a:t>
-            </a:r>
-            <a:r>
-              <a:rPr lang="en-GB" sz="700" dirty="0" smtClean="0">
-                <a:solidFill>
-                  <a:schemeClr val="tx1"/>
-                </a:solidFill>
-                <a:latin typeface="Consolas" pitchFamily="49" charset="0"/>
-              </a:rPr>
-              <a:t> &lt; </a:t>
-            </a:r>
-            <a:r>
-              <a:rPr lang="en-GB" sz="700" dirty="0" err="1" smtClean="0">
-                <a:solidFill>
-                  <a:schemeClr val="tx1"/>
-                </a:solidFill>
-                <a:latin typeface="Consolas" pitchFamily="49" charset="0"/>
-              </a:rPr>
-              <a:t>numImages</a:t>
-            </a:r>
-            <a:r>
-              <a:rPr lang="en-GB" sz="700" dirty="0" smtClean="0">
-                <a:solidFill>
-                  <a:schemeClr val="tx1"/>
-                </a:solidFill>
-                <a:latin typeface="Consolas" pitchFamily="49" charset="0"/>
-              </a:rPr>
-              <a:t>; </a:t>
-            </a:r>
-            <a:r>
-              <a:rPr lang="en-GB" sz="700" dirty="0" err="1" smtClean="0">
-                <a:solidFill>
-                  <a:schemeClr val="tx1"/>
-                </a:solidFill>
-                <a:latin typeface="Consolas" pitchFamily="49" charset="0"/>
-              </a:rPr>
-              <a:t>i</a:t>
-            </a:r>
-            <a:r>
-              <a:rPr lang="en-GB" sz="700" dirty="0" smtClean="0">
-                <a:solidFill>
-                  <a:schemeClr val="tx1"/>
-                </a:solidFill>
-                <a:latin typeface="Consolas" pitchFamily="49" charset="0"/>
-              </a:rPr>
-              <a:t>++)</a:t>
-            </a:r>
-          </a:p>
-          <a:p>
-            <a:pPr algn="l"/>
-            <a:r>
-              <a:rPr lang="en-GB" sz="700" dirty="0" smtClean="0">
-                <a:solidFill>
-                  <a:schemeClr val="tx1"/>
-                </a:solidFill>
-                <a:latin typeface="Consolas" pitchFamily="49" charset="0"/>
-              </a:rPr>
-              <a:t>        {</a:t>
-            </a:r>
-          </a:p>
-          <a:p>
-            <a:pPr algn="l"/>
-            <a:r>
-              <a:rPr lang="en-GB" sz="700" dirty="0" smtClean="0">
-                <a:solidFill>
-                  <a:schemeClr val="tx1"/>
-                </a:solidFill>
-                <a:latin typeface="Consolas" pitchFamily="49" charset="0"/>
-              </a:rPr>
-              <a:t>            </a:t>
-            </a:r>
-            <a:r>
-              <a:rPr lang="en-GB" sz="700" dirty="0" err="1" smtClean="0">
-                <a:solidFill>
-                  <a:schemeClr val="tx1"/>
-                </a:solidFill>
-                <a:latin typeface="Consolas" pitchFamily="49" charset="0"/>
-              </a:rPr>
-              <a:t>ImageStateObject</a:t>
-            </a:r>
-            <a:r>
-              <a:rPr lang="en-GB" sz="700" dirty="0" smtClean="0">
-                <a:solidFill>
-                  <a:schemeClr val="tx1"/>
-                </a:solidFill>
-                <a:latin typeface="Consolas" pitchFamily="49" charset="0"/>
-              </a:rPr>
-              <a:t> state = new </a:t>
-            </a:r>
-            <a:r>
-              <a:rPr lang="en-GB" sz="700" dirty="0" err="1" smtClean="0">
-                <a:solidFill>
-                  <a:schemeClr val="tx1"/>
-                </a:solidFill>
-                <a:latin typeface="Consolas" pitchFamily="49" charset="0"/>
-              </a:rPr>
-              <a:t>ImageStateObject</a:t>
-            </a:r>
-            <a:r>
-              <a:rPr lang="en-GB" sz="700" dirty="0" smtClean="0">
-                <a:solidFill>
-                  <a:schemeClr val="tx1"/>
-                </a:solidFill>
-                <a:latin typeface="Consolas" pitchFamily="49" charset="0"/>
-              </a:rPr>
-              <a:t>();</a:t>
-            </a:r>
-          </a:p>
-          <a:p>
-            <a:pPr algn="l"/>
-            <a:r>
-              <a:rPr lang="en-GB" sz="700" dirty="0" smtClean="0">
-                <a:solidFill>
-                  <a:schemeClr val="tx1"/>
-                </a:solidFill>
-                <a:latin typeface="Consolas" pitchFamily="49" charset="0"/>
-              </a:rPr>
-              <a:t>            </a:t>
-            </a:r>
-            <a:r>
-              <a:rPr lang="en-GB" sz="700" dirty="0" err="1" smtClean="0">
-                <a:solidFill>
-                  <a:schemeClr val="tx1"/>
-                </a:solidFill>
-                <a:latin typeface="Consolas" pitchFamily="49" charset="0"/>
-              </a:rPr>
-              <a:t>state.pixels</a:t>
-            </a:r>
-            <a:r>
-              <a:rPr lang="en-GB" sz="700" dirty="0" smtClean="0">
-                <a:solidFill>
-                  <a:schemeClr val="tx1"/>
-                </a:solidFill>
-                <a:latin typeface="Consolas" pitchFamily="49" charset="0"/>
-              </a:rPr>
-              <a:t> = new byte[</a:t>
-            </a:r>
-            <a:r>
-              <a:rPr lang="en-GB" sz="700" dirty="0" err="1" smtClean="0">
-                <a:solidFill>
-                  <a:schemeClr val="tx1"/>
-                </a:solidFill>
-                <a:latin typeface="Consolas" pitchFamily="49" charset="0"/>
-              </a:rPr>
-              <a:t>numPixels</a:t>
-            </a:r>
-            <a:r>
-              <a:rPr lang="en-GB" sz="700" dirty="0" smtClean="0">
-                <a:solidFill>
-                  <a:schemeClr val="tx1"/>
-                </a:solidFill>
-                <a:latin typeface="Consolas" pitchFamily="49" charset="0"/>
-              </a:rPr>
-              <a:t>];</a:t>
-            </a:r>
-          </a:p>
-          <a:p>
-            <a:pPr algn="l"/>
-            <a:r>
-              <a:rPr lang="en-GB" sz="700" dirty="0" smtClean="0">
-                <a:solidFill>
-                  <a:schemeClr val="tx1"/>
-                </a:solidFill>
-                <a:latin typeface="Consolas" pitchFamily="49" charset="0"/>
-              </a:rPr>
-              <a:t>            </a:t>
-            </a:r>
-            <a:r>
-              <a:rPr lang="en-GB" sz="700" dirty="0" err="1" smtClean="0">
-                <a:solidFill>
-                  <a:schemeClr val="tx1"/>
-                </a:solidFill>
-                <a:latin typeface="Consolas" pitchFamily="49" charset="0"/>
-              </a:rPr>
-              <a:t>state.imageNum</a:t>
-            </a:r>
-            <a:r>
-              <a:rPr lang="en-GB" sz="700" dirty="0" smtClean="0">
-                <a:solidFill>
-                  <a:schemeClr val="tx1"/>
-                </a:solidFill>
-                <a:latin typeface="Consolas" pitchFamily="49" charset="0"/>
-              </a:rPr>
-              <a:t> = </a:t>
-            </a:r>
-            <a:r>
-              <a:rPr lang="en-GB" sz="700" dirty="0" err="1" smtClean="0">
-                <a:solidFill>
-                  <a:schemeClr val="tx1"/>
-                </a:solidFill>
-                <a:latin typeface="Consolas" pitchFamily="49" charset="0"/>
-              </a:rPr>
-              <a:t>i</a:t>
-            </a:r>
-            <a:r>
-              <a:rPr lang="en-GB" sz="700" dirty="0" smtClean="0">
-                <a:solidFill>
-                  <a:schemeClr val="tx1"/>
-                </a:solidFill>
-                <a:latin typeface="Consolas" pitchFamily="49" charset="0"/>
-              </a:rPr>
-              <a:t>;</a:t>
-            </a:r>
-          </a:p>
-          <a:p>
-            <a:pPr algn="l"/>
-            <a:r>
-              <a:rPr lang="en-GB" sz="700" dirty="0" smtClean="0">
-                <a:solidFill>
-                  <a:schemeClr val="tx1"/>
-                </a:solidFill>
-                <a:latin typeface="Consolas" pitchFamily="49" charset="0"/>
-              </a:rPr>
-              <a:t>            // Very large items are read only once, so you can make the </a:t>
-            </a:r>
-          </a:p>
-          <a:p>
-            <a:pPr algn="l"/>
-            <a:r>
-              <a:rPr lang="en-GB" sz="700" dirty="0" smtClean="0">
-                <a:solidFill>
-                  <a:schemeClr val="tx1"/>
-                </a:solidFill>
-                <a:latin typeface="Consolas" pitchFamily="49" charset="0"/>
-              </a:rPr>
-              <a:t>            // buffer on the </a:t>
-            </a:r>
-            <a:r>
-              <a:rPr lang="en-GB" sz="700" dirty="0" err="1" smtClean="0">
-                <a:solidFill>
-                  <a:schemeClr val="tx1"/>
-                </a:solidFill>
-                <a:latin typeface="Consolas" pitchFamily="49" charset="0"/>
-              </a:rPr>
-              <a:t>FileStream</a:t>
-            </a:r>
-            <a:r>
-              <a:rPr lang="en-GB" sz="700" dirty="0" smtClean="0">
-                <a:solidFill>
-                  <a:schemeClr val="tx1"/>
-                </a:solidFill>
-                <a:latin typeface="Consolas" pitchFamily="49" charset="0"/>
-              </a:rPr>
-              <a:t> very small to save memory.</a:t>
-            </a:r>
-          </a:p>
-          <a:p>
-            <a:pPr algn="l"/>
-            <a:r>
-              <a:rPr lang="en-GB" sz="700" dirty="0" smtClean="0">
-                <a:solidFill>
-                  <a:schemeClr val="tx1"/>
-                </a:solidFill>
-                <a:latin typeface="Consolas" pitchFamily="49" charset="0"/>
-              </a:rPr>
-              <a:t>            </a:t>
-            </a:r>
-            <a:r>
-              <a:rPr lang="en-GB" sz="700" dirty="0" err="1" smtClean="0">
-                <a:solidFill>
-                  <a:schemeClr val="tx1"/>
-                </a:solidFill>
-                <a:latin typeface="Consolas" pitchFamily="49" charset="0"/>
-              </a:rPr>
-              <a:t>FileStream</a:t>
-            </a:r>
-            <a:r>
-              <a:rPr lang="en-GB" sz="700" dirty="0" smtClean="0">
-                <a:solidFill>
-                  <a:schemeClr val="tx1"/>
-                </a:solidFill>
-                <a:latin typeface="Consolas" pitchFamily="49" charset="0"/>
-              </a:rPr>
-              <a:t> </a:t>
-            </a:r>
-            <a:r>
-              <a:rPr lang="en-GB" sz="700" dirty="0" err="1" smtClean="0">
-                <a:solidFill>
-                  <a:schemeClr val="tx1"/>
-                </a:solidFill>
-                <a:latin typeface="Consolas" pitchFamily="49" charset="0"/>
-              </a:rPr>
-              <a:t>fs</a:t>
-            </a:r>
-            <a:r>
-              <a:rPr lang="en-GB" sz="700" dirty="0" smtClean="0">
-                <a:solidFill>
-                  <a:schemeClr val="tx1"/>
-                </a:solidFill>
-                <a:latin typeface="Consolas" pitchFamily="49" charset="0"/>
-              </a:rPr>
-              <a:t> = new </a:t>
-            </a:r>
-            <a:r>
-              <a:rPr lang="en-GB" sz="700" dirty="0" err="1" smtClean="0">
-                <a:solidFill>
-                  <a:schemeClr val="tx1"/>
-                </a:solidFill>
-                <a:latin typeface="Consolas" pitchFamily="49" charset="0"/>
-              </a:rPr>
-              <a:t>FileStream</a:t>
-            </a:r>
-            <a:r>
-              <a:rPr lang="en-GB" sz="700" dirty="0" smtClean="0">
-                <a:solidFill>
-                  <a:schemeClr val="tx1"/>
-                </a:solidFill>
-                <a:latin typeface="Consolas" pitchFamily="49" charset="0"/>
-              </a:rPr>
-              <a:t>(</a:t>
-            </a:r>
-            <a:r>
-              <a:rPr lang="en-GB" sz="700" dirty="0" err="1" smtClean="0">
-                <a:solidFill>
-                  <a:schemeClr val="tx1"/>
-                </a:solidFill>
-                <a:latin typeface="Consolas" pitchFamily="49" charset="0"/>
-              </a:rPr>
-              <a:t>ImageBaseName</a:t>
-            </a:r>
-            <a:r>
-              <a:rPr lang="en-GB" sz="700" dirty="0" smtClean="0">
-                <a:solidFill>
-                  <a:schemeClr val="tx1"/>
-                </a:solidFill>
-                <a:latin typeface="Consolas" pitchFamily="49" charset="0"/>
-              </a:rPr>
-              <a:t> + </a:t>
-            </a:r>
-            <a:r>
-              <a:rPr lang="en-GB" sz="700" dirty="0" err="1" smtClean="0">
-                <a:solidFill>
-                  <a:schemeClr val="tx1"/>
-                </a:solidFill>
-                <a:latin typeface="Consolas" pitchFamily="49" charset="0"/>
-              </a:rPr>
-              <a:t>i</a:t>
-            </a:r>
-            <a:r>
-              <a:rPr lang="en-GB" sz="700" dirty="0" smtClean="0">
-                <a:solidFill>
-                  <a:schemeClr val="tx1"/>
-                </a:solidFill>
-                <a:latin typeface="Consolas" pitchFamily="49" charset="0"/>
-              </a:rPr>
-              <a:t> + ".</a:t>
-            </a:r>
-            <a:r>
-              <a:rPr lang="en-GB" sz="700" dirty="0" err="1" smtClean="0">
-                <a:solidFill>
-                  <a:schemeClr val="tx1"/>
-                </a:solidFill>
-                <a:latin typeface="Consolas" pitchFamily="49" charset="0"/>
-              </a:rPr>
-              <a:t>tmp</a:t>
-            </a:r>
-            <a:r>
-              <a:rPr lang="en-GB" sz="700" dirty="0" smtClean="0">
-                <a:solidFill>
-                  <a:schemeClr val="tx1"/>
-                </a:solidFill>
-                <a:latin typeface="Consolas" pitchFamily="49" charset="0"/>
-              </a:rPr>
-              <a:t>",</a:t>
-            </a:r>
-          </a:p>
-          <a:p>
-            <a:pPr algn="l"/>
-            <a:r>
-              <a:rPr lang="en-GB" sz="700" dirty="0" smtClean="0">
-                <a:solidFill>
-                  <a:schemeClr val="tx1"/>
-                </a:solidFill>
-                <a:latin typeface="Consolas" pitchFamily="49" charset="0"/>
-              </a:rPr>
-              <a:t>                </a:t>
-            </a:r>
-            <a:r>
-              <a:rPr lang="en-GB" sz="700" dirty="0" err="1" smtClean="0">
-                <a:solidFill>
-                  <a:schemeClr val="tx1"/>
-                </a:solidFill>
-                <a:latin typeface="Consolas" pitchFamily="49" charset="0"/>
-              </a:rPr>
-              <a:t>FileMode.Open</a:t>
-            </a:r>
-            <a:r>
-              <a:rPr lang="en-GB" sz="700" dirty="0" smtClean="0">
-                <a:solidFill>
-                  <a:schemeClr val="tx1"/>
-                </a:solidFill>
-                <a:latin typeface="Consolas" pitchFamily="49" charset="0"/>
-              </a:rPr>
-              <a:t>, </a:t>
-            </a:r>
-            <a:r>
-              <a:rPr lang="en-GB" sz="700" dirty="0" err="1" smtClean="0">
-                <a:solidFill>
-                  <a:schemeClr val="tx1"/>
-                </a:solidFill>
-                <a:latin typeface="Consolas" pitchFamily="49" charset="0"/>
-              </a:rPr>
-              <a:t>FileAccess.Read</a:t>
-            </a:r>
-            <a:r>
-              <a:rPr lang="en-GB" sz="700" dirty="0" smtClean="0">
-                <a:solidFill>
-                  <a:schemeClr val="tx1"/>
-                </a:solidFill>
-                <a:latin typeface="Consolas" pitchFamily="49" charset="0"/>
-              </a:rPr>
-              <a:t>, </a:t>
-            </a:r>
-            <a:r>
-              <a:rPr lang="en-GB" sz="700" dirty="0" err="1" smtClean="0">
-                <a:solidFill>
-                  <a:schemeClr val="tx1"/>
-                </a:solidFill>
-                <a:latin typeface="Consolas" pitchFamily="49" charset="0"/>
-              </a:rPr>
-              <a:t>FileShare.Read</a:t>
-            </a:r>
-            <a:r>
-              <a:rPr lang="en-GB" sz="700" dirty="0" smtClean="0">
-                <a:solidFill>
-                  <a:schemeClr val="tx1"/>
-                </a:solidFill>
-                <a:latin typeface="Consolas" pitchFamily="49" charset="0"/>
-              </a:rPr>
-              <a:t>, 1, true);</a:t>
-            </a:r>
-          </a:p>
-          <a:p>
-            <a:pPr algn="l"/>
-            <a:r>
-              <a:rPr lang="en-GB" sz="700" dirty="0" smtClean="0">
-                <a:solidFill>
-                  <a:schemeClr val="tx1"/>
-                </a:solidFill>
-                <a:latin typeface="Consolas" pitchFamily="49" charset="0"/>
-              </a:rPr>
-              <a:t>            </a:t>
-            </a:r>
-            <a:r>
-              <a:rPr lang="en-GB" sz="700" dirty="0" err="1" smtClean="0">
-                <a:solidFill>
-                  <a:schemeClr val="tx1"/>
-                </a:solidFill>
-                <a:latin typeface="Consolas" pitchFamily="49" charset="0"/>
-              </a:rPr>
-              <a:t>state.fs</a:t>
-            </a:r>
-            <a:r>
-              <a:rPr lang="en-GB" sz="700" dirty="0" smtClean="0">
-                <a:solidFill>
-                  <a:schemeClr val="tx1"/>
-                </a:solidFill>
-                <a:latin typeface="Consolas" pitchFamily="49" charset="0"/>
-              </a:rPr>
-              <a:t> = </a:t>
-            </a:r>
-            <a:r>
-              <a:rPr lang="en-GB" sz="700" dirty="0" err="1" smtClean="0">
-                <a:solidFill>
-                  <a:schemeClr val="tx1"/>
-                </a:solidFill>
-                <a:latin typeface="Consolas" pitchFamily="49" charset="0"/>
-              </a:rPr>
-              <a:t>fs</a:t>
-            </a:r>
-            <a:r>
-              <a:rPr lang="en-GB" sz="700" dirty="0" smtClean="0">
-                <a:solidFill>
-                  <a:schemeClr val="tx1"/>
-                </a:solidFill>
-                <a:latin typeface="Consolas" pitchFamily="49" charset="0"/>
-              </a:rPr>
-              <a:t>;</a:t>
-            </a:r>
-          </a:p>
-          <a:p>
-            <a:pPr algn="l"/>
-            <a:r>
-              <a:rPr lang="en-GB" sz="700" dirty="0" smtClean="0">
-                <a:solidFill>
-                  <a:schemeClr val="tx1"/>
-                </a:solidFill>
-                <a:latin typeface="Consolas" pitchFamily="49" charset="0"/>
-              </a:rPr>
-              <a:t>            </a:t>
-            </a:r>
-            <a:r>
-              <a:rPr lang="en-GB" sz="700" dirty="0" err="1" smtClean="0">
-                <a:solidFill>
-                  <a:schemeClr val="tx1"/>
-                </a:solidFill>
-                <a:latin typeface="Consolas" pitchFamily="49" charset="0"/>
-              </a:rPr>
-              <a:t>fs.BeginRead</a:t>
-            </a:r>
-            <a:r>
-              <a:rPr lang="en-GB" sz="700" dirty="0" smtClean="0">
-                <a:solidFill>
-                  <a:schemeClr val="tx1"/>
-                </a:solidFill>
-                <a:latin typeface="Consolas" pitchFamily="49" charset="0"/>
-              </a:rPr>
-              <a:t>(</a:t>
-            </a:r>
-            <a:r>
-              <a:rPr lang="en-GB" sz="700" dirty="0" err="1" smtClean="0">
-                <a:solidFill>
-                  <a:schemeClr val="tx1"/>
-                </a:solidFill>
-                <a:latin typeface="Consolas" pitchFamily="49" charset="0"/>
-              </a:rPr>
-              <a:t>state.pixels</a:t>
-            </a:r>
-            <a:r>
-              <a:rPr lang="en-GB" sz="700" dirty="0" smtClean="0">
-                <a:solidFill>
-                  <a:schemeClr val="tx1"/>
-                </a:solidFill>
-                <a:latin typeface="Consolas" pitchFamily="49" charset="0"/>
-              </a:rPr>
-              <a:t>, 0, </a:t>
-            </a:r>
-            <a:r>
-              <a:rPr lang="en-GB" sz="700" dirty="0" err="1" smtClean="0">
-                <a:solidFill>
-                  <a:schemeClr val="tx1"/>
-                </a:solidFill>
-                <a:latin typeface="Consolas" pitchFamily="49" charset="0"/>
-              </a:rPr>
-              <a:t>numPixels</a:t>
-            </a:r>
-            <a:r>
-              <a:rPr lang="en-GB" sz="700" dirty="0" smtClean="0">
-                <a:solidFill>
-                  <a:schemeClr val="tx1"/>
-                </a:solidFill>
-                <a:latin typeface="Consolas" pitchFamily="49" charset="0"/>
-              </a:rPr>
-              <a:t>, </a:t>
-            </a:r>
-            <a:r>
-              <a:rPr lang="en-GB" sz="700" dirty="0" err="1" smtClean="0">
-                <a:solidFill>
-                  <a:schemeClr val="tx1"/>
-                </a:solidFill>
-                <a:latin typeface="Consolas" pitchFamily="49" charset="0"/>
-              </a:rPr>
-              <a:t>readImageCallback</a:t>
-            </a:r>
-            <a:r>
-              <a:rPr lang="en-GB" sz="700" dirty="0" smtClean="0">
-                <a:solidFill>
-                  <a:schemeClr val="tx1"/>
-                </a:solidFill>
-                <a:latin typeface="Consolas" pitchFamily="49" charset="0"/>
-              </a:rPr>
-              <a:t>,</a:t>
-            </a:r>
-          </a:p>
-          <a:p>
-            <a:pPr algn="l"/>
-            <a:r>
-              <a:rPr lang="en-GB" sz="700" dirty="0" smtClean="0">
-                <a:solidFill>
-                  <a:schemeClr val="tx1"/>
-                </a:solidFill>
-                <a:latin typeface="Consolas" pitchFamily="49" charset="0"/>
-              </a:rPr>
-              <a:t>                state);</a:t>
-            </a:r>
-          </a:p>
-          <a:p>
-            <a:pPr algn="l"/>
-            <a:r>
-              <a:rPr lang="en-GB" sz="700" dirty="0" smtClean="0">
-                <a:solidFill>
-                  <a:schemeClr val="tx1"/>
-                </a:solidFill>
-                <a:latin typeface="Consolas" pitchFamily="49" charset="0"/>
-              </a:rPr>
-              <a:t>        }</a:t>
-            </a:r>
-          </a:p>
-          <a:p>
-            <a:pPr algn="l"/>
-            <a:r>
-              <a:rPr lang="en-GB" sz="700" dirty="0" smtClean="0">
-                <a:solidFill>
-                  <a:schemeClr val="tx1"/>
-                </a:solidFill>
-                <a:latin typeface="Consolas" pitchFamily="49" charset="0"/>
-              </a:rPr>
-              <a:t> </a:t>
-            </a:r>
-          </a:p>
-          <a:p>
-            <a:pPr algn="l"/>
-            <a:r>
-              <a:rPr lang="en-GB" sz="700" dirty="0" smtClean="0">
-                <a:solidFill>
-                  <a:schemeClr val="tx1"/>
-                </a:solidFill>
-                <a:latin typeface="Consolas" pitchFamily="49" charset="0"/>
-              </a:rPr>
-              <a:t>        // Determine whether all images are done being processed.  </a:t>
-            </a:r>
-          </a:p>
-          <a:p>
-            <a:pPr algn="l"/>
-            <a:r>
-              <a:rPr lang="en-GB" sz="700" dirty="0" smtClean="0">
-                <a:solidFill>
-                  <a:schemeClr val="tx1"/>
-                </a:solidFill>
-                <a:latin typeface="Consolas" pitchFamily="49" charset="0"/>
-              </a:rPr>
-              <a:t>        // If not, block until all are finished.</a:t>
-            </a:r>
-          </a:p>
-          <a:p>
-            <a:pPr algn="l"/>
-            <a:r>
-              <a:rPr lang="en-GB" sz="700" dirty="0" smtClean="0">
-                <a:solidFill>
-                  <a:schemeClr val="tx1"/>
-                </a:solidFill>
-                <a:latin typeface="Consolas" pitchFamily="49" charset="0"/>
-              </a:rPr>
-              <a:t>        </a:t>
-            </a:r>
-            <a:r>
-              <a:rPr lang="en-GB" sz="700" dirty="0" err="1" smtClean="0">
-                <a:solidFill>
-                  <a:schemeClr val="tx1"/>
-                </a:solidFill>
-                <a:latin typeface="Consolas" pitchFamily="49" charset="0"/>
-              </a:rPr>
-              <a:t>bool</a:t>
-            </a:r>
-            <a:r>
-              <a:rPr lang="en-GB" sz="700" dirty="0" smtClean="0">
-                <a:solidFill>
-                  <a:schemeClr val="tx1"/>
-                </a:solidFill>
-                <a:latin typeface="Consolas" pitchFamily="49" charset="0"/>
-              </a:rPr>
-              <a:t> </a:t>
-            </a:r>
-            <a:r>
-              <a:rPr lang="en-GB" sz="700" dirty="0" err="1" smtClean="0">
-                <a:solidFill>
-                  <a:schemeClr val="tx1"/>
-                </a:solidFill>
-                <a:latin typeface="Consolas" pitchFamily="49" charset="0"/>
-              </a:rPr>
-              <a:t>mustBlock</a:t>
-            </a:r>
-            <a:r>
-              <a:rPr lang="en-GB" sz="700" dirty="0" smtClean="0">
-                <a:solidFill>
-                  <a:schemeClr val="tx1"/>
-                </a:solidFill>
-                <a:latin typeface="Consolas" pitchFamily="49" charset="0"/>
-              </a:rPr>
-              <a:t> = false;</a:t>
-            </a:r>
-          </a:p>
-          <a:p>
-            <a:pPr algn="l"/>
-            <a:r>
-              <a:rPr lang="en-GB" sz="700" dirty="0" smtClean="0">
-                <a:solidFill>
-                  <a:schemeClr val="tx1"/>
-                </a:solidFill>
-                <a:latin typeface="Consolas" pitchFamily="49" charset="0"/>
-              </a:rPr>
-              <a:t>        lock (</a:t>
-            </a:r>
-            <a:r>
-              <a:rPr lang="en-GB" sz="700" dirty="0" err="1" smtClean="0">
-                <a:solidFill>
-                  <a:schemeClr val="tx1"/>
-                </a:solidFill>
-                <a:latin typeface="Consolas" pitchFamily="49" charset="0"/>
-              </a:rPr>
-              <a:t>NumImagesMutex</a:t>
-            </a:r>
-            <a:r>
-              <a:rPr lang="en-GB" sz="700" dirty="0" smtClean="0">
-                <a:solidFill>
-                  <a:schemeClr val="tx1"/>
-                </a:solidFill>
-                <a:latin typeface="Consolas" pitchFamily="49" charset="0"/>
-              </a:rPr>
-              <a:t>)</a:t>
-            </a:r>
-          </a:p>
-          <a:p>
-            <a:pPr algn="l"/>
-            <a:r>
-              <a:rPr lang="en-GB" sz="700" dirty="0" smtClean="0">
-                <a:solidFill>
-                  <a:schemeClr val="tx1"/>
-                </a:solidFill>
-                <a:latin typeface="Consolas" pitchFamily="49" charset="0"/>
-              </a:rPr>
-              <a:t>        {</a:t>
-            </a:r>
-          </a:p>
-          <a:p>
-            <a:pPr algn="l"/>
-            <a:r>
-              <a:rPr lang="en-GB" sz="700" dirty="0" smtClean="0">
-                <a:solidFill>
-                  <a:schemeClr val="tx1"/>
-                </a:solidFill>
-                <a:latin typeface="Consolas" pitchFamily="49" charset="0"/>
-              </a:rPr>
-              <a:t>            if (</a:t>
-            </a:r>
-            <a:r>
-              <a:rPr lang="en-GB" sz="700" dirty="0" err="1" smtClean="0">
-                <a:solidFill>
-                  <a:schemeClr val="tx1"/>
-                </a:solidFill>
-                <a:latin typeface="Consolas" pitchFamily="49" charset="0"/>
-              </a:rPr>
-              <a:t>NumImagesToFinish</a:t>
-            </a:r>
-            <a:r>
-              <a:rPr lang="en-GB" sz="700" dirty="0" smtClean="0">
-                <a:solidFill>
-                  <a:schemeClr val="tx1"/>
-                </a:solidFill>
-                <a:latin typeface="Consolas" pitchFamily="49" charset="0"/>
-              </a:rPr>
-              <a:t> &gt; 0)</a:t>
-            </a:r>
-          </a:p>
-          <a:p>
-            <a:pPr algn="l"/>
-            <a:r>
-              <a:rPr lang="en-GB" sz="700" dirty="0" smtClean="0">
-                <a:solidFill>
-                  <a:schemeClr val="tx1"/>
-                </a:solidFill>
-                <a:latin typeface="Consolas" pitchFamily="49" charset="0"/>
-              </a:rPr>
-              <a:t>                </a:t>
-            </a:r>
-            <a:r>
-              <a:rPr lang="en-GB" sz="700" dirty="0" err="1" smtClean="0">
-                <a:solidFill>
-                  <a:schemeClr val="tx1"/>
-                </a:solidFill>
-                <a:latin typeface="Consolas" pitchFamily="49" charset="0"/>
-              </a:rPr>
-              <a:t>mustBlock</a:t>
-            </a:r>
-            <a:r>
-              <a:rPr lang="en-GB" sz="700" dirty="0" smtClean="0">
-                <a:solidFill>
-                  <a:schemeClr val="tx1"/>
-                </a:solidFill>
-                <a:latin typeface="Consolas" pitchFamily="49" charset="0"/>
-              </a:rPr>
-              <a:t> = true;</a:t>
-            </a:r>
-          </a:p>
-          <a:p>
-            <a:pPr algn="l"/>
-            <a:r>
-              <a:rPr lang="en-GB" sz="700" dirty="0" smtClean="0">
-                <a:solidFill>
-                  <a:schemeClr val="tx1"/>
-                </a:solidFill>
-                <a:latin typeface="Consolas" pitchFamily="49" charset="0"/>
-              </a:rPr>
-              <a:t>        }</a:t>
-            </a:r>
-          </a:p>
-          <a:p>
-            <a:pPr algn="l"/>
-            <a:r>
-              <a:rPr lang="en-GB" sz="700" dirty="0" smtClean="0">
-                <a:solidFill>
-                  <a:schemeClr val="tx1"/>
-                </a:solidFill>
-                <a:latin typeface="Consolas" pitchFamily="49" charset="0"/>
-              </a:rPr>
-              <a:t>        if (</a:t>
-            </a:r>
-            <a:r>
-              <a:rPr lang="en-GB" sz="700" dirty="0" err="1" smtClean="0">
-                <a:solidFill>
-                  <a:schemeClr val="tx1"/>
-                </a:solidFill>
-                <a:latin typeface="Consolas" pitchFamily="49" charset="0"/>
-              </a:rPr>
-              <a:t>mustBlock</a:t>
-            </a:r>
-            <a:r>
-              <a:rPr lang="en-GB" sz="700" dirty="0" smtClean="0">
-                <a:solidFill>
-                  <a:schemeClr val="tx1"/>
-                </a:solidFill>
-                <a:latin typeface="Consolas" pitchFamily="49" charset="0"/>
-              </a:rPr>
-              <a:t>)</a:t>
-            </a:r>
-          </a:p>
-          <a:p>
-            <a:pPr algn="l"/>
-            <a:r>
-              <a:rPr lang="en-GB" sz="700" dirty="0" smtClean="0">
-                <a:solidFill>
-                  <a:schemeClr val="tx1"/>
-                </a:solidFill>
-                <a:latin typeface="Consolas" pitchFamily="49" charset="0"/>
-              </a:rPr>
-              <a:t>        {</a:t>
-            </a:r>
-          </a:p>
-          <a:p>
-            <a:pPr algn="l"/>
-            <a:r>
-              <a:rPr lang="en-GB" sz="700" dirty="0" smtClean="0">
-                <a:solidFill>
-                  <a:schemeClr val="tx1"/>
-                </a:solidFill>
-                <a:latin typeface="Consolas" pitchFamily="49" charset="0"/>
-              </a:rPr>
-              <a:t>            </a:t>
-            </a:r>
-            <a:r>
-              <a:rPr lang="en-GB" sz="700" dirty="0" err="1" smtClean="0">
-                <a:solidFill>
-                  <a:schemeClr val="tx1"/>
-                </a:solidFill>
-                <a:latin typeface="Consolas" pitchFamily="49" charset="0"/>
-              </a:rPr>
-              <a:t>Console.WriteLine</a:t>
-            </a:r>
-            <a:r>
-              <a:rPr lang="en-GB" sz="700" dirty="0" smtClean="0">
-                <a:solidFill>
-                  <a:schemeClr val="tx1"/>
-                </a:solidFill>
-                <a:latin typeface="Consolas" pitchFamily="49" charset="0"/>
-              </a:rPr>
-              <a:t>("All worker threads are queued. " +</a:t>
-            </a:r>
-          </a:p>
-          <a:p>
-            <a:pPr algn="l"/>
-            <a:r>
-              <a:rPr lang="en-GB" sz="700" dirty="0" smtClean="0">
-                <a:solidFill>
-                  <a:schemeClr val="tx1"/>
-                </a:solidFill>
-                <a:latin typeface="Consolas" pitchFamily="49" charset="0"/>
-              </a:rPr>
-              <a:t>                " Blocking until they complete. </a:t>
-            </a:r>
-            <a:r>
-              <a:rPr lang="en-GB" sz="700" dirty="0" err="1" smtClean="0">
-                <a:solidFill>
-                  <a:schemeClr val="tx1"/>
-                </a:solidFill>
-                <a:latin typeface="Consolas" pitchFamily="49" charset="0"/>
-              </a:rPr>
-              <a:t>numLeft</a:t>
-            </a:r>
-            <a:r>
-              <a:rPr lang="en-GB" sz="700" dirty="0" smtClean="0">
-                <a:solidFill>
-                  <a:schemeClr val="tx1"/>
-                </a:solidFill>
-                <a:latin typeface="Consolas" pitchFamily="49" charset="0"/>
-              </a:rPr>
-              <a:t>: {0}",</a:t>
-            </a:r>
-          </a:p>
-          <a:p>
-            <a:pPr algn="l"/>
-            <a:r>
-              <a:rPr lang="en-GB" sz="700" dirty="0" smtClean="0">
-                <a:solidFill>
-                  <a:schemeClr val="tx1"/>
-                </a:solidFill>
-                <a:latin typeface="Consolas" pitchFamily="49" charset="0"/>
-              </a:rPr>
-              <a:t>                </a:t>
-            </a:r>
-            <a:r>
-              <a:rPr lang="en-GB" sz="700" dirty="0" err="1" smtClean="0">
-                <a:solidFill>
-                  <a:schemeClr val="tx1"/>
-                </a:solidFill>
-                <a:latin typeface="Consolas" pitchFamily="49" charset="0"/>
-              </a:rPr>
-              <a:t>NumImagesToFinish</a:t>
-            </a:r>
-            <a:r>
-              <a:rPr lang="en-GB" sz="700" dirty="0" smtClean="0">
-                <a:solidFill>
-                  <a:schemeClr val="tx1"/>
-                </a:solidFill>
-                <a:latin typeface="Consolas" pitchFamily="49" charset="0"/>
-              </a:rPr>
-              <a:t>);</a:t>
-            </a:r>
-          </a:p>
-          <a:p>
-            <a:pPr algn="l"/>
-            <a:r>
-              <a:rPr lang="en-GB" sz="700" dirty="0" smtClean="0">
-                <a:solidFill>
-                  <a:schemeClr val="tx1"/>
-                </a:solidFill>
-                <a:latin typeface="Consolas" pitchFamily="49" charset="0"/>
-              </a:rPr>
-              <a:t>            </a:t>
-            </a:r>
-            <a:r>
-              <a:rPr lang="en-GB" sz="700" dirty="0" err="1" smtClean="0">
-                <a:solidFill>
-                  <a:schemeClr val="tx1"/>
-                </a:solidFill>
-                <a:latin typeface="Consolas" pitchFamily="49" charset="0"/>
-              </a:rPr>
-              <a:t>Monitor.Enter</a:t>
-            </a:r>
-            <a:r>
-              <a:rPr lang="en-GB" sz="700" dirty="0" smtClean="0">
-                <a:solidFill>
-                  <a:schemeClr val="tx1"/>
-                </a:solidFill>
-                <a:latin typeface="Consolas" pitchFamily="49" charset="0"/>
-              </a:rPr>
-              <a:t>(</a:t>
-            </a:r>
-            <a:r>
-              <a:rPr lang="en-GB" sz="700" dirty="0" err="1" smtClean="0">
-                <a:solidFill>
-                  <a:schemeClr val="tx1"/>
-                </a:solidFill>
-                <a:latin typeface="Consolas" pitchFamily="49" charset="0"/>
-              </a:rPr>
-              <a:t>WaitObject</a:t>
-            </a:r>
-            <a:r>
-              <a:rPr lang="en-GB" sz="700" dirty="0" smtClean="0">
-                <a:solidFill>
-                  <a:schemeClr val="tx1"/>
-                </a:solidFill>
-                <a:latin typeface="Consolas" pitchFamily="49" charset="0"/>
-              </a:rPr>
-              <a:t>);</a:t>
-            </a:r>
-          </a:p>
-          <a:p>
-            <a:pPr algn="l"/>
-            <a:r>
-              <a:rPr lang="en-GB" sz="700" dirty="0" smtClean="0">
-                <a:solidFill>
-                  <a:schemeClr val="tx1"/>
-                </a:solidFill>
-                <a:latin typeface="Consolas" pitchFamily="49" charset="0"/>
-              </a:rPr>
-              <a:t>            </a:t>
-            </a:r>
-            <a:r>
-              <a:rPr lang="en-GB" sz="700" dirty="0" err="1" smtClean="0">
-                <a:solidFill>
-                  <a:schemeClr val="tx1"/>
-                </a:solidFill>
-                <a:latin typeface="Consolas" pitchFamily="49" charset="0"/>
-              </a:rPr>
-              <a:t>Monitor.Wait</a:t>
-            </a:r>
-            <a:r>
-              <a:rPr lang="en-GB" sz="700" dirty="0" smtClean="0">
-                <a:solidFill>
-                  <a:schemeClr val="tx1"/>
-                </a:solidFill>
-                <a:latin typeface="Consolas" pitchFamily="49" charset="0"/>
-              </a:rPr>
-              <a:t>(</a:t>
-            </a:r>
-            <a:r>
-              <a:rPr lang="en-GB" sz="700" dirty="0" err="1" smtClean="0">
-                <a:solidFill>
-                  <a:schemeClr val="tx1"/>
-                </a:solidFill>
-                <a:latin typeface="Consolas" pitchFamily="49" charset="0"/>
-              </a:rPr>
-              <a:t>WaitObject</a:t>
-            </a:r>
-            <a:r>
-              <a:rPr lang="en-GB" sz="700" dirty="0" smtClean="0">
-                <a:solidFill>
-                  <a:schemeClr val="tx1"/>
-                </a:solidFill>
-                <a:latin typeface="Consolas" pitchFamily="49" charset="0"/>
-              </a:rPr>
-              <a:t>);</a:t>
-            </a:r>
-          </a:p>
-          <a:p>
-            <a:pPr algn="l"/>
-            <a:r>
-              <a:rPr lang="en-GB" sz="700" dirty="0" smtClean="0">
-                <a:solidFill>
-                  <a:schemeClr val="tx1"/>
-                </a:solidFill>
-                <a:latin typeface="Consolas" pitchFamily="49" charset="0"/>
-              </a:rPr>
-              <a:t>            </a:t>
-            </a:r>
-            <a:r>
-              <a:rPr lang="en-GB" sz="700" dirty="0" err="1" smtClean="0">
-                <a:solidFill>
-                  <a:schemeClr val="tx1"/>
-                </a:solidFill>
-                <a:latin typeface="Consolas" pitchFamily="49" charset="0"/>
-              </a:rPr>
-              <a:t>Monitor.Exit</a:t>
-            </a:r>
-            <a:r>
-              <a:rPr lang="en-GB" sz="700" dirty="0" smtClean="0">
-                <a:solidFill>
-                  <a:schemeClr val="tx1"/>
-                </a:solidFill>
-                <a:latin typeface="Consolas" pitchFamily="49" charset="0"/>
-              </a:rPr>
-              <a:t>(</a:t>
-            </a:r>
-            <a:r>
-              <a:rPr lang="en-GB" sz="700" dirty="0" err="1" smtClean="0">
-                <a:solidFill>
-                  <a:schemeClr val="tx1"/>
-                </a:solidFill>
-                <a:latin typeface="Consolas" pitchFamily="49" charset="0"/>
-              </a:rPr>
-              <a:t>WaitObject</a:t>
-            </a:r>
-            <a:r>
-              <a:rPr lang="en-GB" sz="700" dirty="0" smtClean="0">
-                <a:solidFill>
-                  <a:schemeClr val="tx1"/>
-                </a:solidFill>
-                <a:latin typeface="Consolas" pitchFamily="49" charset="0"/>
-              </a:rPr>
-              <a:t>);</a:t>
-            </a:r>
-          </a:p>
-          <a:p>
-            <a:pPr algn="l"/>
-            <a:r>
-              <a:rPr lang="en-GB" sz="700" dirty="0" smtClean="0">
-                <a:solidFill>
-                  <a:schemeClr val="tx1"/>
-                </a:solidFill>
-                <a:latin typeface="Consolas" pitchFamily="49" charset="0"/>
-              </a:rPr>
-              <a:t>        }</a:t>
-            </a:r>
-          </a:p>
-          <a:p>
-            <a:pPr algn="l"/>
-            <a:r>
-              <a:rPr lang="en-GB" sz="700" dirty="0" smtClean="0">
-                <a:solidFill>
-                  <a:schemeClr val="tx1"/>
-                </a:solidFill>
-                <a:latin typeface="Consolas" pitchFamily="49" charset="0"/>
-              </a:rPr>
-              <a:t>        long t1 = </a:t>
-            </a:r>
-            <a:r>
-              <a:rPr lang="en-GB" sz="700" dirty="0" err="1" smtClean="0">
-                <a:solidFill>
-                  <a:schemeClr val="tx1"/>
-                </a:solidFill>
-                <a:latin typeface="Consolas" pitchFamily="49" charset="0"/>
-              </a:rPr>
-              <a:t>Environment.TickCount</a:t>
-            </a:r>
-            <a:r>
-              <a:rPr lang="en-GB" sz="700" dirty="0" smtClean="0">
-                <a:solidFill>
-                  <a:schemeClr val="tx1"/>
-                </a:solidFill>
-                <a:latin typeface="Consolas" pitchFamily="49" charset="0"/>
-              </a:rPr>
-              <a:t>;</a:t>
-            </a:r>
-          </a:p>
-          <a:p>
-            <a:pPr algn="l"/>
-            <a:r>
-              <a:rPr lang="en-GB" sz="700" dirty="0" smtClean="0">
-                <a:solidFill>
-                  <a:schemeClr val="tx1"/>
-                </a:solidFill>
-                <a:latin typeface="Consolas" pitchFamily="49" charset="0"/>
-              </a:rPr>
-              <a:t>        </a:t>
-            </a:r>
-            <a:r>
-              <a:rPr lang="en-GB" sz="700" dirty="0" err="1" smtClean="0">
-                <a:solidFill>
-                  <a:schemeClr val="tx1"/>
-                </a:solidFill>
-                <a:latin typeface="Consolas" pitchFamily="49" charset="0"/>
-              </a:rPr>
-              <a:t>Console.WriteLine</a:t>
-            </a:r>
-            <a:r>
-              <a:rPr lang="en-GB" sz="700" dirty="0" smtClean="0">
-                <a:solidFill>
-                  <a:schemeClr val="tx1"/>
-                </a:solidFill>
-                <a:latin typeface="Consolas" pitchFamily="49" charset="0"/>
-              </a:rPr>
-              <a:t>("Total time processing images: {0}ms",</a:t>
-            </a:r>
-          </a:p>
-          <a:p>
-            <a:pPr algn="l"/>
-            <a:r>
-              <a:rPr lang="en-GB" sz="700" dirty="0" smtClean="0">
-                <a:solidFill>
-                  <a:schemeClr val="tx1"/>
-                </a:solidFill>
-                <a:latin typeface="Consolas" pitchFamily="49" charset="0"/>
-              </a:rPr>
-              <a:t>            (t1 - t0));</a:t>
-            </a:r>
-          </a:p>
-          <a:p>
-            <a:pPr algn="l"/>
-            <a:r>
-              <a:rPr lang="en-GB" sz="700" dirty="0" smtClean="0">
-                <a:solidFill>
-                  <a:schemeClr val="tx1"/>
-                </a:solidFill>
-                <a:latin typeface="Consolas" pitchFamily="49" charset="0"/>
-              </a:rPr>
-              <a:t>    }</a:t>
-            </a:r>
-          </a:p>
-          <a:p>
-            <a:pPr algn="l"/>
-            <a:r>
-              <a:rPr lang="en-GB" sz="700" dirty="0" smtClean="0">
-                <a:solidFill>
-                  <a:schemeClr val="tx1"/>
-                </a:solidFill>
-                <a:latin typeface="Consolas" pitchFamily="49" charset="0"/>
-              </a:rPr>
-              <a:t>}</a:t>
-            </a:r>
-            <a:endParaRPr lang="en-GB" sz="700" dirty="0">
-              <a:solidFill>
-                <a:schemeClr val="tx1"/>
-              </a:solidFill>
-              <a:latin typeface="Consolas" pitchFamily="49" charset="0"/>
-            </a:endParaRPr>
-          </a:p>
-        </p:txBody>
-      </p:sp>
-      <p:sp>
-        <p:nvSpPr>
-          <p:cNvPr id="10" name="Folded Corner 9"/>
-          <p:cNvSpPr/>
-          <p:nvPr/>
-        </p:nvSpPr>
-        <p:spPr>
-          <a:xfrm>
-            <a:off x="457200" y="4114800"/>
-            <a:ext cx="3501527" cy="1629458"/>
-          </a:xfrm>
-          <a:prstGeom prst="foldedCorner">
-            <a:avLst/>
-          </a:prstGeom>
-        </p:spPr>
-        <p:style>
-          <a:lnRef idx="1">
-            <a:schemeClr val="accent1"/>
-          </a:lnRef>
-          <a:fillRef idx="2">
-            <a:schemeClr val="accent1"/>
-          </a:fillRef>
-          <a:effectRef idx="1">
-            <a:schemeClr val="accent1"/>
-          </a:effectRef>
-          <a:fontRef idx="minor">
-            <a:schemeClr val="dk1"/>
-          </a:fontRef>
-        </p:style>
-        <p:txBody>
-          <a:bodyPr wrap="none" lIns="36000" tIns="36000" rIns="36000" bIns="36000" rtlCol="0" anchor="ctr">
-            <a:spAutoFit/>
-          </a:bodyPr>
-          <a:lstStyle/>
-          <a:p>
-            <a:pPr algn="l">
-              <a:spcAft>
-                <a:spcPts val="0"/>
-              </a:spcAft>
-            </a:pPr>
-            <a:r>
-              <a:rPr lang="en-GB" sz="700" dirty="0" smtClean="0">
-                <a:solidFill>
-                  <a:schemeClr val="bg1"/>
-                </a:solidFill>
-                <a:latin typeface="Consolas" pitchFamily="49" charset="0"/>
-                <a:ea typeface="Calibri"/>
-                <a:cs typeface="Times New Roman"/>
-              </a:rPr>
-              <a:t>let </a:t>
-            </a:r>
-            <a:r>
-              <a:rPr lang="en-GB" sz="700" dirty="0" err="1" smtClean="0">
-                <a:solidFill>
-                  <a:schemeClr val="bg1"/>
-                </a:solidFill>
-                <a:latin typeface="Consolas" pitchFamily="49" charset="0"/>
-                <a:ea typeface="Calibri"/>
-                <a:cs typeface="Times New Roman"/>
-              </a:rPr>
-              <a:t>ProcessImageAsync</a:t>
-            </a:r>
-            <a:r>
-              <a:rPr lang="en-GB" sz="700" dirty="0" smtClean="0">
-                <a:solidFill>
-                  <a:schemeClr val="bg1"/>
-                </a:solidFill>
-                <a:latin typeface="Consolas" pitchFamily="49" charset="0"/>
-                <a:ea typeface="Calibri"/>
-                <a:cs typeface="Times New Roman"/>
-              </a:rPr>
-              <a:t> () =</a:t>
-            </a:r>
-          </a:p>
-          <a:p>
-            <a:pPr algn="l">
-              <a:spcAft>
-                <a:spcPts val="0"/>
-              </a:spcAft>
-            </a:pPr>
-            <a:r>
-              <a:rPr lang="en-GB" sz="700" dirty="0" smtClean="0">
-                <a:solidFill>
-                  <a:schemeClr val="bg1"/>
-                </a:solidFill>
-                <a:latin typeface="Consolas" pitchFamily="49" charset="0"/>
-                <a:ea typeface="Calibri"/>
-                <a:cs typeface="Times New Roman"/>
-              </a:rPr>
-              <a:t>    </a:t>
-            </a:r>
-            <a:r>
-              <a:rPr lang="en-GB" sz="700" dirty="0" err="1" smtClean="0">
-                <a:solidFill>
-                  <a:schemeClr val="bg1"/>
-                </a:solidFill>
-                <a:latin typeface="Consolas" pitchFamily="49" charset="0"/>
-                <a:ea typeface="Calibri"/>
-                <a:cs typeface="Times New Roman"/>
-              </a:rPr>
-              <a:t>async</a:t>
-            </a:r>
-            <a:r>
-              <a:rPr lang="en-GB" sz="700" dirty="0" smtClean="0">
-                <a:solidFill>
-                  <a:schemeClr val="bg1"/>
-                </a:solidFill>
-                <a:latin typeface="Consolas" pitchFamily="49" charset="0"/>
-                <a:ea typeface="Calibri"/>
-                <a:cs typeface="Times New Roman"/>
-              </a:rPr>
-              <a:t> { let  </a:t>
-            </a:r>
-            <a:r>
-              <a:rPr lang="en-GB" sz="700" dirty="0" err="1" smtClean="0">
-                <a:solidFill>
-                  <a:schemeClr val="bg1"/>
-                </a:solidFill>
-                <a:latin typeface="Consolas" pitchFamily="49" charset="0"/>
-                <a:ea typeface="Calibri"/>
-                <a:cs typeface="Times New Roman"/>
-              </a:rPr>
-              <a:t>inStream</a:t>
-            </a:r>
-            <a:r>
-              <a:rPr lang="en-GB" sz="700" dirty="0" smtClean="0">
-                <a:solidFill>
-                  <a:schemeClr val="bg1"/>
-                </a:solidFill>
-                <a:latin typeface="Consolas" pitchFamily="49" charset="0"/>
-                <a:ea typeface="Calibri"/>
-                <a:cs typeface="Times New Roman"/>
-              </a:rPr>
-              <a:t>  = </a:t>
-            </a:r>
-            <a:r>
-              <a:rPr lang="en-GB" sz="700" dirty="0" err="1" smtClean="0">
-                <a:solidFill>
-                  <a:schemeClr val="bg1"/>
-                </a:solidFill>
-                <a:latin typeface="Consolas" pitchFamily="49" charset="0"/>
-                <a:ea typeface="Calibri"/>
-                <a:cs typeface="Times New Roman"/>
-              </a:rPr>
-              <a:t>File.OpenRead</a:t>
-            </a:r>
-            <a:r>
-              <a:rPr lang="en-GB" sz="700" dirty="0" smtClean="0">
-                <a:solidFill>
-                  <a:schemeClr val="bg1"/>
-                </a:solidFill>
-                <a:latin typeface="Consolas" pitchFamily="49" charset="0"/>
-                <a:ea typeface="Calibri"/>
-                <a:cs typeface="Times New Roman"/>
-              </a:rPr>
-              <a:t>(</a:t>
-            </a:r>
-            <a:r>
-              <a:rPr lang="en-GB" sz="700" dirty="0" err="1" smtClean="0">
-                <a:solidFill>
-                  <a:schemeClr val="bg1"/>
-                </a:solidFill>
-                <a:latin typeface="Consolas" pitchFamily="49" charset="0"/>
-                <a:ea typeface="Calibri"/>
-                <a:cs typeface="Times New Roman"/>
-              </a:rPr>
-              <a:t>sprintf</a:t>
-            </a:r>
-            <a:r>
-              <a:rPr lang="en-GB" sz="700" dirty="0" smtClean="0">
-                <a:solidFill>
-                  <a:schemeClr val="bg1"/>
-                </a:solidFill>
-                <a:latin typeface="Consolas" pitchFamily="49" charset="0"/>
-                <a:ea typeface="Calibri"/>
-                <a:cs typeface="Times New Roman"/>
-              </a:rPr>
-              <a:t> "</a:t>
-            </a:r>
-            <a:r>
-              <a:rPr lang="en-GB" sz="700" dirty="0" err="1" smtClean="0">
-                <a:solidFill>
-                  <a:schemeClr val="bg1"/>
-                </a:solidFill>
-                <a:latin typeface="Consolas" pitchFamily="49" charset="0"/>
-                <a:ea typeface="Calibri"/>
-                <a:cs typeface="Times New Roman"/>
-              </a:rPr>
-              <a:t>Image%d.tmp</a:t>
-            </a:r>
-            <a:r>
-              <a:rPr lang="en-GB" sz="700" dirty="0" smtClean="0">
-                <a:solidFill>
-                  <a:schemeClr val="bg1"/>
-                </a:solidFill>
-                <a:latin typeface="Consolas" pitchFamily="49" charset="0"/>
-                <a:ea typeface="Calibri"/>
-                <a:cs typeface="Times New Roman"/>
-              </a:rPr>
-              <a:t>" </a:t>
-            </a:r>
-            <a:r>
-              <a:rPr lang="en-GB" sz="700" dirty="0" err="1" smtClean="0">
-                <a:solidFill>
-                  <a:schemeClr val="bg1"/>
-                </a:solidFill>
-                <a:latin typeface="Consolas" pitchFamily="49" charset="0"/>
-                <a:ea typeface="Calibri"/>
-                <a:cs typeface="Times New Roman"/>
-              </a:rPr>
-              <a:t>i</a:t>
-            </a:r>
-            <a:r>
-              <a:rPr lang="en-GB" sz="700" dirty="0" smtClean="0">
-                <a:solidFill>
-                  <a:schemeClr val="bg1"/>
-                </a:solidFill>
-                <a:latin typeface="Consolas" pitchFamily="49" charset="0"/>
-                <a:ea typeface="Calibri"/>
-                <a:cs typeface="Times New Roman"/>
-              </a:rPr>
-              <a:t>)</a:t>
-            </a:r>
-          </a:p>
-          <a:p>
-            <a:pPr algn="l">
-              <a:spcAft>
-                <a:spcPts val="0"/>
-              </a:spcAft>
-            </a:pPr>
-            <a:r>
-              <a:rPr lang="en-GB" sz="700" dirty="0" smtClean="0">
-                <a:solidFill>
-                  <a:schemeClr val="bg1"/>
-                </a:solidFill>
-                <a:latin typeface="Consolas" pitchFamily="49" charset="0"/>
-                <a:ea typeface="Calibri"/>
-                <a:cs typeface="Times New Roman"/>
-              </a:rPr>
-              <a:t>            let! pixels    = </a:t>
-            </a:r>
-            <a:r>
-              <a:rPr lang="en-GB" sz="700" dirty="0" err="1" smtClean="0">
-                <a:solidFill>
-                  <a:schemeClr val="bg1"/>
-                </a:solidFill>
-                <a:latin typeface="Consolas" pitchFamily="49" charset="0"/>
-                <a:ea typeface="Calibri"/>
-                <a:cs typeface="Times New Roman"/>
-              </a:rPr>
-              <a:t>inStream.</a:t>
-            </a:r>
-            <a:r>
-              <a:rPr lang="en-GB" sz="700" b="1" dirty="0" err="1" smtClean="0">
-                <a:solidFill>
-                  <a:schemeClr val="bg1"/>
-                </a:solidFill>
-                <a:latin typeface="Consolas" pitchFamily="49" charset="0"/>
-                <a:ea typeface="Calibri"/>
-                <a:cs typeface="Times New Roman"/>
-              </a:rPr>
-              <a:t>ReadAsync</a:t>
-            </a:r>
-            <a:r>
-              <a:rPr lang="en-GB" sz="700" dirty="0" smtClean="0">
-                <a:solidFill>
-                  <a:schemeClr val="bg1"/>
-                </a:solidFill>
-                <a:latin typeface="Consolas" pitchFamily="49" charset="0"/>
-                <a:ea typeface="Calibri"/>
-                <a:cs typeface="Times New Roman"/>
-              </a:rPr>
-              <a:t>(</a:t>
-            </a:r>
-            <a:r>
-              <a:rPr lang="en-GB" sz="700" dirty="0" err="1" smtClean="0">
-                <a:solidFill>
-                  <a:schemeClr val="bg1"/>
-                </a:solidFill>
-                <a:latin typeface="Consolas" pitchFamily="49" charset="0"/>
-                <a:ea typeface="Calibri"/>
-                <a:cs typeface="Times New Roman"/>
-              </a:rPr>
-              <a:t>numPixels</a:t>
-            </a:r>
-            <a:r>
-              <a:rPr lang="en-GB" sz="700" dirty="0" smtClean="0">
-                <a:solidFill>
-                  <a:schemeClr val="bg1"/>
-                </a:solidFill>
-                <a:latin typeface="Consolas" pitchFamily="49" charset="0"/>
-                <a:ea typeface="Calibri"/>
-                <a:cs typeface="Times New Roman"/>
-              </a:rPr>
-              <a:t>)</a:t>
-            </a:r>
-          </a:p>
-          <a:p>
-            <a:pPr algn="l">
-              <a:spcAft>
-                <a:spcPts val="0"/>
-              </a:spcAft>
-            </a:pPr>
-            <a:r>
-              <a:rPr lang="en-GB" sz="700" dirty="0" smtClean="0">
-                <a:solidFill>
-                  <a:schemeClr val="bg1"/>
-                </a:solidFill>
-                <a:latin typeface="Consolas" pitchFamily="49" charset="0"/>
-                <a:ea typeface="Calibri"/>
-                <a:cs typeface="Times New Roman"/>
-              </a:rPr>
-              <a:t>            let  pixels'   = </a:t>
-            </a:r>
-            <a:r>
-              <a:rPr lang="en-GB" sz="700" dirty="0" err="1" smtClean="0">
-                <a:solidFill>
-                  <a:schemeClr val="bg1"/>
-                </a:solidFill>
-                <a:latin typeface="Consolas" pitchFamily="49" charset="0"/>
-                <a:ea typeface="Calibri"/>
-                <a:cs typeface="Times New Roman"/>
-              </a:rPr>
-              <a:t>TransformImage</a:t>
-            </a:r>
-            <a:r>
-              <a:rPr lang="en-GB" sz="700" dirty="0" smtClean="0">
-                <a:solidFill>
-                  <a:schemeClr val="bg1"/>
-                </a:solidFill>
-                <a:latin typeface="Consolas" pitchFamily="49" charset="0"/>
-                <a:ea typeface="Calibri"/>
-                <a:cs typeface="Times New Roman"/>
-              </a:rPr>
-              <a:t>(</a:t>
-            </a:r>
-            <a:r>
-              <a:rPr lang="en-GB" sz="700" dirty="0" err="1" smtClean="0">
-                <a:solidFill>
-                  <a:schemeClr val="bg1"/>
-                </a:solidFill>
-                <a:latin typeface="Consolas" pitchFamily="49" charset="0"/>
-                <a:ea typeface="Calibri"/>
-                <a:cs typeface="Times New Roman"/>
-              </a:rPr>
-              <a:t>pixels,i</a:t>
-            </a:r>
-            <a:r>
-              <a:rPr lang="en-GB" sz="700" dirty="0" smtClean="0">
-                <a:solidFill>
-                  <a:schemeClr val="bg1"/>
-                </a:solidFill>
-                <a:latin typeface="Consolas" pitchFamily="49" charset="0"/>
-                <a:ea typeface="Calibri"/>
-                <a:cs typeface="Times New Roman"/>
-              </a:rPr>
-              <a:t>)</a:t>
-            </a:r>
-          </a:p>
-          <a:p>
-            <a:pPr algn="l">
-              <a:spcAft>
-                <a:spcPts val="0"/>
-              </a:spcAft>
-            </a:pPr>
-            <a:r>
-              <a:rPr lang="en-GB" sz="700" dirty="0" smtClean="0">
-                <a:solidFill>
-                  <a:schemeClr val="bg1"/>
-                </a:solidFill>
-                <a:latin typeface="Consolas" pitchFamily="49" charset="0"/>
-                <a:ea typeface="Calibri"/>
-                <a:cs typeface="Times New Roman"/>
-              </a:rPr>
-              <a:t>            let  </a:t>
-            </a:r>
-            <a:r>
-              <a:rPr lang="en-GB" sz="700" dirty="0" err="1" smtClean="0">
-                <a:solidFill>
-                  <a:schemeClr val="bg1"/>
-                </a:solidFill>
-                <a:latin typeface="Consolas" pitchFamily="49" charset="0"/>
-                <a:ea typeface="Calibri"/>
-                <a:cs typeface="Times New Roman"/>
-              </a:rPr>
-              <a:t>outStream</a:t>
-            </a:r>
-            <a:r>
-              <a:rPr lang="en-GB" sz="700" dirty="0" smtClean="0">
-                <a:solidFill>
-                  <a:schemeClr val="bg1"/>
-                </a:solidFill>
-                <a:latin typeface="Consolas" pitchFamily="49" charset="0"/>
-                <a:ea typeface="Calibri"/>
-                <a:cs typeface="Times New Roman"/>
-              </a:rPr>
-              <a:t> = </a:t>
-            </a:r>
-            <a:r>
-              <a:rPr lang="en-GB" sz="700" dirty="0" err="1" smtClean="0">
-                <a:solidFill>
-                  <a:schemeClr val="bg1"/>
-                </a:solidFill>
-                <a:latin typeface="Consolas" pitchFamily="49" charset="0"/>
-                <a:ea typeface="Calibri"/>
-                <a:cs typeface="Times New Roman"/>
-              </a:rPr>
-              <a:t>File.OpenWrite</a:t>
-            </a:r>
-            <a:r>
-              <a:rPr lang="en-GB" sz="700" dirty="0" smtClean="0">
-                <a:solidFill>
-                  <a:schemeClr val="bg1"/>
-                </a:solidFill>
-                <a:latin typeface="Consolas" pitchFamily="49" charset="0"/>
-                <a:ea typeface="Calibri"/>
-                <a:cs typeface="Times New Roman"/>
-              </a:rPr>
-              <a:t>(</a:t>
-            </a:r>
-            <a:r>
-              <a:rPr lang="en-GB" sz="700" dirty="0" err="1" smtClean="0">
-                <a:solidFill>
-                  <a:schemeClr val="bg1"/>
-                </a:solidFill>
-                <a:latin typeface="Consolas" pitchFamily="49" charset="0"/>
-                <a:ea typeface="Calibri"/>
-                <a:cs typeface="Times New Roman"/>
-              </a:rPr>
-              <a:t>sprintf</a:t>
-            </a:r>
-            <a:r>
-              <a:rPr lang="en-GB" sz="700" dirty="0" smtClean="0">
-                <a:solidFill>
-                  <a:schemeClr val="bg1"/>
-                </a:solidFill>
-                <a:latin typeface="Consolas" pitchFamily="49" charset="0"/>
-                <a:ea typeface="Calibri"/>
-                <a:cs typeface="Times New Roman"/>
-              </a:rPr>
-              <a:t> "</a:t>
-            </a:r>
-            <a:r>
-              <a:rPr lang="en-GB" sz="700" dirty="0" err="1" smtClean="0">
-                <a:solidFill>
-                  <a:schemeClr val="bg1"/>
-                </a:solidFill>
-                <a:latin typeface="Consolas" pitchFamily="49" charset="0"/>
-                <a:ea typeface="Calibri"/>
-                <a:cs typeface="Times New Roman"/>
-              </a:rPr>
-              <a:t>Image%d.done</a:t>
-            </a:r>
-            <a:r>
-              <a:rPr lang="en-GB" sz="700" dirty="0" smtClean="0">
-                <a:solidFill>
-                  <a:schemeClr val="bg1"/>
-                </a:solidFill>
-                <a:latin typeface="Consolas" pitchFamily="49" charset="0"/>
-                <a:ea typeface="Calibri"/>
-                <a:cs typeface="Times New Roman"/>
-              </a:rPr>
-              <a:t>" </a:t>
-            </a:r>
-            <a:r>
-              <a:rPr lang="en-GB" sz="700" dirty="0" err="1" smtClean="0">
-                <a:solidFill>
-                  <a:schemeClr val="bg1"/>
-                </a:solidFill>
-                <a:latin typeface="Consolas" pitchFamily="49" charset="0"/>
-                <a:ea typeface="Calibri"/>
-                <a:cs typeface="Times New Roman"/>
-              </a:rPr>
-              <a:t>i</a:t>
-            </a:r>
-            <a:r>
-              <a:rPr lang="en-GB" sz="700" dirty="0" smtClean="0">
-                <a:solidFill>
-                  <a:schemeClr val="bg1"/>
-                </a:solidFill>
-                <a:latin typeface="Consolas" pitchFamily="49" charset="0"/>
-                <a:ea typeface="Calibri"/>
-                <a:cs typeface="Times New Roman"/>
-              </a:rPr>
-              <a:t>)</a:t>
-            </a:r>
-          </a:p>
-          <a:p>
-            <a:pPr algn="l">
-              <a:spcAft>
-                <a:spcPts val="0"/>
-              </a:spcAft>
-            </a:pPr>
-            <a:r>
-              <a:rPr lang="en-GB" sz="700" dirty="0" smtClean="0">
-                <a:solidFill>
-                  <a:schemeClr val="bg1"/>
-                </a:solidFill>
-                <a:latin typeface="Consolas" pitchFamily="49" charset="0"/>
-                <a:ea typeface="Calibri"/>
-                <a:cs typeface="Times New Roman"/>
-              </a:rPr>
-              <a:t>            do!  </a:t>
-            </a:r>
-            <a:r>
-              <a:rPr lang="en-GB" sz="700" dirty="0" err="1" smtClean="0">
-                <a:solidFill>
-                  <a:schemeClr val="bg1"/>
-                </a:solidFill>
-                <a:latin typeface="Consolas" pitchFamily="49" charset="0"/>
-                <a:ea typeface="Calibri"/>
-                <a:cs typeface="Times New Roman"/>
-              </a:rPr>
-              <a:t>outStream.</a:t>
-            </a:r>
-            <a:r>
-              <a:rPr lang="en-GB" sz="700" b="1" dirty="0" err="1" smtClean="0">
-                <a:solidFill>
-                  <a:schemeClr val="bg1"/>
-                </a:solidFill>
-                <a:latin typeface="Consolas" pitchFamily="49" charset="0"/>
-                <a:ea typeface="Calibri"/>
-                <a:cs typeface="Times New Roman"/>
-              </a:rPr>
-              <a:t>WriteAsync</a:t>
-            </a:r>
-            <a:r>
-              <a:rPr lang="en-GB" sz="700" dirty="0" smtClean="0">
-                <a:solidFill>
-                  <a:schemeClr val="bg1"/>
-                </a:solidFill>
-                <a:latin typeface="Consolas" pitchFamily="49" charset="0"/>
-                <a:ea typeface="Calibri"/>
-                <a:cs typeface="Times New Roman"/>
-              </a:rPr>
-              <a:t>(pixels')</a:t>
-            </a:r>
-          </a:p>
-          <a:p>
-            <a:pPr algn="l">
-              <a:spcAft>
-                <a:spcPts val="0"/>
-              </a:spcAft>
-            </a:pPr>
-            <a:r>
-              <a:rPr lang="en-GB" sz="700" dirty="0" smtClean="0">
-                <a:solidFill>
-                  <a:schemeClr val="bg1"/>
-                </a:solidFill>
-                <a:latin typeface="Consolas" pitchFamily="49" charset="0"/>
-                <a:ea typeface="Calibri"/>
-                <a:cs typeface="Times New Roman"/>
-              </a:rPr>
-              <a:t>            do   </a:t>
-            </a:r>
-            <a:r>
-              <a:rPr lang="en-GB" sz="700" dirty="0" err="1" smtClean="0">
-                <a:solidFill>
-                  <a:schemeClr val="bg1"/>
-                </a:solidFill>
-                <a:latin typeface="Consolas" pitchFamily="49" charset="0"/>
-                <a:ea typeface="Calibri"/>
-                <a:cs typeface="Times New Roman"/>
-              </a:rPr>
-              <a:t>Console.WriteLine</a:t>
-            </a:r>
-            <a:r>
-              <a:rPr lang="en-GB" sz="700" dirty="0" smtClean="0">
-                <a:solidFill>
-                  <a:schemeClr val="bg1"/>
-                </a:solidFill>
-                <a:latin typeface="Consolas" pitchFamily="49" charset="0"/>
-                <a:ea typeface="Calibri"/>
-                <a:cs typeface="Times New Roman"/>
-              </a:rPr>
-              <a:t> "done!"  }</a:t>
-            </a:r>
-          </a:p>
-          <a:p>
-            <a:pPr algn="l">
-              <a:spcAft>
-                <a:spcPts val="0"/>
-              </a:spcAft>
-            </a:pPr>
-            <a:r>
-              <a:rPr lang="en-GB" sz="700" dirty="0" smtClean="0">
-                <a:solidFill>
-                  <a:schemeClr val="bg1"/>
-                </a:solidFill>
-                <a:latin typeface="Consolas" pitchFamily="49" charset="0"/>
-                <a:ea typeface="Calibri"/>
-                <a:cs typeface="Times New Roman"/>
-              </a:rPr>
-              <a:t> </a:t>
-            </a:r>
-          </a:p>
-          <a:p>
-            <a:pPr algn="l">
-              <a:spcAft>
-                <a:spcPts val="0"/>
-              </a:spcAft>
-            </a:pPr>
-            <a:r>
-              <a:rPr lang="en-GB" sz="700" dirty="0" smtClean="0">
-                <a:solidFill>
-                  <a:schemeClr val="bg1"/>
-                </a:solidFill>
-                <a:latin typeface="Consolas" pitchFamily="49" charset="0"/>
-                <a:ea typeface="Calibri"/>
-                <a:cs typeface="Times New Roman"/>
-              </a:rPr>
-              <a:t>let </a:t>
-            </a:r>
-            <a:r>
-              <a:rPr lang="en-GB" sz="700" dirty="0" err="1" smtClean="0">
-                <a:solidFill>
-                  <a:schemeClr val="bg1"/>
-                </a:solidFill>
-                <a:latin typeface="Consolas" pitchFamily="49" charset="0"/>
-                <a:ea typeface="Calibri"/>
-                <a:cs typeface="Times New Roman"/>
-              </a:rPr>
-              <a:t>ProcessImagesAsyncWorkflow</a:t>
-            </a:r>
-            <a:r>
-              <a:rPr lang="en-GB" sz="700" dirty="0" smtClean="0">
-                <a:solidFill>
-                  <a:schemeClr val="bg1"/>
-                </a:solidFill>
-                <a:latin typeface="Consolas" pitchFamily="49" charset="0"/>
-                <a:ea typeface="Calibri"/>
-                <a:cs typeface="Times New Roman"/>
-              </a:rPr>
-              <a:t>() =</a:t>
-            </a:r>
-          </a:p>
-          <a:p>
-            <a:pPr algn="l">
-              <a:spcAft>
-                <a:spcPts val="0"/>
-              </a:spcAft>
-            </a:pPr>
-            <a:r>
-              <a:rPr lang="en-GB" sz="700" dirty="0" smtClean="0">
-                <a:solidFill>
-                  <a:schemeClr val="bg1"/>
-                </a:solidFill>
-                <a:latin typeface="Consolas" pitchFamily="49" charset="0"/>
-                <a:ea typeface="Calibri"/>
-                <a:cs typeface="Times New Roman"/>
-              </a:rPr>
-              <a:t>    </a:t>
-            </a:r>
-            <a:r>
-              <a:rPr lang="en-GB" sz="700" dirty="0" err="1" smtClean="0">
-                <a:solidFill>
-                  <a:schemeClr val="bg1"/>
-                </a:solidFill>
-                <a:latin typeface="Consolas" pitchFamily="49" charset="0"/>
-                <a:ea typeface="Calibri"/>
-                <a:cs typeface="Times New Roman"/>
-              </a:rPr>
-              <a:t>Async.Run</a:t>
-            </a:r>
-            <a:r>
-              <a:rPr lang="en-GB" sz="700" dirty="0" smtClean="0">
-                <a:solidFill>
-                  <a:schemeClr val="bg1"/>
-                </a:solidFill>
-                <a:latin typeface="Consolas" pitchFamily="49" charset="0"/>
-                <a:ea typeface="Calibri"/>
-                <a:cs typeface="Times New Roman"/>
-              </a:rPr>
-              <a:t> (</a:t>
-            </a:r>
-            <a:r>
-              <a:rPr lang="en-GB" sz="700" dirty="0" err="1" smtClean="0">
-                <a:solidFill>
-                  <a:schemeClr val="bg1"/>
-                </a:solidFill>
-                <a:latin typeface="Consolas" pitchFamily="49" charset="0"/>
-                <a:ea typeface="Calibri"/>
-                <a:cs typeface="Times New Roman"/>
-              </a:rPr>
-              <a:t>Async.Parallel</a:t>
-            </a:r>
-            <a:r>
-              <a:rPr lang="en-GB" sz="700" dirty="0" smtClean="0">
-                <a:solidFill>
-                  <a:schemeClr val="bg1"/>
-                </a:solidFill>
-                <a:latin typeface="Consolas" pitchFamily="49" charset="0"/>
-                <a:ea typeface="Calibri"/>
-                <a:cs typeface="Times New Roman"/>
-              </a:rPr>
-              <a:t> </a:t>
-            </a:r>
-          </a:p>
-          <a:p>
-            <a:pPr algn="l">
-              <a:spcAft>
-                <a:spcPts val="0"/>
-              </a:spcAft>
-            </a:pPr>
-            <a:r>
-              <a:rPr lang="en-GB" sz="700" dirty="0" smtClean="0">
-                <a:solidFill>
-                  <a:schemeClr val="bg1"/>
-                </a:solidFill>
-                <a:latin typeface="Consolas" pitchFamily="49" charset="0"/>
-                <a:ea typeface="Calibri"/>
-                <a:cs typeface="Times New Roman"/>
-              </a:rPr>
-              <a:t>                 [ for </a:t>
-            </a:r>
-            <a:r>
-              <a:rPr lang="en-GB" sz="700" dirty="0" err="1" smtClean="0">
-                <a:solidFill>
-                  <a:schemeClr val="bg1"/>
-                </a:solidFill>
-                <a:latin typeface="Consolas" pitchFamily="49" charset="0"/>
-                <a:ea typeface="Calibri"/>
-                <a:cs typeface="Times New Roman"/>
-              </a:rPr>
-              <a:t>i</a:t>
-            </a:r>
-            <a:r>
-              <a:rPr lang="en-GB" sz="700" dirty="0" smtClean="0">
-                <a:solidFill>
-                  <a:schemeClr val="bg1"/>
-                </a:solidFill>
-                <a:latin typeface="Consolas" pitchFamily="49" charset="0"/>
-                <a:ea typeface="Calibri"/>
-                <a:cs typeface="Times New Roman"/>
-              </a:rPr>
-              <a:t> in 1 .. </a:t>
-            </a:r>
-            <a:r>
-              <a:rPr lang="en-GB" sz="700" dirty="0" err="1" smtClean="0">
-                <a:solidFill>
-                  <a:schemeClr val="bg1"/>
-                </a:solidFill>
-                <a:latin typeface="Consolas" pitchFamily="49" charset="0"/>
-                <a:ea typeface="Calibri"/>
-                <a:cs typeface="Times New Roman"/>
-              </a:rPr>
-              <a:t>numImages</a:t>
-            </a:r>
-            <a:r>
-              <a:rPr lang="en-GB" sz="700" dirty="0" smtClean="0">
-                <a:solidFill>
-                  <a:schemeClr val="bg1"/>
-                </a:solidFill>
-                <a:latin typeface="Consolas" pitchFamily="49" charset="0"/>
-                <a:ea typeface="Calibri"/>
-                <a:cs typeface="Times New Roman"/>
-              </a:rPr>
-              <a:t> -&gt; </a:t>
-            </a:r>
-            <a:r>
-              <a:rPr lang="en-GB" sz="700" dirty="0" err="1" smtClean="0">
-                <a:solidFill>
-                  <a:schemeClr val="bg1"/>
-                </a:solidFill>
-                <a:latin typeface="Consolas" pitchFamily="49" charset="0"/>
-                <a:ea typeface="Calibri"/>
-                <a:cs typeface="Times New Roman"/>
-              </a:rPr>
-              <a:t>ProcessImageAsync</a:t>
-            </a:r>
-            <a:r>
-              <a:rPr lang="en-GB" sz="700" dirty="0" smtClean="0">
-                <a:solidFill>
-                  <a:schemeClr val="bg1"/>
-                </a:solidFill>
-                <a:latin typeface="Consolas" pitchFamily="49" charset="0"/>
-                <a:ea typeface="Calibri"/>
-                <a:cs typeface="Times New Roman"/>
-              </a:rPr>
-              <a:t> </a:t>
-            </a:r>
-            <a:r>
-              <a:rPr lang="en-GB" sz="700" dirty="0" err="1" smtClean="0">
-                <a:solidFill>
-                  <a:schemeClr val="bg1"/>
-                </a:solidFill>
-                <a:latin typeface="Consolas" pitchFamily="49" charset="0"/>
-                <a:ea typeface="Calibri"/>
-                <a:cs typeface="Times New Roman"/>
-              </a:rPr>
-              <a:t>i</a:t>
-            </a:r>
-            <a:r>
-              <a:rPr lang="en-GB" sz="700" dirty="0" smtClean="0">
-                <a:solidFill>
-                  <a:schemeClr val="bg1"/>
-                </a:solidFill>
-                <a:latin typeface="Consolas" pitchFamily="49" charset="0"/>
-                <a:ea typeface="Calibri"/>
-                <a:cs typeface="Times New Roman"/>
-              </a:rPr>
-              <a:t> ])</a:t>
-            </a:r>
-          </a:p>
-          <a:p>
-            <a:pPr algn="l">
-              <a:spcAft>
-                <a:spcPts val="0"/>
-              </a:spcAft>
-            </a:pPr>
-            <a:r>
-              <a:rPr lang="en-GB" sz="700" dirty="0" smtClean="0">
-                <a:solidFill>
-                  <a:schemeClr val="bg1"/>
-                </a:solidFill>
-                <a:latin typeface="Consolas" pitchFamily="49" charset="0"/>
-                <a:ea typeface="Calibri"/>
-                <a:cs typeface="Times New Roman"/>
-              </a:rPr>
-              <a:t> </a:t>
-            </a:r>
-            <a:endParaRPr lang="en-GB" sz="700" dirty="0">
-              <a:solidFill>
-                <a:schemeClr val="bg1"/>
-              </a:solidFill>
-              <a:latin typeface="Consolas" pitchFamily="49" charset="0"/>
-              <a:ea typeface="Calibri"/>
-              <a:cs typeface="Times New Roman"/>
-            </a:endParaRPr>
-          </a:p>
-        </p:txBody>
-      </p:sp>
-      <p:sp>
-        <p:nvSpPr>
-          <p:cNvPr id="9" name="Rectangular Callout 8"/>
-          <p:cNvSpPr/>
-          <p:nvPr/>
-        </p:nvSpPr>
-        <p:spPr>
-          <a:xfrm>
-            <a:off x="6743700" y="4276725"/>
-            <a:ext cx="1828800" cy="923330"/>
-          </a:xfrm>
-          <a:prstGeom prst="wedgeRectCallout">
-            <a:avLst>
-              <a:gd name="adj1" fmla="val -131066"/>
-              <a:gd name="adj2" fmla="val -61530"/>
-            </a:avLst>
-          </a:prstGeom>
-          <a:solidFill>
-            <a:schemeClr val="accent2"/>
-          </a:solidFill>
-        </p:spPr>
-        <p:style>
-          <a:lnRef idx="2">
-            <a:schemeClr val="accent1">
-              <a:shade val="50000"/>
-            </a:schemeClr>
-          </a:lnRef>
-          <a:fillRef idx="1">
-            <a:schemeClr val="accent1"/>
-          </a:fillRef>
-          <a:effectRef idx="0">
-            <a:schemeClr val="accent1"/>
-          </a:effectRef>
-          <a:fontRef idx="minor">
-            <a:schemeClr val="lt1"/>
-          </a:fontRef>
-        </p:style>
-        <p:txBody>
-          <a:bodyPr rtlCol="0" anchor="ctr">
-            <a:spAutoFit/>
-          </a:bodyPr>
-          <a:lstStyle/>
-          <a:p>
-            <a:pPr algn="ctr"/>
-            <a:r>
-              <a:rPr lang="en-GB" b="1" dirty="0" smtClean="0">
-                <a:solidFill>
-                  <a:schemeClr val="bg1"/>
-                </a:solidFill>
-              </a:rPr>
-              <a:t>Processing 200 images in parallel</a:t>
-            </a:r>
-          </a:p>
-        </p:txBody>
-      </p:sp>
-    </p:spTree>
-  </p:cSld>
-  <p:clrMapOvr>
-    <a:masterClrMapping/>
-  </p:clrMapOvr>
-  <p:transition/>
-  <p:timing>
-    <p:tnLst>
-      <p:par>
-        <p:cTn id="1" dur="indefinite" restart="never" nodeType="tmRoot">
-          <p:childTnLst>
-            <p:seq concurrent="1" nextAc="seek">
-              <p:cTn id="2" dur="indefinite" nodeType="mainSeq">
-                <p:childTnLst>
-                  <p:par>
-                    <p:cTn id="3" fill="hold">
-                      <p:stCondLst>
-                        <p:cond delay="indefinite"/>
-                      </p:stCondLst>
-                      <p:childTnLst>
-                        <p:par>
-                          <p:cTn id="4" fill="hold">
-                            <p:stCondLst>
-                              <p:cond delay="0"/>
-                            </p:stCondLst>
-                            <p:childTnLst>
-                              <p:par>
-                                <p:cTn id="5" presetID="1" presetClass="entr" presetSubtype="0" fill="hold" grpId="0" nodeType="clickEffect">
-                                  <p:stCondLst>
-                                    <p:cond delay="0"/>
-                                  </p:stCondLst>
-                                  <p:childTnLst>
-                                    <p:set>
-                                      <p:cBhvr>
-                                        <p:cTn id="6" dur="1" fill="hold">
-                                          <p:stCondLst>
-                                            <p:cond delay="0"/>
-                                          </p:stCondLst>
-                                        </p:cTn>
-                                        <p:tgtEl>
-                                          <p:spTgt spid="9"/>
-                                        </p:tgtEl>
-                                        <p:attrNameLst>
-                                          <p:attrName>style.visibility</p:attrName>
-                                        </p:attrNameLst>
-                                      </p:cBhvr>
-                                      <p:to>
-                                        <p:strVal val="visible"/>
-                                      </p:to>
-                                    </p:set>
-                                  </p:childTnLst>
-                                </p:cTn>
-                              </p:par>
-                            </p:childTnLst>
-                          </p:cTn>
-                        </p:par>
-                      </p:childTnLst>
-                    </p:cTn>
-                  </p:par>
-                  <p:par>
-                    <p:cTn id="7" fill="hold">
-                      <p:stCondLst>
-                        <p:cond delay="indefinite"/>
-                      </p:stCondLst>
-                      <p:childTnLst>
-                        <p:par>
-                          <p:cTn id="8" fill="hold">
-                            <p:stCondLst>
-                              <p:cond delay="0"/>
-                            </p:stCondLst>
-                            <p:childTnLst>
-                              <p:par>
-                                <p:cTn id="9" presetID="1" presetClass="entr" presetSubtype="0" fill="hold" grpId="0" nodeType="clickEffect">
-                                  <p:stCondLst>
-                                    <p:cond delay="0"/>
-                                  </p:stCondLst>
-                                  <p:childTnLst>
-                                    <p:set>
-                                      <p:cBhvr>
-                                        <p:cTn id="10" dur="1" fill="hold">
-                                          <p:stCondLst>
-                                            <p:cond delay="0"/>
-                                          </p:stCondLst>
-                                        </p:cTn>
-                                        <p:tgtEl>
-                                          <p:spTgt spid="10"/>
-                                        </p:tgtEl>
-                                        <p:attrNameLst>
-                                          <p:attrName>style.visibility</p:attrName>
-                                        </p:attrNameLst>
-                                      </p:cBhvr>
-                                      <p:to>
-                                        <p:strVal val="visible"/>
-                                      </p:to>
-                                    </p:set>
-                                  </p:childTnLst>
-                                </p:cTn>
-                              </p:par>
-                            </p:childTnLst>
-                          </p:cTn>
-                        </p:par>
-                      </p:childTnLst>
-                    </p:cTn>
-                  </p:par>
-                  <p:par>
-                    <p:cTn id="11" fill="hold">
-                      <p:stCondLst>
-                        <p:cond delay="indefinite"/>
-                      </p:stCondLst>
-                      <p:childTnLst>
-                        <p:par>
-                          <p:cTn id="12" fill="hold">
-                            <p:stCondLst>
-                              <p:cond delay="0"/>
-                            </p:stCondLst>
-                            <p:childTnLst>
-                              <p:par>
-                                <p:cTn id="13" presetID="5" presetClass="exit" presetSubtype="10" fill="hold" grpId="0" nodeType="clickEffect">
-                                  <p:stCondLst>
-                                    <p:cond delay="0"/>
-                                  </p:stCondLst>
-                                  <p:childTnLst>
-                                    <p:animEffect transition="out" filter="checkerboard(across)">
-                                      <p:cBhvr>
-                                        <p:cTn id="14" dur="500"/>
-                                        <p:tgtEl>
-                                          <p:spTgt spid="7"/>
-                                        </p:tgtEl>
-                                      </p:cBhvr>
-                                    </p:animEffect>
-                                    <p:set>
-                                      <p:cBhvr>
-                                        <p:cTn id="15" dur="1" fill="hold">
-                                          <p:stCondLst>
-                                            <p:cond delay="499"/>
-                                          </p:stCondLst>
-                                        </p:cTn>
-                                        <p:tgtEl>
-                                          <p:spTgt spid="7"/>
-                                        </p:tgtEl>
-                                        <p:attrNameLst>
-                                          <p:attrName>style.visibility</p:attrName>
-                                        </p:attrNameLst>
-                                      </p:cBhvr>
-                                      <p:to>
-                                        <p:strVal val="hidden"/>
-                                      </p:to>
-                                    </p:set>
-                                  </p:childTnLst>
-                                </p:cTn>
-                              </p:par>
-                              <p:par>
-                                <p:cTn id="16" presetID="5" presetClass="exit" presetSubtype="10" fill="hold" grpId="0" nodeType="withEffect">
-                                  <p:stCondLst>
-                                    <p:cond delay="0"/>
-                                  </p:stCondLst>
-                                  <p:childTnLst>
-                                    <p:animEffect transition="out" filter="checkerboard(across)">
-                                      <p:cBhvr>
-                                        <p:cTn id="17" dur="500"/>
-                                        <p:tgtEl>
-                                          <p:spTgt spid="8"/>
-                                        </p:tgtEl>
-                                      </p:cBhvr>
-                                    </p:animEffect>
-                                    <p:set>
-                                      <p:cBhvr>
-                                        <p:cTn id="18" dur="1" fill="hold">
-                                          <p:stCondLst>
-                                            <p:cond delay="499"/>
-                                          </p:stCondLst>
-                                        </p:cTn>
-                                        <p:tgtEl>
-                                          <p:spTgt spid="8"/>
-                                        </p:tgtEl>
-                                        <p:attrNameLst>
-                                          <p:attrName>style.visibility</p:attrName>
-                                        </p:attrNameLst>
-                                      </p:cBhvr>
-                                      <p:to>
-                                        <p:strVal val="hidden"/>
-                                      </p:to>
-                                    </p:set>
-                                  </p:childTnLst>
-                                </p:cTn>
-                              </p:par>
-                              <p:par>
-                                <p:cTn id="19" presetID="5" presetClass="exit" presetSubtype="10" fill="hold" grpId="0" nodeType="withEffect">
-                                  <p:stCondLst>
-                                    <p:cond delay="0"/>
-                                  </p:stCondLst>
-                                  <p:childTnLst>
-                                    <p:animEffect transition="out" filter="checkerboard(across)">
-                                      <p:cBhvr>
-                                        <p:cTn id="20" dur="500"/>
-                                        <p:tgtEl>
-                                          <p:spTgt spid="17"/>
-                                        </p:tgtEl>
-                                      </p:cBhvr>
-                                    </p:animEffect>
-                                    <p:set>
-                                      <p:cBhvr>
-                                        <p:cTn id="21" dur="1" fill="hold">
-                                          <p:stCondLst>
-                                            <p:cond delay="499"/>
-                                          </p:stCondLst>
-                                        </p:cTn>
-                                        <p:tgtEl>
-                                          <p:spTgt spid="17"/>
-                                        </p:tgtEl>
-                                        <p:attrNameLst>
-                                          <p:attrName>style.visibility</p:attrName>
-                                        </p:attrNameLst>
-                                      </p:cBhvr>
-                                      <p:to>
-                                        <p:strVal val="hidden"/>
-                                      </p:to>
-                                    </p:set>
-                                  </p:childTnLst>
-                                </p:cTn>
-                              </p:par>
-                            </p:childTnLst>
-                          </p:cTn>
-                        </p:par>
-                      </p:childTnLst>
-                    </p:cTn>
-                  </p:par>
-                </p:childTnLst>
-              </p:cTn>
-              <p:prevCondLst>
-                <p:cond evt="onPrev" delay="0">
-                  <p:tgtEl>
-                    <p:sldTgt/>
-                  </p:tgtEl>
-                </p:cond>
-              </p:prevCondLst>
-              <p:nextCondLst>
-                <p:cond evt="onNext" delay="0">
-                  <p:tgtEl>
-                    <p:sldTgt/>
-                  </p:tgtEl>
-                </p:cond>
-              </p:nextCondLst>
-            </p:seq>
-          </p:childTnLst>
-        </p:cTn>
-      </p:par>
-    </p:tnLst>
-    <p:bldLst>
-      <p:bldP spid="17" grpId="0" animBg="1"/>
-      <p:bldP spid="8" grpId="0" animBg="1"/>
-      <p:bldP spid="7" grpId="0" animBg="1"/>
-      <p:bldP spid="10" grpId="0" animBg="1"/>
-      <p:bldP spid="9" grpId="0" animBg="1"/>
-    </p:bldLst>
   </p:timing>
 </p:sld>
 </file>
@@ -10502,7 +5554,11 @@
               <a:t> </a:t>
             </a:r>
             <a:r>
-              <a:rPr lang="de-DE" dirty="0" err="1" smtClean="0"/>
+              <a:rPr lang="de-DE" dirty="0" err="1" smtClean="0">
+                <a:solidFill>
+                  <a:srgbClr val="0070C0"/>
+                </a:solidFill>
+              </a:rPr>
               <a:t>fun</a:t>
             </a:r>
             <a:r>
@@ -10633,63 +5689,73 @@
           <a:lstStyle/>
           <a:p>
             <a:r>
-              <a:rPr lang="de-DE" sz="4000" dirty="0" smtClean="0"/>
-              <a:t>OOP vs. FP</a:t>
+              <a:rPr lang="de-DE" sz="3600" dirty="0" smtClean="0"/>
+              <a:t>Einführung in funktionale Programmierung</a:t>
+            </a:r>
+          </a:p>
+          <a:p>
+            <a:r>
+              <a:rPr lang="de-DE" sz="3600" dirty="0" smtClean="0"/>
+              <a:t>OOP </a:t>
+            </a:r>
+            <a:r>
+              <a:rPr lang="de-DE" sz="3600" dirty="0" smtClean="0"/>
+              <a:t>vs. FP</a:t>
             </a:r>
           </a:p>
           <a:p>
             <a:pPr lvl="1"/>
             <a:r>
-              <a:rPr lang="de-DE" sz="3600" dirty="0" smtClean="0"/>
+              <a:rPr lang="de-DE" sz="3200" dirty="0" smtClean="0"/>
               <a:t>Open-</a:t>
             </a:r>
             <a:r>
-              <a:rPr lang="de-DE" sz="3600" dirty="0" err="1" smtClean="0"/>
+              <a:rPr lang="de-DE" sz="3200" dirty="0" err="1" smtClean="0"/>
               <a:t>Closed</a:t>
             </a:r>
             <a:r>
-              <a:rPr lang="de-DE" sz="3600" dirty="0" smtClean="0"/>
+              <a:rPr lang="de-DE" sz="3200" dirty="0" smtClean="0"/>
               <a:t>-</a:t>
             </a:r>
             <a:r>
-              <a:rPr lang="de-DE" sz="3600" dirty="0" err="1" smtClean="0"/>
+              <a:rPr lang="de-DE" sz="3200" dirty="0" err="1" smtClean="0"/>
               <a:t>Principle</a:t>
             </a:r>
-            <a:endParaRPr lang="de-DE" sz="3600" dirty="0" smtClean="0"/>
+            <a:endParaRPr lang="de-DE" sz="3200" dirty="0" smtClean="0"/>
           </a:p>
           <a:p>
             <a:r>
-              <a:rPr lang="de-DE" sz="4000" dirty="0" smtClean="0"/>
+              <a:rPr lang="de-DE" sz="3600" dirty="0" smtClean="0"/>
               <a:t>F# als Host-Language für DSLs</a:t>
             </a:r>
           </a:p>
           <a:p>
             <a:pPr lvl="1"/>
             <a:r>
-              <a:rPr lang="de-DE" sz="3600" dirty="0" smtClean="0"/>
+              <a:rPr lang="de-DE" sz="3200" dirty="0" smtClean="0"/>
               <a:t>FAKE – F# </a:t>
             </a:r>
             <a:r>
-              <a:rPr lang="de-DE" sz="3600" dirty="0" err="1" smtClean="0"/>
+              <a:rPr lang="de-DE" sz="3200" dirty="0" err="1" smtClean="0"/>
               <a:t>Make</a:t>
             </a:r>
-            <a:endParaRPr lang="de-DE" sz="3600" dirty="0" smtClean="0"/>
+            <a:endParaRPr lang="de-DE" sz="3200" dirty="0" smtClean="0"/>
           </a:p>
           <a:p>
             <a:r>
-              <a:rPr lang="de-DE" sz="4000" dirty="0" err="1" smtClean="0"/>
+              <a:rPr lang="de-DE" sz="3600" dirty="0" err="1" smtClean="0"/>
               <a:t>Async</a:t>
             </a:r>
             <a:r>
-              <a:rPr lang="de-DE" sz="4000" dirty="0" smtClean="0"/>
+              <a:rPr lang="de-DE" sz="3600" dirty="0" smtClean="0"/>
               <a:t> </a:t>
             </a:r>
             <a:r>
-              <a:rPr lang="de-DE" sz="4000" dirty="0" err="1" smtClean="0"/>
+              <a:rPr lang="de-DE" sz="3600" dirty="0" err="1" smtClean="0"/>
               <a:t>workflows</a:t>
             </a:r>
             <a:r>
-              <a:rPr lang="de-DE" sz="4000" dirty="0" smtClean="0"/>
+              <a:rPr lang="de-DE" sz="3600" dirty="0" smtClean="0"/>
               <a:t> und Observables</a:t>
             </a:r>
           </a:p>
@@ -30766,11 +25832,7 @@
             </a:r>
             <a:r>
               <a:rPr lang="de-DE" sz="6000" dirty="0" smtClean="0"/>
-              <a:t> = </a:t>
-            </a:r>
-            <a:r>
-              <a:rPr lang="de-DE" sz="6000" dirty="0" smtClean="0"/>
-              <a:t>Data</a:t>
+              <a:t> = Data</a:t>
             </a:r>
             <a:endParaRPr lang="de-DE" sz="6000" dirty="0"/>
           </a:p>
